--- a/先トイ_仕様書.pptx
+++ b/先トイ_仕様書.pptx
@@ -15,9 +15,14 @@
     <p:sldId id="265" r:id="rId9"/>
     <p:sldId id="266" r:id="rId10"/>
     <p:sldId id="267" r:id="rId11"/>
-    <p:sldId id="268" r:id="rId12"/>
-    <p:sldId id="262" r:id="rId13"/>
-    <p:sldId id="263" r:id="rId14"/>
+    <p:sldId id="262" r:id="rId12"/>
+    <p:sldId id="263" r:id="rId13"/>
+    <p:sldId id="268" r:id="rId14"/>
+    <p:sldId id="270" r:id="rId15"/>
+    <p:sldId id="271" r:id="rId16"/>
+    <p:sldId id="272" r:id="rId17"/>
+    <p:sldId id="273" r:id="rId18"/>
+    <p:sldId id="274" r:id="rId19"/>
   </p:sldIdLst>
   <p:sldSz cx="12192000" cy="6858000"/>
   <p:notesSz cx="6858000" cy="9144000"/>
@@ -266,7 +271,7 @@
           <a:p>
             <a:fld id="{85E14F96-56D0-4961-8187-0DDD15D7D86F}" type="datetimeFigureOut">
               <a:rPr kumimoji="1" lang="ja-JP" altLang="en-US" smtClean="0"/>
-              <a:t>2020/12/23</a:t>
+              <a:t>2020/12/24</a:t>
             </a:fld>
             <a:endParaRPr kumimoji="1" lang="ja-JP" altLang="en-US"/>
           </a:p>
@@ -468,7 +473,7 @@
           <a:p>
             <a:fld id="{85E14F96-56D0-4961-8187-0DDD15D7D86F}" type="datetimeFigureOut">
               <a:rPr kumimoji="1" lang="ja-JP" altLang="en-US" smtClean="0"/>
-              <a:t>2020/12/23</a:t>
+              <a:t>2020/12/24</a:t>
             </a:fld>
             <a:endParaRPr kumimoji="1" lang="ja-JP" altLang="en-US"/>
           </a:p>
@@ -680,7 +685,7 @@
           <a:p>
             <a:fld id="{85E14F96-56D0-4961-8187-0DDD15D7D86F}" type="datetimeFigureOut">
               <a:rPr kumimoji="1" lang="ja-JP" altLang="en-US" smtClean="0"/>
-              <a:t>2020/12/23</a:t>
+              <a:t>2020/12/24</a:t>
             </a:fld>
             <a:endParaRPr kumimoji="1" lang="ja-JP" altLang="en-US"/>
           </a:p>
@@ -882,7 +887,7 @@
           <a:p>
             <a:fld id="{85E14F96-56D0-4961-8187-0DDD15D7D86F}" type="datetimeFigureOut">
               <a:rPr kumimoji="1" lang="ja-JP" altLang="en-US" smtClean="0"/>
-              <a:t>2020/12/23</a:t>
+              <a:t>2020/12/24</a:t>
             </a:fld>
             <a:endParaRPr kumimoji="1" lang="ja-JP" altLang="en-US"/>
           </a:p>
@@ -1128,7 +1133,7 @@
           <a:p>
             <a:fld id="{85E14F96-56D0-4961-8187-0DDD15D7D86F}" type="datetimeFigureOut">
               <a:rPr kumimoji="1" lang="ja-JP" altLang="en-US" smtClean="0"/>
-              <a:t>2020/12/23</a:t>
+              <a:t>2020/12/24</a:t>
             </a:fld>
             <a:endParaRPr kumimoji="1" lang="ja-JP" altLang="en-US"/>
           </a:p>
@@ -1424,7 +1429,7 @@
           <a:p>
             <a:fld id="{85E14F96-56D0-4961-8187-0DDD15D7D86F}" type="datetimeFigureOut">
               <a:rPr kumimoji="1" lang="ja-JP" altLang="en-US" smtClean="0"/>
-              <a:t>2020/12/23</a:t>
+              <a:t>2020/12/24</a:t>
             </a:fld>
             <a:endParaRPr kumimoji="1" lang="ja-JP" altLang="en-US"/>
           </a:p>
@@ -1855,7 +1860,7 @@
           <a:p>
             <a:fld id="{85E14F96-56D0-4961-8187-0DDD15D7D86F}" type="datetimeFigureOut">
               <a:rPr kumimoji="1" lang="ja-JP" altLang="en-US" smtClean="0"/>
-              <a:t>2020/12/23</a:t>
+              <a:t>2020/12/24</a:t>
             </a:fld>
             <a:endParaRPr kumimoji="1" lang="ja-JP" altLang="en-US"/>
           </a:p>
@@ -1973,7 +1978,7 @@
           <a:p>
             <a:fld id="{85E14F96-56D0-4961-8187-0DDD15D7D86F}" type="datetimeFigureOut">
               <a:rPr kumimoji="1" lang="ja-JP" altLang="en-US" smtClean="0"/>
-              <a:t>2020/12/23</a:t>
+              <a:t>2020/12/24</a:t>
             </a:fld>
             <a:endParaRPr kumimoji="1" lang="ja-JP" altLang="en-US"/>
           </a:p>
@@ -2068,7 +2073,7 @@
           <a:p>
             <a:fld id="{85E14F96-56D0-4961-8187-0DDD15D7D86F}" type="datetimeFigureOut">
               <a:rPr kumimoji="1" lang="ja-JP" altLang="en-US" smtClean="0"/>
-              <a:t>2020/12/23</a:t>
+              <a:t>2020/12/24</a:t>
             </a:fld>
             <a:endParaRPr kumimoji="1" lang="ja-JP" altLang="en-US"/>
           </a:p>
@@ -2377,7 +2382,7 @@
           <a:p>
             <a:fld id="{85E14F96-56D0-4961-8187-0DDD15D7D86F}" type="datetimeFigureOut">
               <a:rPr kumimoji="1" lang="ja-JP" altLang="en-US" smtClean="0"/>
-              <a:t>2020/12/23</a:t>
+              <a:t>2020/12/24</a:t>
             </a:fld>
             <a:endParaRPr kumimoji="1" lang="ja-JP" altLang="en-US"/>
           </a:p>
@@ -2630,7 +2635,7 @@
           <a:p>
             <a:fld id="{85E14F96-56D0-4961-8187-0DDD15D7D86F}" type="datetimeFigureOut">
               <a:rPr kumimoji="1" lang="ja-JP" altLang="en-US" smtClean="0"/>
-              <a:t>2020/12/23</a:t>
+              <a:t>2020/12/24</a:t>
             </a:fld>
             <a:endParaRPr kumimoji="1" lang="ja-JP" altLang="en-US"/>
           </a:p>
@@ -2875,7 +2880,7 @@
           <a:p>
             <a:fld id="{85E14F96-56D0-4961-8187-0DDD15D7D86F}" type="datetimeFigureOut">
               <a:rPr kumimoji="1" lang="ja-JP" altLang="en-US" smtClean="0"/>
-              <a:t>2020/12/23</a:t>
+              <a:t>2020/12/24</a:t>
             </a:fld>
             <a:endParaRPr kumimoji="1" lang="ja-JP" altLang="en-US"/>
           </a:p>
@@ -3384,13 +3389,13 @@
       </p:grpSpPr>
       <p:sp>
         <p:nvSpPr>
-          <p:cNvPr id="2" name="テキスト ボックス 1"/>
+          <p:cNvPr id="3" name="テキスト ボックス 2"/>
           <p:cNvSpPr txBox="1"/>
           <p:nvPr/>
         </p:nvSpPr>
         <p:spPr>
           <a:xfrm>
-            <a:off x="324196" y="365760"/>
+            <a:off x="556560" y="365760"/>
             <a:ext cx="4750018" cy="369332"/>
           </a:xfrm>
           <a:prstGeom prst="rect">
@@ -3406,7 +3411,11 @@
           <a:p>
             <a:r>
               <a:rPr lang="ja-JP" altLang="en-US" dirty="0" smtClean="0"/>
-              <a:t>ステージ：</a:t>
+              <a:t>ステージ</a:t>
+            </a:r>
+            <a:r>
+              <a:rPr lang="ja-JP" altLang="en-US" dirty="0" smtClean="0"/>
+              <a:t>：</a:t>
             </a:r>
             <a:r>
               <a:rPr lang="ja-JP" altLang="en-US" dirty="0"/>
@@ -3424,6 +3433,310 @@
               <a:rPr lang="en-US" altLang="ja-JP" dirty="0"/>
               <a:t>)</a:t>
             </a:r>
+          </a:p>
+        </p:txBody>
+      </p:sp>
+      <p:sp>
+        <p:nvSpPr>
+          <p:cNvPr id="4" name="テキスト ボックス 3"/>
+          <p:cNvSpPr txBox="1"/>
+          <p:nvPr/>
+        </p:nvSpPr>
+        <p:spPr>
+          <a:xfrm>
+            <a:off x="415496" y="1582340"/>
+            <a:ext cx="5032147" cy="3724096"/>
+          </a:xfrm>
+          <a:prstGeom prst="rect">
+            <a:avLst/>
+          </a:prstGeom>
+          <a:solidFill>
+            <a:schemeClr val="accent2">
+              <a:lumMod val="20000"/>
+              <a:lumOff val="80000"/>
+            </a:schemeClr>
+          </a:solidFill>
+          <a:ln>
+            <a:solidFill>
+              <a:schemeClr val="tx1"/>
+            </a:solidFill>
+          </a:ln>
+        </p:spPr>
+        <p:txBody>
+          <a:bodyPr wrap="none" rtlCol="0">
+            <a:spAutoFit/>
+          </a:bodyPr>
+          <a:lstStyle/>
+          <a:p>
+            <a:r>
+              <a:rPr kumimoji="1" lang="ja-JP" altLang="en-US" dirty="0" smtClean="0"/>
+              <a:t>ファイル名：</a:t>
+            </a:r>
+            <a:r>
+              <a:rPr lang="en-US" altLang="ja-JP" dirty="0" smtClean="0"/>
+              <a:t>stage_2_City.xlsx</a:t>
+            </a:r>
+          </a:p>
+          <a:p>
+            <a:endParaRPr lang="en-US" altLang="ja-JP" dirty="0"/>
+          </a:p>
+          <a:p>
+            <a:r>
+              <a:rPr lang="ja-JP" altLang="en-US" sz="2000" dirty="0" smtClean="0"/>
+              <a:t>ステージ説明文・ストーリー</a:t>
+            </a:r>
+            <a:endParaRPr lang="en-US" altLang="ja-JP" sz="2000" dirty="0" smtClean="0"/>
+          </a:p>
+          <a:p>
+            <a:endParaRPr lang="en-US" altLang="ja-JP" dirty="0"/>
+          </a:p>
+          <a:p>
+            <a:r>
+              <a:rPr lang="ja-JP" altLang="en-US" dirty="0" smtClean="0"/>
+              <a:t>無事に学校も終わり、いつのまにか下校時間。</a:t>
+            </a:r>
+            <a:endParaRPr lang="en-US" altLang="ja-JP" dirty="0" smtClean="0"/>
+          </a:p>
+          <a:p>
+            <a:endParaRPr lang="en-US" altLang="ja-JP" dirty="0"/>
+          </a:p>
+          <a:p>
+            <a:r>
+              <a:rPr lang="ja-JP" altLang="en-US" dirty="0" smtClean="0"/>
+              <a:t>やりたいゲームがあるから、</a:t>
+            </a:r>
+            <a:endParaRPr lang="en-US" altLang="ja-JP" dirty="0" smtClean="0"/>
+          </a:p>
+          <a:p>
+            <a:r>
+              <a:rPr lang="ja-JP" altLang="en-US" dirty="0" smtClean="0"/>
+              <a:t>急いで帰らなきゃ！</a:t>
+            </a:r>
+            <a:endParaRPr lang="en-US" altLang="ja-JP" dirty="0" smtClean="0"/>
+          </a:p>
+          <a:p>
+            <a:r>
+              <a:rPr lang="ja-JP" altLang="en-US" dirty="0" smtClean="0"/>
+              <a:t>でも、またお腹に違和感が</a:t>
+            </a:r>
+            <a:r>
+              <a:rPr lang="en-US" altLang="ja-JP" dirty="0" smtClean="0"/>
+              <a:t>…</a:t>
+            </a:r>
+            <a:r>
+              <a:rPr lang="ja-JP" altLang="en-US" dirty="0" smtClean="0"/>
+              <a:t>？</a:t>
+            </a:r>
+            <a:endParaRPr lang="en-US" altLang="ja-JP" dirty="0" smtClean="0"/>
+          </a:p>
+          <a:p>
+            <a:endParaRPr lang="en-US" altLang="ja-JP" dirty="0"/>
+          </a:p>
+          <a:p>
+            <a:r>
+              <a:rPr lang="en-US" altLang="ja-JP" dirty="0" smtClean="0"/>
+              <a:t>…</a:t>
+            </a:r>
+            <a:r>
+              <a:rPr lang="ja-JP" altLang="en-US" dirty="0" smtClean="0"/>
+              <a:t>これは、</a:t>
+            </a:r>
+            <a:r>
+              <a:rPr lang="ja-JP" altLang="en-US" dirty="0"/>
+              <a:t>今にも漏れそうだ！</a:t>
+            </a:r>
+            <a:endParaRPr lang="en-US" altLang="ja-JP" dirty="0"/>
+          </a:p>
+          <a:p>
+            <a:r>
+              <a:rPr lang="ja-JP" altLang="en-US" dirty="0"/>
+              <a:t>すぐにトイレへ向かわなければ！</a:t>
+            </a:r>
+            <a:endParaRPr lang="en-US" altLang="ja-JP" dirty="0"/>
+          </a:p>
+          <a:p>
+            <a:r>
+              <a:rPr lang="ja-JP" altLang="en-US" dirty="0" smtClean="0"/>
+              <a:t>でも、こんな街中にトイレなんて</a:t>
+            </a:r>
+            <a:r>
+              <a:rPr lang="en-US" altLang="ja-JP" dirty="0" smtClean="0"/>
+              <a:t>…</a:t>
+            </a:r>
+            <a:endParaRPr lang="en-US" altLang="ja-JP" dirty="0"/>
+          </a:p>
+        </p:txBody>
+      </p:sp>
+      <p:sp>
+        <p:nvSpPr>
+          <p:cNvPr id="5" name="テキスト ボックス 4"/>
+          <p:cNvSpPr txBox="1"/>
+          <p:nvPr/>
+        </p:nvSpPr>
+        <p:spPr>
+          <a:xfrm>
+            <a:off x="6998810" y="365760"/>
+            <a:ext cx="3826689" cy="369332"/>
+          </a:xfrm>
+          <a:prstGeom prst="rect">
+            <a:avLst/>
+          </a:prstGeom>
+          <a:noFill/>
+        </p:spPr>
+        <p:txBody>
+          <a:bodyPr wrap="none" rtlCol="0">
+            <a:spAutoFit/>
+          </a:bodyPr>
+          <a:lstStyle/>
+          <a:p>
+            <a:r>
+              <a:rPr lang="ja-JP" altLang="en-US" dirty="0" smtClean="0"/>
+              <a:t>ステージ</a:t>
+            </a:r>
+            <a:r>
+              <a:rPr lang="ja-JP" altLang="en-US" dirty="0" smtClean="0"/>
+              <a:t>：</a:t>
+            </a:r>
+            <a:r>
+              <a:rPr lang="ja-JP" altLang="en-US" dirty="0"/>
+              <a:t>家</a:t>
+            </a:r>
+            <a:r>
+              <a:rPr lang="en-US" altLang="ja-JP" dirty="0"/>
+              <a:t>(</a:t>
+            </a:r>
+            <a:r>
+              <a:rPr lang="ja-JP" altLang="en-US" dirty="0"/>
+              <a:t>ゴール：家のトイレ</a:t>
+            </a:r>
+            <a:r>
+              <a:rPr lang="en-US" altLang="ja-JP" dirty="0"/>
+              <a:t>)</a:t>
+            </a:r>
+            <a:endParaRPr lang="ja-JP" altLang="en-US" dirty="0"/>
+          </a:p>
+        </p:txBody>
+      </p:sp>
+      <p:sp>
+        <p:nvSpPr>
+          <p:cNvPr id="6" name="テキスト ボックス 5"/>
+          <p:cNvSpPr txBox="1"/>
+          <p:nvPr/>
+        </p:nvSpPr>
+        <p:spPr>
+          <a:xfrm>
+            <a:off x="6742330" y="1582340"/>
+            <a:ext cx="4339650" cy="3416320"/>
+          </a:xfrm>
+          <a:prstGeom prst="rect">
+            <a:avLst/>
+          </a:prstGeom>
+          <a:solidFill>
+            <a:schemeClr val="accent2">
+              <a:lumMod val="20000"/>
+              <a:lumOff val="80000"/>
+            </a:schemeClr>
+          </a:solidFill>
+          <a:ln>
+            <a:solidFill>
+              <a:schemeClr val="tx1"/>
+            </a:solidFill>
+          </a:ln>
+        </p:spPr>
+        <p:txBody>
+          <a:bodyPr wrap="none" rtlCol="0">
+            <a:spAutoFit/>
+          </a:bodyPr>
+          <a:lstStyle/>
+          <a:p>
+            <a:r>
+              <a:rPr kumimoji="1" lang="ja-JP" altLang="en-US" dirty="0" smtClean="0"/>
+              <a:t>ファイル名：</a:t>
+            </a:r>
+            <a:r>
+              <a:rPr lang="en-US" altLang="ja-JP" dirty="0" smtClean="0"/>
+              <a:t>stage_3_House.xlsx</a:t>
+            </a:r>
+          </a:p>
+          <a:p>
+            <a:endParaRPr lang="en-US" altLang="ja-JP" dirty="0"/>
+          </a:p>
+          <a:p>
+            <a:r>
+              <a:rPr lang="ja-JP" altLang="en-US" dirty="0" smtClean="0"/>
+              <a:t>ステージ説明文・ストーリー</a:t>
+            </a:r>
+            <a:endParaRPr lang="en-US" altLang="ja-JP" dirty="0" smtClean="0"/>
+          </a:p>
+          <a:p>
+            <a:endParaRPr lang="en-US" altLang="ja-JP" dirty="0"/>
+          </a:p>
+          <a:p>
+            <a:r>
+              <a:rPr lang="ja-JP" altLang="en-US" dirty="0" smtClean="0"/>
+              <a:t>やっぱりこのゲームは楽しいなぁ。</a:t>
+            </a:r>
+            <a:endParaRPr lang="en-US" altLang="ja-JP" dirty="0" smtClean="0"/>
+          </a:p>
+          <a:p>
+            <a:r>
+              <a:rPr lang="ja-JP" altLang="en-US" dirty="0"/>
+              <a:t>朝</a:t>
+            </a:r>
+            <a:r>
+              <a:rPr lang="ja-JP" altLang="en-US" dirty="0" smtClean="0"/>
+              <a:t>までだってできるぞ。</a:t>
+            </a:r>
+            <a:endParaRPr lang="en-US" altLang="ja-JP" dirty="0" smtClean="0"/>
+          </a:p>
+          <a:p>
+            <a:endParaRPr lang="en-US" altLang="ja-JP" dirty="0"/>
+          </a:p>
+          <a:p>
+            <a:r>
+              <a:rPr lang="en-US" altLang="ja-JP" dirty="0" smtClean="0"/>
+              <a:t>…</a:t>
+            </a:r>
+            <a:r>
+              <a:rPr lang="ja-JP" altLang="en-US" dirty="0" smtClean="0"/>
+              <a:t>でも、気づいたらもう夜だ。</a:t>
+            </a:r>
+            <a:endParaRPr lang="en-US" altLang="ja-JP" dirty="0" smtClean="0"/>
+          </a:p>
+          <a:p>
+            <a:r>
+              <a:rPr lang="ja-JP" altLang="en-US" dirty="0" smtClean="0"/>
+              <a:t>それに、ゲームに夢中で忘れてたけど</a:t>
+            </a:r>
+            <a:r>
+              <a:rPr lang="en-US" altLang="ja-JP" dirty="0" smtClean="0"/>
+              <a:t>…</a:t>
+            </a:r>
+          </a:p>
+          <a:p>
+            <a:endParaRPr lang="en-US" altLang="ja-JP" dirty="0"/>
+          </a:p>
+          <a:p>
+            <a:r>
+              <a:rPr lang="en-US" altLang="ja-JP" dirty="0"/>
+              <a:t>…</a:t>
+            </a:r>
+            <a:r>
+              <a:rPr lang="ja-JP" altLang="en-US" dirty="0"/>
+              <a:t>これは、今にも漏れそうだ！</a:t>
+            </a:r>
+            <a:endParaRPr lang="en-US" altLang="ja-JP" dirty="0"/>
+          </a:p>
+          <a:p>
+            <a:r>
+              <a:rPr lang="ja-JP" altLang="en-US" dirty="0"/>
+              <a:t>すぐにトイレへ向かわなければ</a:t>
+            </a:r>
+            <a:r>
+              <a:rPr lang="ja-JP" altLang="en-US" dirty="0" smtClean="0"/>
+              <a:t>！</a:t>
+            </a:r>
+            <a:endParaRPr lang="en-US" altLang="ja-JP" dirty="0"/>
           </a:p>
         </p:txBody>
       </p:sp>
@@ -3473,7 +3786,7 @@
         <p:spPr>
           <a:xfrm>
             <a:off x="324196" y="365760"/>
-            <a:ext cx="3826689" cy="369332"/>
+            <a:ext cx="1800493" cy="369332"/>
           </a:xfrm>
           <a:prstGeom prst="rect">
             <a:avLst/>
@@ -3487,33 +3800,265 @@
           <a:lstStyle/>
           <a:p>
             <a:r>
+              <a:rPr kumimoji="1" lang="ja-JP" altLang="en-US" dirty="0" smtClean="0"/>
+              <a:t>ゲーム</a:t>
+            </a:r>
+            <a:r>
               <a:rPr lang="ja-JP" altLang="en-US" dirty="0" smtClean="0"/>
-              <a:t>ステージ：</a:t>
-            </a:r>
-            <a:r>
-              <a:rPr lang="ja-JP" altLang="en-US" dirty="0"/>
-              <a:t>家</a:t>
-            </a:r>
-            <a:r>
-              <a:rPr lang="en-US" altLang="ja-JP" dirty="0"/>
+              <a:t>中</a:t>
+            </a:r>
+            <a:r>
+              <a:rPr kumimoji="1" lang="ja-JP" altLang="en-US" dirty="0" smtClean="0"/>
+              <a:t>の仕様</a:t>
+            </a:r>
+            <a:endParaRPr kumimoji="1" lang="ja-JP" altLang="en-US" dirty="0"/>
+          </a:p>
+        </p:txBody>
+      </p:sp>
+      <p:pic>
+        <p:nvPicPr>
+          <p:cNvPr id="3" name="図 2"/>
+          <p:cNvPicPr>
+            <a:picLocks noChangeAspect="1"/>
+          </p:cNvPicPr>
+          <p:nvPr/>
+        </p:nvPicPr>
+        <p:blipFill>
+          <a:blip r:embed="rId2"/>
+          <a:stretch>
+            <a:fillRect/>
+          </a:stretch>
+        </p:blipFill>
+        <p:spPr>
+          <a:xfrm>
+            <a:off x="1400463" y="787760"/>
+            <a:ext cx="9391073" cy="5282479"/>
+          </a:xfrm>
+          <a:prstGeom prst="rect">
+            <a:avLst/>
+          </a:prstGeom>
+          <a:ln>
+            <a:solidFill>
+              <a:schemeClr val="tx1"/>
+            </a:solidFill>
+          </a:ln>
+        </p:spPr>
+      </p:pic>
+      <p:sp>
+        <p:nvSpPr>
+          <p:cNvPr id="12" name="テキスト ボックス 11"/>
+          <p:cNvSpPr txBox="1"/>
+          <p:nvPr/>
+        </p:nvSpPr>
+        <p:spPr>
+          <a:xfrm>
+            <a:off x="1400463" y="790850"/>
+            <a:ext cx="2781531" cy="307777"/>
+          </a:xfrm>
+          <a:prstGeom prst="rect">
+            <a:avLst/>
+          </a:prstGeom>
+          <a:solidFill>
+            <a:schemeClr val="accent2">
+              <a:lumMod val="20000"/>
+              <a:lumOff val="80000"/>
+            </a:schemeClr>
+          </a:solidFill>
+          <a:ln>
+            <a:solidFill>
+              <a:schemeClr val="tx1"/>
+            </a:solidFill>
+          </a:ln>
+        </p:spPr>
+        <p:txBody>
+          <a:bodyPr wrap="none" rtlCol="0">
+            <a:spAutoFit/>
+          </a:bodyPr>
+          <a:lstStyle/>
+          <a:p>
+            <a:r>
+              <a:rPr kumimoji="1" lang="ja-JP" altLang="en-US" sz="1400" dirty="0" smtClean="0"/>
+              <a:t>お金は変数</a:t>
+            </a:r>
+            <a:r>
+              <a:rPr kumimoji="1" lang="en-US" altLang="ja-JP" sz="1400" dirty="0" smtClean="0"/>
               <a:t>(</a:t>
             </a:r>
             <a:r>
-              <a:rPr lang="ja-JP" altLang="en-US" dirty="0"/>
-              <a:t>ゴール：家のトイレ</a:t>
-            </a:r>
-            <a:r>
-              <a:rPr lang="en-US" altLang="ja-JP" dirty="0"/>
+              <a:rPr kumimoji="1" lang="en-US" altLang="ja-JP" sz="1400" dirty="0" err="1" smtClean="0"/>
+              <a:t>nMoney</a:t>
+            </a:r>
+            <a:r>
+              <a:rPr kumimoji="1" lang="ja-JP" altLang="en-US" sz="1400" dirty="0" smtClean="0"/>
+              <a:t>とか</a:t>
+            </a:r>
+            <a:r>
+              <a:rPr kumimoji="1" lang="en-US" altLang="ja-JP" sz="1400" dirty="0" smtClean="0"/>
               <a:t>)</a:t>
             </a:r>
-            <a:endParaRPr lang="ja-JP" altLang="en-US" dirty="0"/>
+            <a:r>
+              <a:rPr kumimoji="1" lang="ja-JP" altLang="en-US" sz="1400" dirty="0" smtClean="0"/>
+              <a:t>で管理</a:t>
+            </a:r>
+            <a:endParaRPr kumimoji="1" lang="en-US" altLang="ja-JP" sz="1400" dirty="0" smtClean="0"/>
+          </a:p>
+        </p:txBody>
+      </p:sp>
+      <p:sp>
+        <p:nvSpPr>
+          <p:cNvPr id="13" name="テキスト ボックス 12"/>
+          <p:cNvSpPr txBox="1"/>
+          <p:nvPr/>
+        </p:nvSpPr>
+        <p:spPr>
+          <a:xfrm>
+            <a:off x="7016143" y="550426"/>
+            <a:ext cx="3775393" cy="523220"/>
+          </a:xfrm>
+          <a:prstGeom prst="rect">
+            <a:avLst/>
+          </a:prstGeom>
+          <a:solidFill>
+            <a:schemeClr val="accent2">
+              <a:lumMod val="20000"/>
+              <a:lumOff val="80000"/>
+            </a:schemeClr>
+          </a:solidFill>
+          <a:ln>
+            <a:solidFill>
+              <a:schemeClr val="tx1"/>
+            </a:solidFill>
+          </a:ln>
+        </p:spPr>
+        <p:txBody>
+          <a:bodyPr wrap="none" rtlCol="0">
+            <a:spAutoFit/>
+          </a:bodyPr>
+          <a:lstStyle/>
+          <a:p>
+            <a:r>
+              <a:rPr kumimoji="1" lang="ja-JP" altLang="en-US" sz="1400" dirty="0" smtClean="0"/>
+              <a:t>アイテム使用中はモデルを回転させる</a:t>
+            </a:r>
+            <a:endParaRPr kumimoji="1" lang="en-US" altLang="ja-JP" sz="1400" dirty="0" smtClean="0"/>
+          </a:p>
+          <a:p>
+            <a:r>
+              <a:rPr kumimoji="1" lang="ja-JP" altLang="en-US" sz="1400" dirty="0" smtClean="0"/>
+              <a:t>使用時間が切れてきたら点滅、切れたら消す</a:t>
+            </a:r>
+            <a:endParaRPr kumimoji="1" lang="en-US" altLang="ja-JP" sz="1400" dirty="0" smtClean="0"/>
+          </a:p>
+        </p:txBody>
+      </p:sp>
+      <p:sp>
+        <p:nvSpPr>
+          <p:cNvPr id="14" name="テキスト ボックス 13"/>
+          <p:cNvSpPr txBox="1"/>
+          <p:nvPr/>
+        </p:nvSpPr>
+        <p:spPr>
+          <a:xfrm>
+            <a:off x="9422563" y="2127896"/>
+            <a:ext cx="2159566" cy="307777"/>
+          </a:xfrm>
+          <a:prstGeom prst="rect">
+            <a:avLst/>
+          </a:prstGeom>
+          <a:solidFill>
+            <a:schemeClr val="accent2">
+              <a:lumMod val="20000"/>
+              <a:lumOff val="80000"/>
+            </a:schemeClr>
+          </a:solidFill>
+          <a:ln>
+            <a:solidFill>
+              <a:schemeClr val="tx1"/>
+            </a:solidFill>
+          </a:ln>
+        </p:spPr>
+        <p:txBody>
+          <a:bodyPr wrap="none" rtlCol="0">
+            <a:spAutoFit/>
+          </a:bodyPr>
+          <a:lstStyle/>
+          <a:p>
+            <a:r>
+              <a:rPr kumimoji="1" lang="ja-JP" altLang="en-US" sz="1400" dirty="0" smtClean="0"/>
+              <a:t>壁にはテクスチャを貼る</a:t>
+            </a:r>
+            <a:endParaRPr kumimoji="1" lang="en-US" altLang="ja-JP" sz="1400" dirty="0" smtClean="0"/>
+          </a:p>
+        </p:txBody>
+      </p:sp>
+      <p:sp>
+        <p:nvSpPr>
+          <p:cNvPr id="15" name="テキスト ボックス 14"/>
+          <p:cNvSpPr txBox="1"/>
+          <p:nvPr/>
+        </p:nvSpPr>
+        <p:spPr>
+          <a:xfrm>
+            <a:off x="0" y="3327634"/>
+            <a:ext cx="3416320" cy="1169551"/>
+          </a:xfrm>
+          <a:prstGeom prst="rect">
+            <a:avLst/>
+          </a:prstGeom>
+          <a:solidFill>
+            <a:schemeClr val="accent2">
+              <a:lumMod val="20000"/>
+              <a:lumOff val="80000"/>
+            </a:schemeClr>
+          </a:solidFill>
+          <a:ln>
+            <a:solidFill>
+              <a:schemeClr val="tx1"/>
+            </a:solidFill>
+          </a:ln>
+        </p:spPr>
+        <p:txBody>
+          <a:bodyPr wrap="none" rtlCol="0">
+            <a:spAutoFit/>
+          </a:bodyPr>
+          <a:lstStyle/>
+          <a:p>
+            <a:r>
+              <a:rPr kumimoji="1" lang="ja-JP" altLang="en-US" sz="1400" dirty="0" smtClean="0"/>
+              <a:t>膀胱ゲージ、スタミナも</a:t>
+            </a:r>
+            <a:endParaRPr kumimoji="1" lang="en-US" altLang="ja-JP" sz="1400" dirty="0" smtClean="0"/>
+          </a:p>
+          <a:p>
+            <a:r>
+              <a:rPr kumimoji="1" lang="ja-JP" altLang="en-US" sz="1400" dirty="0" smtClean="0"/>
+              <a:t>変数で管理</a:t>
+            </a:r>
+            <a:endParaRPr kumimoji="1" lang="en-US" altLang="ja-JP" sz="1400" dirty="0" smtClean="0"/>
+          </a:p>
+          <a:p>
+            <a:endParaRPr lang="en-US" altLang="ja-JP" sz="1400" dirty="0"/>
+          </a:p>
+          <a:p>
+            <a:r>
+              <a:rPr kumimoji="1" lang="ja-JP" altLang="en-US" sz="1400" dirty="0" smtClean="0"/>
+              <a:t>膀胱ゲージは時間ごとに増えていく</a:t>
+            </a:r>
+            <a:endParaRPr kumimoji="1" lang="en-US" altLang="ja-JP" sz="1400" dirty="0" smtClean="0"/>
+          </a:p>
+          <a:p>
+            <a:r>
+              <a:rPr lang="ja-JP" altLang="en-US" sz="1400" dirty="0" smtClean="0"/>
+              <a:t>スタミナは時間で回復、ダッシュで消費</a:t>
+            </a:r>
+            <a:endParaRPr kumimoji="1" lang="en-US" altLang="ja-JP" sz="1400" dirty="0" smtClean="0"/>
           </a:p>
         </p:txBody>
       </p:sp>
     </p:spTree>
     <p:extLst>
       <p:ext uri="{BB962C8B-B14F-4D97-AF65-F5344CB8AC3E}">
-        <p14:creationId xmlns:p14="http://schemas.microsoft.com/office/powerpoint/2010/main" val="3897338521"/>
+        <p14:creationId xmlns:p14="http://schemas.microsoft.com/office/powerpoint/2010/main" val="3460411855"/>
       </p:ext>
     </p:extLst>
   </p:cSld>
@@ -3556,7 +4101,7 @@
         <p:spPr>
           <a:xfrm>
             <a:off x="324196" y="365760"/>
-            <a:ext cx="1800493" cy="369332"/>
+            <a:ext cx="1800493" cy="646331"/>
           </a:xfrm>
           <a:prstGeom prst="rect">
             <a:avLst/>
@@ -3581,49 +4126,35 @@
               <a:rPr kumimoji="1" lang="ja-JP" altLang="en-US" dirty="0" smtClean="0"/>
               <a:t>の仕様</a:t>
             </a:r>
+            <a:endParaRPr kumimoji="1" lang="en-US" altLang="ja-JP" dirty="0" smtClean="0"/>
+          </a:p>
+          <a:p>
+            <a:r>
+              <a:rPr lang="en-US" altLang="ja-JP" dirty="0" smtClean="0"/>
+              <a:t>(</a:t>
+            </a:r>
+            <a:r>
+              <a:rPr lang="ja-JP" altLang="en-US" dirty="0" smtClean="0"/>
+              <a:t>自販機</a:t>
+            </a:r>
+            <a:r>
+              <a:rPr lang="en-US" altLang="ja-JP" dirty="0" smtClean="0"/>
+              <a:t>)</a:t>
+            </a:r>
             <a:endParaRPr kumimoji="1" lang="ja-JP" altLang="en-US" dirty="0"/>
           </a:p>
         </p:txBody>
       </p:sp>
-      <p:pic>
-        <p:nvPicPr>
-          <p:cNvPr id="3" name="図 2"/>
-          <p:cNvPicPr>
-            <a:picLocks noChangeAspect="1"/>
-          </p:cNvPicPr>
-          <p:nvPr/>
-        </p:nvPicPr>
-        <p:blipFill>
-          <a:blip r:embed="rId2"/>
-          <a:stretch>
-            <a:fillRect/>
-          </a:stretch>
-        </p:blipFill>
-        <p:spPr>
-          <a:xfrm>
-            <a:off x="1400463" y="787760"/>
-            <a:ext cx="9391073" cy="5282479"/>
-          </a:xfrm>
-          <a:prstGeom prst="rect">
-            <a:avLst/>
-          </a:prstGeom>
-          <a:ln>
-            <a:solidFill>
-              <a:schemeClr val="tx1"/>
-            </a:solidFill>
-          </a:ln>
-        </p:spPr>
-      </p:pic>
-      <p:sp>
-        <p:nvSpPr>
-          <p:cNvPr id="12" name="テキスト ボックス 11"/>
+      <p:sp>
+        <p:nvSpPr>
+          <p:cNvPr id="8" name="テキスト ボックス 7"/>
           <p:cNvSpPr txBox="1"/>
           <p:nvPr/>
         </p:nvSpPr>
         <p:spPr>
           <a:xfrm>
-            <a:off x="1400463" y="790850"/>
-            <a:ext cx="2781531" cy="307777"/>
+            <a:off x="6481865" y="350369"/>
+            <a:ext cx="5262979" cy="2862322"/>
           </a:xfrm>
           <a:prstGeom prst="rect">
             <a:avLst/>
@@ -3647,43 +4178,1320 @@
           <a:lstStyle/>
           <a:p>
             <a:r>
-              <a:rPr kumimoji="1" lang="ja-JP" altLang="en-US" sz="1400" dirty="0" smtClean="0"/>
-              <a:t>お金は変数</a:t>
-            </a:r>
+              <a:rPr kumimoji="1" lang="ja-JP" altLang="en-US" dirty="0" smtClean="0"/>
+              <a:t>アイテムはステージ上に置いてある自販機で購入</a:t>
+            </a:r>
+            <a:endParaRPr kumimoji="1" lang="en-US" altLang="ja-JP" dirty="0" smtClean="0"/>
+          </a:p>
+          <a:p>
+            <a:endParaRPr kumimoji="1" lang="en-US" altLang="ja-JP" dirty="0" smtClean="0"/>
+          </a:p>
+          <a:p>
+            <a:r>
+              <a:rPr lang="ja-JP" altLang="en-US" dirty="0" smtClean="0"/>
+              <a:t>自販機に向かってパンチボタンを押せば、</a:t>
+            </a:r>
+            <a:endParaRPr lang="en-US" altLang="ja-JP" dirty="0" smtClean="0"/>
+          </a:p>
+          <a:p>
+            <a:r>
+              <a:rPr kumimoji="1" lang="ja-JP" altLang="en-US" dirty="0" smtClean="0"/>
+              <a:t>アクションが手を伸ばすアクションに変わり</a:t>
+            </a:r>
+            <a:endParaRPr kumimoji="1" lang="en-US" altLang="ja-JP" dirty="0" smtClean="0"/>
+          </a:p>
+          <a:p>
+            <a:r>
+              <a:rPr lang="ja-JP" altLang="en-US" dirty="0"/>
+              <a:t>便利</a:t>
+            </a:r>
+            <a:r>
+              <a:rPr lang="ja-JP" altLang="en-US" dirty="0" smtClean="0"/>
+              <a:t>アイテムが購入できる</a:t>
+            </a:r>
+            <a:endParaRPr lang="en-US" altLang="ja-JP" dirty="0"/>
+          </a:p>
+          <a:p>
+            <a:endParaRPr lang="en-US" altLang="ja-JP" dirty="0" smtClean="0"/>
+          </a:p>
+          <a:p>
+            <a:r>
+              <a:rPr kumimoji="1" lang="ja-JP" altLang="en-US" dirty="0" smtClean="0"/>
+              <a:t>購入したアイテムは即座に使用される</a:t>
+            </a:r>
+            <a:endParaRPr kumimoji="1" lang="en-US" altLang="ja-JP" dirty="0" smtClean="0"/>
+          </a:p>
+          <a:p>
+            <a:endParaRPr lang="en-US" altLang="ja-JP" dirty="0"/>
+          </a:p>
+          <a:p>
+            <a:r>
+              <a:rPr kumimoji="1" lang="ja-JP" altLang="en-US" dirty="0" smtClean="0"/>
+              <a:t>使用済み自販機は色を黒く変える</a:t>
+            </a:r>
+            <a:endParaRPr kumimoji="1" lang="en-US" altLang="ja-JP" dirty="0" smtClean="0"/>
+          </a:p>
+          <a:p>
+            <a:r>
+              <a:rPr lang="en-US" altLang="ja-JP" dirty="0" smtClean="0"/>
+              <a:t>(</a:t>
+            </a:r>
+            <a:r>
+              <a:rPr lang="ja-JP" altLang="en-US" dirty="0" smtClean="0"/>
+              <a:t>いかにも使えなさそうな雰囲気</a:t>
+            </a:r>
+            <a:r>
+              <a:rPr lang="en-US" altLang="ja-JP" dirty="0" smtClean="0"/>
+              <a:t>)</a:t>
+            </a:r>
+            <a:endParaRPr kumimoji="1" lang="ja-JP" altLang="en-US" dirty="0"/>
+          </a:p>
+        </p:txBody>
+      </p:sp>
+      <p:sp>
+        <p:nvSpPr>
+          <p:cNvPr id="9" name="テキスト ボックス 8"/>
+          <p:cNvSpPr txBox="1"/>
+          <p:nvPr/>
+        </p:nvSpPr>
+        <p:spPr>
+          <a:xfrm>
+            <a:off x="2860590" y="1258052"/>
+            <a:ext cx="494046" cy="307777"/>
+          </a:xfrm>
+          <a:prstGeom prst="rect">
+            <a:avLst/>
+          </a:prstGeom>
+          <a:noFill/>
+        </p:spPr>
+        <p:txBody>
+          <a:bodyPr wrap="none" rtlCol="0">
+            <a:spAutoFit/>
+          </a:bodyPr>
+          <a:lstStyle/>
+          <a:p>
             <a:r>
               <a:rPr kumimoji="1" lang="en-US" altLang="ja-JP" sz="1400" dirty="0" smtClean="0"/>
-              <a:t>(</a:t>
-            </a:r>
-            <a:r>
-              <a:rPr kumimoji="1" lang="en-US" altLang="ja-JP" sz="1400" dirty="0" err="1" smtClean="0"/>
-              <a:t>nMoney</a:t>
-            </a:r>
-            <a:r>
-              <a:rPr kumimoji="1" lang="ja-JP" altLang="en-US" sz="1400" dirty="0" smtClean="0"/>
-              <a:t>とか</a:t>
-            </a:r>
+              <a:t>Yes</a:t>
+            </a:r>
+            <a:endParaRPr kumimoji="1" lang="ja-JP" altLang="en-US" sz="1400" dirty="0"/>
+          </a:p>
+        </p:txBody>
+      </p:sp>
+      <p:sp>
+        <p:nvSpPr>
+          <p:cNvPr id="10" name="フローチャート: 端子 9"/>
+          <p:cNvSpPr/>
+          <p:nvPr/>
+        </p:nvSpPr>
+        <p:spPr>
+          <a:xfrm>
+            <a:off x="2681745" y="207624"/>
+            <a:ext cx="1609725" cy="438150"/>
+          </a:xfrm>
+          <a:prstGeom prst="flowChartTerminator">
+            <a:avLst/>
+          </a:prstGeom>
+          <a:noFill/>
+        </p:spPr>
+        <p:style>
+          <a:lnRef idx="2">
+            <a:schemeClr val="accent1">
+              <a:shade val="50000"/>
+            </a:schemeClr>
+          </a:lnRef>
+          <a:fillRef idx="1">
+            <a:schemeClr val="accent1"/>
+          </a:fillRef>
+          <a:effectRef idx="0">
+            <a:schemeClr val="accent1"/>
+          </a:effectRef>
+          <a:fontRef idx="minor">
+            <a:schemeClr val="lt1"/>
+          </a:fontRef>
+        </p:style>
+        <p:txBody>
+          <a:bodyPr rtlCol="0" anchor="ctr"/>
+          <a:lstStyle/>
+          <a:p>
+            <a:pPr algn="ctr"/>
+            <a:r>
+              <a:rPr kumimoji="1" lang="ja-JP" altLang="en-US" dirty="0" smtClean="0">
+                <a:solidFill>
+                  <a:schemeClr val="tx1"/>
+                </a:solidFill>
+              </a:rPr>
+              <a:t>自販機到着</a:t>
+            </a:r>
+            <a:endParaRPr kumimoji="1" lang="ja-JP" altLang="en-US" dirty="0">
+              <a:solidFill>
+                <a:schemeClr val="tx1"/>
+              </a:solidFill>
+            </a:endParaRPr>
+          </a:p>
+        </p:txBody>
+      </p:sp>
+      <p:sp>
+        <p:nvSpPr>
+          <p:cNvPr id="16" name="フローチャート: 判断 15"/>
+          <p:cNvSpPr/>
+          <p:nvPr/>
+        </p:nvSpPr>
+        <p:spPr>
+          <a:xfrm>
+            <a:off x="2681743" y="862884"/>
+            <a:ext cx="1609725" cy="438150"/>
+          </a:xfrm>
+          <a:prstGeom prst="flowChartDecision">
+            <a:avLst/>
+          </a:prstGeom>
+          <a:solidFill>
+            <a:schemeClr val="bg1"/>
+          </a:solidFill>
+          <a:ln>
+            <a:solidFill>
+              <a:schemeClr val="accent6"/>
+            </a:solidFill>
+          </a:ln>
+        </p:spPr>
+        <p:style>
+          <a:lnRef idx="2">
+            <a:schemeClr val="accent1">
+              <a:shade val="50000"/>
+            </a:schemeClr>
+          </a:lnRef>
+          <a:fillRef idx="1">
+            <a:schemeClr val="accent1"/>
+          </a:fillRef>
+          <a:effectRef idx="0">
+            <a:schemeClr val="accent1"/>
+          </a:effectRef>
+          <a:fontRef idx="minor">
+            <a:schemeClr val="lt1"/>
+          </a:fontRef>
+        </p:style>
+        <p:txBody>
+          <a:bodyPr rtlCol="0" anchor="ctr"/>
+          <a:lstStyle/>
+          <a:p>
+            <a:pPr algn="ctr"/>
+            <a:endParaRPr kumimoji="1" lang="ja-JP" altLang="en-US" dirty="0">
+              <a:solidFill>
+                <a:schemeClr val="tx1"/>
+              </a:solidFill>
+            </a:endParaRPr>
+          </a:p>
+        </p:txBody>
+      </p:sp>
+      <p:sp>
+        <p:nvSpPr>
+          <p:cNvPr id="17" name="テキスト ボックス 16"/>
+          <p:cNvSpPr txBox="1"/>
+          <p:nvPr/>
+        </p:nvSpPr>
+        <p:spPr>
+          <a:xfrm>
+            <a:off x="2470941" y="915927"/>
+            <a:ext cx="2031325" cy="369332"/>
+          </a:xfrm>
+          <a:prstGeom prst="rect">
+            <a:avLst/>
+          </a:prstGeom>
+          <a:solidFill>
+            <a:schemeClr val="bg1">
+              <a:alpha val="50196"/>
+            </a:schemeClr>
+          </a:solidFill>
+        </p:spPr>
+        <p:txBody>
+          <a:bodyPr wrap="none" rtlCol="0">
+            <a:spAutoFit/>
+          </a:bodyPr>
+          <a:lstStyle/>
+          <a:p>
+            <a:r>
+              <a:rPr kumimoji="1" lang="ja-JP" altLang="en-US" dirty="0" smtClean="0"/>
+              <a:t>パンチボタン押下</a:t>
+            </a:r>
+            <a:endParaRPr kumimoji="1" lang="ja-JP" altLang="en-US" dirty="0"/>
+          </a:p>
+        </p:txBody>
+      </p:sp>
+      <p:cxnSp>
+        <p:nvCxnSpPr>
+          <p:cNvPr id="18" name="直線矢印コネクタ 17"/>
+          <p:cNvCxnSpPr/>
+          <p:nvPr/>
+        </p:nvCxnSpPr>
+        <p:spPr>
+          <a:xfrm flipH="1">
+            <a:off x="3486607" y="643809"/>
+            <a:ext cx="1" cy="219075"/>
+          </a:xfrm>
+          <a:prstGeom prst="straightConnector1">
+            <a:avLst/>
+          </a:prstGeom>
+          <a:ln>
+            <a:tailEnd type="triangle"/>
+          </a:ln>
+        </p:spPr>
+        <p:style>
+          <a:lnRef idx="1">
+            <a:schemeClr val="accent1"/>
+          </a:lnRef>
+          <a:fillRef idx="0">
+            <a:schemeClr val="accent1"/>
+          </a:fillRef>
+          <a:effectRef idx="0">
+            <a:schemeClr val="accent1"/>
+          </a:effectRef>
+          <a:fontRef idx="minor">
+            <a:schemeClr val="tx1"/>
+          </a:fontRef>
+        </p:style>
+      </p:cxnSp>
+      <p:cxnSp>
+        <p:nvCxnSpPr>
+          <p:cNvPr id="20" name="直線矢印コネクタ 19"/>
+          <p:cNvCxnSpPr/>
+          <p:nvPr/>
+        </p:nvCxnSpPr>
+        <p:spPr>
+          <a:xfrm flipH="1">
+            <a:off x="3486604" y="1304962"/>
+            <a:ext cx="1" cy="219075"/>
+          </a:xfrm>
+          <a:prstGeom prst="straightConnector1">
+            <a:avLst/>
+          </a:prstGeom>
+          <a:ln>
+            <a:solidFill>
+              <a:schemeClr val="accent6"/>
+            </a:solidFill>
+            <a:tailEnd type="triangle"/>
+          </a:ln>
+        </p:spPr>
+        <p:style>
+          <a:lnRef idx="1">
+            <a:schemeClr val="accent1"/>
+          </a:lnRef>
+          <a:fillRef idx="0">
+            <a:schemeClr val="accent1"/>
+          </a:fillRef>
+          <a:effectRef idx="0">
+            <a:schemeClr val="accent1"/>
+          </a:effectRef>
+          <a:fontRef idx="minor">
+            <a:schemeClr val="tx1"/>
+          </a:fontRef>
+        </p:style>
+      </p:cxnSp>
+      <p:sp>
+        <p:nvSpPr>
+          <p:cNvPr id="22" name="テキスト ボックス 21"/>
+          <p:cNvSpPr txBox="1"/>
+          <p:nvPr/>
+        </p:nvSpPr>
+        <p:spPr>
+          <a:xfrm>
+            <a:off x="2860590" y="1918015"/>
+            <a:ext cx="494046" cy="307777"/>
+          </a:xfrm>
+          <a:prstGeom prst="rect">
+            <a:avLst/>
+          </a:prstGeom>
+          <a:noFill/>
+        </p:spPr>
+        <p:txBody>
+          <a:bodyPr wrap="none" rtlCol="0">
+            <a:spAutoFit/>
+          </a:bodyPr>
+          <a:lstStyle/>
+          <a:p>
             <a:r>
               <a:rPr kumimoji="1" lang="en-US" altLang="ja-JP" sz="1400" dirty="0" smtClean="0"/>
-              <a:t>)</a:t>
-            </a:r>
-            <a:r>
-              <a:rPr kumimoji="1" lang="ja-JP" altLang="en-US" sz="1400" dirty="0" smtClean="0"/>
-              <a:t>で管理</a:t>
-            </a:r>
-            <a:endParaRPr kumimoji="1" lang="en-US" altLang="ja-JP" sz="1400" dirty="0" smtClean="0"/>
-          </a:p>
-        </p:txBody>
-      </p:sp>
-      <p:sp>
-        <p:nvSpPr>
-          <p:cNvPr id="13" name="テキスト ボックス 12"/>
+              <a:t>Yes</a:t>
+            </a:r>
+            <a:endParaRPr kumimoji="1" lang="ja-JP" altLang="en-US" sz="1400" dirty="0"/>
+          </a:p>
+        </p:txBody>
+      </p:sp>
+      <p:sp>
+        <p:nvSpPr>
+          <p:cNvPr id="23" name="フローチャート: 判断 22"/>
+          <p:cNvSpPr/>
+          <p:nvPr/>
+        </p:nvSpPr>
+        <p:spPr>
+          <a:xfrm>
+            <a:off x="2681743" y="1522847"/>
+            <a:ext cx="1609725" cy="438150"/>
+          </a:xfrm>
+          <a:prstGeom prst="flowChartDecision">
+            <a:avLst/>
+          </a:prstGeom>
+          <a:solidFill>
+            <a:schemeClr val="bg1"/>
+          </a:solidFill>
+          <a:ln>
+            <a:solidFill>
+              <a:schemeClr val="accent6"/>
+            </a:solidFill>
+          </a:ln>
+        </p:spPr>
+        <p:style>
+          <a:lnRef idx="2">
+            <a:schemeClr val="accent1">
+              <a:shade val="50000"/>
+            </a:schemeClr>
+          </a:lnRef>
+          <a:fillRef idx="1">
+            <a:schemeClr val="accent1"/>
+          </a:fillRef>
+          <a:effectRef idx="0">
+            <a:schemeClr val="accent1"/>
+          </a:effectRef>
+          <a:fontRef idx="minor">
+            <a:schemeClr val="lt1"/>
+          </a:fontRef>
+        </p:style>
+        <p:txBody>
+          <a:bodyPr rtlCol="0" anchor="ctr"/>
+          <a:lstStyle/>
+          <a:p>
+            <a:pPr algn="ctr"/>
+            <a:endParaRPr kumimoji="1" lang="ja-JP" altLang="en-US" dirty="0">
+              <a:solidFill>
+                <a:schemeClr val="tx1"/>
+              </a:solidFill>
+            </a:endParaRPr>
+          </a:p>
+        </p:txBody>
+      </p:sp>
+      <p:sp>
+        <p:nvSpPr>
+          <p:cNvPr id="24" name="テキスト ボックス 23"/>
           <p:cNvSpPr txBox="1"/>
           <p:nvPr/>
         </p:nvSpPr>
         <p:spPr>
           <a:xfrm>
-            <a:off x="7016143" y="550426"/>
-            <a:ext cx="3775393" cy="523220"/>
+            <a:off x="2470941" y="1575890"/>
+            <a:ext cx="2031325" cy="369332"/>
+          </a:xfrm>
+          <a:prstGeom prst="rect">
+            <a:avLst/>
+          </a:prstGeom>
+          <a:solidFill>
+            <a:schemeClr val="bg1">
+              <a:alpha val="50196"/>
+            </a:schemeClr>
+          </a:solidFill>
+        </p:spPr>
+        <p:txBody>
+          <a:bodyPr wrap="none" rtlCol="0">
+            <a:spAutoFit/>
+          </a:bodyPr>
+          <a:lstStyle/>
+          <a:p>
+            <a:r>
+              <a:rPr kumimoji="1" lang="ja-JP" altLang="en-US" dirty="0" smtClean="0"/>
+              <a:t>自販機が使用可能</a:t>
+            </a:r>
+            <a:endParaRPr kumimoji="1" lang="ja-JP" altLang="en-US" dirty="0"/>
+          </a:p>
+        </p:txBody>
+      </p:sp>
+      <p:cxnSp>
+        <p:nvCxnSpPr>
+          <p:cNvPr id="25" name="直線矢印コネクタ 24"/>
+          <p:cNvCxnSpPr/>
+          <p:nvPr/>
+        </p:nvCxnSpPr>
+        <p:spPr>
+          <a:xfrm flipH="1">
+            <a:off x="3486604" y="1964925"/>
+            <a:ext cx="1" cy="219075"/>
+          </a:xfrm>
+          <a:prstGeom prst="straightConnector1">
+            <a:avLst/>
+          </a:prstGeom>
+          <a:ln>
+            <a:solidFill>
+              <a:schemeClr val="accent6"/>
+            </a:solidFill>
+            <a:tailEnd type="triangle"/>
+          </a:ln>
+        </p:spPr>
+        <p:style>
+          <a:lnRef idx="1">
+            <a:schemeClr val="accent1"/>
+          </a:lnRef>
+          <a:fillRef idx="0">
+            <a:schemeClr val="accent1"/>
+          </a:fillRef>
+          <a:effectRef idx="0">
+            <a:schemeClr val="accent1"/>
+          </a:effectRef>
+          <a:fontRef idx="minor">
+            <a:schemeClr val="tx1"/>
+          </a:fontRef>
+        </p:style>
+      </p:cxnSp>
+      <p:sp>
+        <p:nvSpPr>
+          <p:cNvPr id="27" name="フローチャート: 処理 26"/>
+          <p:cNvSpPr/>
+          <p:nvPr/>
+        </p:nvSpPr>
+        <p:spPr>
+          <a:xfrm>
+            <a:off x="2681739" y="2818787"/>
+            <a:ext cx="1609725" cy="438150"/>
+          </a:xfrm>
+          <a:prstGeom prst="flowChartProcess">
+            <a:avLst/>
+          </a:prstGeom>
+          <a:noFill/>
+        </p:spPr>
+        <p:style>
+          <a:lnRef idx="2">
+            <a:schemeClr val="accent1">
+              <a:shade val="50000"/>
+            </a:schemeClr>
+          </a:lnRef>
+          <a:fillRef idx="1">
+            <a:schemeClr val="accent1"/>
+          </a:fillRef>
+          <a:effectRef idx="0">
+            <a:schemeClr val="accent1"/>
+          </a:effectRef>
+          <a:fontRef idx="minor">
+            <a:schemeClr val="lt1"/>
+          </a:fontRef>
+        </p:style>
+        <p:txBody>
+          <a:bodyPr rtlCol="0" anchor="ctr"/>
+          <a:lstStyle/>
+          <a:p>
+            <a:pPr algn="ctr"/>
+            <a:endParaRPr kumimoji="1" lang="ja-JP" altLang="en-US" dirty="0">
+              <a:solidFill>
+                <a:schemeClr val="tx1"/>
+              </a:solidFill>
+            </a:endParaRPr>
+          </a:p>
+        </p:txBody>
+      </p:sp>
+      <p:sp>
+        <p:nvSpPr>
+          <p:cNvPr id="28" name="テキスト ボックス 27"/>
+          <p:cNvSpPr txBox="1"/>
+          <p:nvPr/>
+        </p:nvSpPr>
+        <p:spPr>
+          <a:xfrm>
+            <a:off x="2124689" y="2760803"/>
+            <a:ext cx="2723823" cy="646331"/>
+          </a:xfrm>
+          <a:prstGeom prst="rect">
+            <a:avLst/>
+          </a:prstGeom>
+          <a:solidFill>
+            <a:srgbClr val="FFFFFF">
+              <a:alpha val="74902"/>
+            </a:srgbClr>
+          </a:solidFill>
+        </p:spPr>
+        <p:txBody>
+          <a:bodyPr wrap="none" rtlCol="0">
+            <a:spAutoFit/>
+          </a:bodyPr>
+          <a:lstStyle/>
+          <a:p>
+            <a:r>
+              <a:rPr kumimoji="1" lang="ja-JP" altLang="en-US" dirty="0" smtClean="0"/>
+              <a:t>買える範囲で一番高価な</a:t>
+            </a:r>
+            <a:endParaRPr kumimoji="1" lang="en-US" altLang="ja-JP" dirty="0" smtClean="0"/>
+          </a:p>
+          <a:p>
+            <a:r>
+              <a:rPr lang="ja-JP" altLang="en-US" dirty="0" smtClean="0"/>
+              <a:t>アイテムを購入</a:t>
+            </a:r>
+            <a:endParaRPr kumimoji="1" lang="ja-JP" altLang="en-US" dirty="0"/>
+          </a:p>
+        </p:txBody>
+      </p:sp>
+      <p:sp>
+        <p:nvSpPr>
+          <p:cNvPr id="29" name="テキスト ボックス 28"/>
+          <p:cNvSpPr txBox="1"/>
+          <p:nvPr/>
+        </p:nvSpPr>
+        <p:spPr>
+          <a:xfrm>
+            <a:off x="2860587" y="2551789"/>
+            <a:ext cx="494046" cy="307777"/>
+          </a:xfrm>
+          <a:prstGeom prst="rect">
+            <a:avLst/>
+          </a:prstGeom>
+          <a:noFill/>
+        </p:spPr>
+        <p:txBody>
+          <a:bodyPr wrap="none" rtlCol="0">
+            <a:spAutoFit/>
+          </a:bodyPr>
+          <a:lstStyle/>
+          <a:p>
+            <a:r>
+              <a:rPr kumimoji="1" lang="en-US" altLang="ja-JP" sz="1400" dirty="0" smtClean="0"/>
+              <a:t>Yes</a:t>
+            </a:r>
+            <a:endParaRPr kumimoji="1" lang="ja-JP" altLang="en-US" sz="1400" dirty="0"/>
+          </a:p>
+        </p:txBody>
+      </p:sp>
+      <p:sp>
+        <p:nvSpPr>
+          <p:cNvPr id="30" name="フローチャート: 判断 29"/>
+          <p:cNvSpPr/>
+          <p:nvPr/>
+        </p:nvSpPr>
+        <p:spPr>
+          <a:xfrm>
+            <a:off x="2681740" y="2156621"/>
+            <a:ext cx="1609725" cy="438150"/>
+          </a:xfrm>
+          <a:prstGeom prst="flowChartDecision">
+            <a:avLst/>
+          </a:prstGeom>
+          <a:solidFill>
+            <a:schemeClr val="bg1"/>
+          </a:solidFill>
+          <a:ln>
+            <a:solidFill>
+              <a:schemeClr val="accent6"/>
+            </a:solidFill>
+          </a:ln>
+        </p:spPr>
+        <p:style>
+          <a:lnRef idx="2">
+            <a:schemeClr val="accent1">
+              <a:shade val="50000"/>
+            </a:schemeClr>
+          </a:lnRef>
+          <a:fillRef idx="1">
+            <a:schemeClr val="accent1"/>
+          </a:fillRef>
+          <a:effectRef idx="0">
+            <a:schemeClr val="accent1"/>
+          </a:effectRef>
+          <a:fontRef idx="minor">
+            <a:schemeClr val="lt1"/>
+          </a:fontRef>
+        </p:style>
+        <p:txBody>
+          <a:bodyPr rtlCol="0" anchor="ctr"/>
+          <a:lstStyle/>
+          <a:p>
+            <a:pPr algn="ctr"/>
+            <a:endParaRPr kumimoji="1" lang="ja-JP" altLang="en-US" dirty="0">
+              <a:solidFill>
+                <a:schemeClr val="tx1"/>
+              </a:solidFill>
+            </a:endParaRPr>
+          </a:p>
+        </p:txBody>
+      </p:sp>
+      <p:sp>
+        <p:nvSpPr>
+          <p:cNvPr id="31" name="テキスト ボックス 30"/>
+          <p:cNvSpPr txBox="1"/>
+          <p:nvPr/>
+        </p:nvSpPr>
+        <p:spPr>
+          <a:xfrm>
+            <a:off x="2470938" y="2209664"/>
+            <a:ext cx="2031325" cy="369332"/>
+          </a:xfrm>
+          <a:prstGeom prst="rect">
+            <a:avLst/>
+          </a:prstGeom>
+          <a:solidFill>
+            <a:schemeClr val="bg1">
+              <a:alpha val="50196"/>
+            </a:schemeClr>
+          </a:solidFill>
+        </p:spPr>
+        <p:txBody>
+          <a:bodyPr wrap="none" rtlCol="0">
+            <a:spAutoFit/>
+          </a:bodyPr>
+          <a:lstStyle/>
+          <a:p>
+            <a:r>
+              <a:rPr kumimoji="1" lang="ja-JP" altLang="en-US" dirty="0" smtClean="0"/>
+              <a:t>お金が足りている</a:t>
+            </a:r>
+            <a:endParaRPr kumimoji="1" lang="ja-JP" altLang="en-US" dirty="0"/>
+          </a:p>
+        </p:txBody>
+      </p:sp>
+      <p:cxnSp>
+        <p:nvCxnSpPr>
+          <p:cNvPr id="32" name="直線矢印コネクタ 31"/>
+          <p:cNvCxnSpPr/>
+          <p:nvPr/>
+        </p:nvCxnSpPr>
+        <p:spPr>
+          <a:xfrm flipH="1">
+            <a:off x="3486601" y="2598699"/>
+            <a:ext cx="1" cy="219075"/>
+          </a:xfrm>
+          <a:prstGeom prst="straightConnector1">
+            <a:avLst/>
+          </a:prstGeom>
+          <a:ln>
+            <a:solidFill>
+              <a:schemeClr val="accent6"/>
+            </a:solidFill>
+            <a:tailEnd type="triangle"/>
+          </a:ln>
+        </p:spPr>
+        <p:style>
+          <a:lnRef idx="1">
+            <a:schemeClr val="accent1"/>
+          </a:lnRef>
+          <a:fillRef idx="0">
+            <a:schemeClr val="accent1"/>
+          </a:fillRef>
+          <a:effectRef idx="0">
+            <a:schemeClr val="accent1"/>
+          </a:effectRef>
+          <a:fontRef idx="minor">
+            <a:schemeClr val="tx1"/>
+          </a:fontRef>
+        </p:style>
+      </p:cxnSp>
+      <p:sp>
+        <p:nvSpPr>
+          <p:cNvPr id="34" name="フローチャート: 処理 33"/>
+          <p:cNvSpPr/>
+          <p:nvPr/>
+        </p:nvSpPr>
+        <p:spPr>
+          <a:xfrm>
+            <a:off x="2681739" y="3481968"/>
+            <a:ext cx="1609725" cy="438150"/>
+          </a:xfrm>
+          <a:prstGeom prst="flowChartProcess">
+            <a:avLst/>
+          </a:prstGeom>
+          <a:noFill/>
+        </p:spPr>
+        <p:style>
+          <a:lnRef idx="2">
+            <a:schemeClr val="accent1">
+              <a:shade val="50000"/>
+            </a:schemeClr>
+          </a:lnRef>
+          <a:fillRef idx="1">
+            <a:schemeClr val="accent1"/>
+          </a:fillRef>
+          <a:effectRef idx="0">
+            <a:schemeClr val="accent1"/>
+          </a:effectRef>
+          <a:fontRef idx="minor">
+            <a:schemeClr val="lt1"/>
+          </a:fontRef>
+        </p:style>
+        <p:txBody>
+          <a:bodyPr rtlCol="0" anchor="ctr"/>
+          <a:lstStyle/>
+          <a:p>
+            <a:pPr algn="ctr"/>
+            <a:endParaRPr kumimoji="1" lang="ja-JP" altLang="en-US" dirty="0">
+              <a:solidFill>
+                <a:schemeClr val="tx1"/>
+              </a:solidFill>
+            </a:endParaRPr>
+          </a:p>
+        </p:txBody>
+      </p:sp>
+      <p:sp>
+        <p:nvSpPr>
+          <p:cNvPr id="35" name="テキスト ボックス 34"/>
+          <p:cNvSpPr txBox="1"/>
+          <p:nvPr/>
+        </p:nvSpPr>
+        <p:spPr>
+          <a:xfrm>
+            <a:off x="2355520" y="3519176"/>
+            <a:ext cx="2262158" cy="369332"/>
+          </a:xfrm>
+          <a:prstGeom prst="rect">
+            <a:avLst/>
+          </a:prstGeom>
+          <a:solidFill>
+            <a:schemeClr val="bg1">
+              <a:alpha val="50196"/>
+            </a:schemeClr>
+          </a:solidFill>
+        </p:spPr>
+        <p:txBody>
+          <a:bodyPr wrap="none" rtlCol="0">
+            <a:spAutoFit/>
+          </a:bodyPr>
+          <a:lstStyle/>
+          <a:p>
+            <a:r>
+              <a:rPr kumimoji="1" lang="ja-JP" altLang="en-US" dirty="0" smtClean="0"/>
+              <a:t>自販機を使用不可に</a:t>
+            </a:r>
+            <a:endParaRPr kumimoji="1" lang="ja-JP" altLang="en-US" dirty="0"/>
+          </a:p>
+        </p:txBody>
+      </p:sp>
+      <p:cxnSp>
+        <p:nvCxnSpPr>
+          <p:cNvPr id="36" name="直線矢印コネクタ 35"/>
+          <p:cNvCxnSpPr/>
+          <p:nvPr/>
+        </p:nvCxnSpPr>
+        <p:spPr>
+          <a:xfrm flipH="1">
+            <a:off x="3486599" y="3268675"/>
+            <a:ext cx="1" cy="219075"/>
+          </a:xfrm>
+          <a:prstGeom prst="straightConnector1">
+            <a:avLst/>
+          </a:prstGeom>
+          <a:ln>
+            <a:tailEnd type="triangle"/>
+          </a:ln>
+        </p:spPr>
+        <p:style>
+          <a:lnRef idx="1">
+            <a:schemeClr val="accent1"/>
+          </a:lnRef>
+          <a:fillRef idx="0">
+            <a:schemeClr val="accent1"/>
+          </a:fillRef>
+          <a:effectRef idx="0">
+            <a:schemeClr val="accent1"/>
+          </a:effectRef>
+          <a:fontRef idx="minor">
+            <a:schemeClr val="tx1"/>
+          </a:fontRef>
+        </p:style>
+      </p:cxnSp>
+      <p:sp>
+        <p:nvSpPr>
+          <p:cNvPr id="37" name="フローチャート: 端子 36"/>
+          <p:cNvSpPr/>
+          <p:nvPr/>
+        </p:nvSpPr>
+        <p:spPr>
+          <a:xfrm>
+            <a:off x="2681736" y="4816242"/>
+            <a:ext cx="1609725" cy="438150"/>
+          </a:xfrm>
+          <a:prstGeom prst="flowChartTerminator">
+            <a:avLst/>
+          </a:prstGeom>
+          <a:noFill/>
+        </p:spPr>
+        <p:style>
+          <a:lnRef idx="2">
+            <a:schemeClr val="accent1">
+              <a:shade val="50000"/>
+            </a:schemeClr>
+          </a:lnRef>
+          <a:fillRef idx="1">
+            <a:schemeClr val="accent1"/>
+          </a:fillRef>
+          <a:effectRef idx="0">
+            <a:schemeClr val="accent1"/>
+          </a:effectRef>
+          <a:fontRef idx="minor">
+            <a:schemeClr val="lt1"/>
+          </a:fontRef>
+        </p:style>
+        <p:txBody>
+          <a:bodyPr rtlCol="0" anchor="ctr"/>
+          <a:lstStyle/>
+          <a:p>
+            <a:pPr algn="ctr"/>
+            <a:r>
+              <a:rPr kumimoji="1" lang="ja-JP" altLang="en-US" dirty="0" smtClean="0">
+                <a:solidFill>
+                  <a:schemeClr val="tx1"/>
+                </a:solidFill>
+              </a:rPr>
+              <a:t>終了</a:t>
+            </a:r>
+            <a:endParaRPr kumimoji="1" lang="ja-JP" altLang="en-US" dirty="0">
+              <a:solidFill>
+                <a:schemeClr val="tx1"/>
+              </a:solidFill>
+            </a:endParaRPr>
+          </a:p>
+        </p:txBody>
+      </p:sp>
+      <p:cxnSp>
+        <p:nvCxnSpPr>
+          <p:cNvPr id="38" name="直線矢印コネクタ 37"/>
+          <p:cNvCxnSpPr/>
+          <p:nvPr/>
+        </p:nvCxnSpPr>
+        <p:spPr>
+          <a:xfrm flipH="1">
+            <a:off x="3486599" y="3919934"/>
+            <a:ext cx="1" cy="219075"/>
+          </a:xfrm>
+          <a:prstGeom prst="straightConnector1">
+            <a:avLst/>
+          </a:prstGeom>
+          <a:ln>
+            <a:tailEnd type="triangle"/>
+          </a:ln>
+        </p:spPr>
+        <p:style>
+          <a:lnRef idx="1">
+            <a:schemeClr val="accent1"/>
+          </a:lnRef>
+          <a:fillRef idx="0">
+            <a:schemeClr val="accent1"/>
+          </a:fillRef>
+          <a:effectRef idx="0">
+            <a:schemeClr val="accent1"/>
+          </a:effectRef>
+          <a:fontRef idx="minor">
+            <a:schemeClr val="tx1"/>
+          </a:fontRef>
+        </p:style>
+      </p:cxnSp>
+      <p:sp>
+        <p:nvSpPr>
+          <p:cNvPr id="41" name="フローチャート: 処理 40"/>
+          <p:cNvSpPr/>
+          <p:nvPr/>
+        </p:nvSpPr>
+        <p:spPr>
+          <a:xfrm>
+            <a:off x="2681736" y="4159201"/>
+            <a:ext cx="1609725" cy="438150"/>
+          </a:xfrm>
+          <a:prstGeom prst="flowChartProcess">
+            <a:avLst/>
+          </a:prstGeom>
+          <a:noFill/>
+        </p:spPr>
+        <p:style>
+          <a:lnRef idx="2">
+            <a:schemeClr val="accent1">
+              <a:shade val="50000"/>
+            </a:schemeClr>
+          </a:lnRef>
+          <a:fillRef idx="1">
+            <a:schemeClr val="accent1"/>
+          </a:fillRef>
+          <a:effectRef idx="0">
+            <a:schemeClr val="accent1"/>
+          </a:effectRef>
+          <a:fontRef idx="minor">
+            <a:schemeClr val="lt1"/>
+          </a:fontRef>
+        </p:style>
+        <p:txBody>
+          <a:bodyPr rtlCol="0" anchor="ctr"/>
+          <a:lstStyle/>
+          <a:p>
+            <a:pPr algn="ctr"/>
+            <a:endParaRPr kumimoji="1" lang="ja-JP" altLang="en-US" dirty="0">
+              <a:solidFill>
+                <a:schemeClr val="tx1"/>
+              </a:solidFill>
+            </a:endParaRPr>
+          </a:p>
+        </p:txBody>
+      </p:sp>
+      <p:sp>
+        <p:nvSpPr>
+          <p:cNvPr id="42" name="テキスト ボックス 41"/>
+          <p:cNvSpPr txBox="1"/>
+          <p:nvPr/>
+        </p:nvSpPr>
+        <p:spPr>
+          <a:xfrm>
+            <a:off x="2701766" y="4193426"/>
+            <a:ext cx="1569660" cy="369332"/>
+          </a:xfrm>
+          <a:prstGeom prst="rect">
+            <a:avLst/>
+          </a:prstGeom>
+          <a:solidFill>
+            <a:schemeClr val="bg1">
+              <a:alpha val="50196"/>
+            </a:schemeClr>
+          </a:solidFill>
+        </p:spPr>
+        <p:txBody>
+          <a:bodyPr wrap="none" rtlCol="0">
+            <a:spAutoFit/>
+          </a:bodyPr>
+          <a:lstStyle/>
+          <a:p>
+            <a:r>
+              <a:rPr kumimoji="1" lang="ja-JP" altLang="en-US" dirty="0" smtClean="0"/>
+              <a:t>アイテム使用</a:t>
+            </a:r>
+            <a:endParaRPr kumimoji="1" lang="ja-JP" altLang="en-US" dirty="0"/>
+          </a:p>
+        </p:txBody>
+      </p:sp>
+      <p:cxnSp>
+        <p:nvCxnSpPr>
+          <p:cNvPr id="43" name="直線矢印コネクタ 42"/>
+          <p:cNvCxnSpPr/>
+          <p:nvPr/>
+        </p:nvCxnSpPr>
+        <p:spPr>
+          <a:xfrm flipH="1">
+            <a:off x="3486596" y="4597167"/>
+            <a:ext cx="1" cy="219075"/>
+          </a:xfrm>
+          <a:prstGeom prst="straightConnector1">
+            <a:avLst/>
+          </a:prstGeom>
+          <a:ln>
+            <a:tailEnd type="triangle"/>
+          </a:ln>
+        </p:spPr>
+        <p:style>
+          <a:lnRef idx="1">
+            <a:schemeClr val="accent1"/>
+          </a:lnRef>
+          <a:fillRef idx="0">
+            <a:schemeClr val="accent1"/>
+          </a:fillRef>
+          <a:effectRef idx="0">
+            <a:schemeClr val="accent1"/>
+          </a:effectRef>
+          <a:fontRef idx="minor">
+            <a:schemeClr val="tx1"/>
+          </a:fontRef>
+        </p:style>
+      </p:cxnSp>
+      <p:cxnSp>
+        <p:nvCxnSpPr>
+          <p:cNvPr id="44" name="直線コネクタ 43"/>
+          <p:cNvCxnSpPr/>
+          <p:nvPr/>
+        </p:nvCxnSpPr>
+        <p:spPr>
+          <a:xfrm>
+            <a:off x="3481176" y="2675308"/>
+            <a:ext cx="1199170" cy="0"/>
+          </a:xfrm>
+          <a:prstGeom prst="line">
+            <a:avLst/>
+          </a:prstGeom>
+          <a:ln>
+            <a:solidFill>
+              <a:schemeClr val="accent6"/>
+            </a:solidFill>
+          </a:ln>
+        </p:spPr>
+        <p:style>
+          <a:lnRef idx="1">
+            <a:schemeClr val="accent1"/>
+          </a:lnRef>
+          <a:fillRef idx="0">
+            <a:schemeClr val="accent1"/>
+          </a:fillRef>
+          <a:effectRef idx="0">
+            <a:schemeClr val="accent1"/>
+          </a:effectRef>
+          <a:fontRef idx="minor">
+            <a:schemeClr val="tx1"/>
+          </a:fontRef>
+        </p:style>
+      </p:cxnSp>
+      <p:cxnSp>
+        <p:nvCxnSpPr>
+          <p:cNvPr id="45" name="直線コネクタ 44"/>
+          <p:cNvCxnSpPr/>
+          <p:nvPr/>
+        </p:nvCxnSpPr>
+        <p:spPr>
+          <a:xfrm flipV="1">
+            <a:off x="4685766" y="1366032"/>
+            <a:ext cx="0" cy="3307929"/>
+          </a:xfrm>
+          <a:prstGeom prst="line">
+            <a:avLst/>
+          </a:prstGeom>
+          <a:ln>
+            <a:solidFill>
+              <a:schemeClr val="accent6"/>
+            </a:solidFill>
+          </a:ln>
+        </p:spPr>
+        <p:style>
+          <a:lnRef idx="1">
+            <a:schemeClr val="accent1"/>
+          </a:lnRef>
+          <a:fillRef idx="0">
+            <a:schemeClr val="accent1"/>
+          </a:fillRef>
+          <a:effectRef idx="0">
+            <a:schemeClr val="accent1"/>
+          </a:effectRef>
+          <a:fontRef idx="minor">
+            <a:schemeClr val="tx1"/>
+          </a:fontRef>
+        </p:style>
+      </p:cxnSp>
+      <p:cxnSp>
+        <p:nvCxnSpPr>
+          <p:cNvPr id="46" name="直線コネクタ 45"/>
+          <p:cNvCxnSpPr/>
+          <p:nvPr/>
+        </p:nvCxnSpPr>
+        <p:spPr>
+          <a:xfrm>
+            <a:off x="3486596" y="4673961"/>
+            <a:ext cx="1199170" cy="0"/>
+          </a:xfrm>
+          <a:prstGeom prst="line">
+            <a:avLst/>
+          </a:prstGeom>
+          <a:ln>
+            <a:solidFill>
+              <a:schemeClr val="accent6"/>
+            </a:solidFill>
+            <a:headEnd type="triangle"/>
+            <a:tailEnd type="none"/>
+          </a:ln>
+        </p:spPr>
+        <p:style>
+          <a:lnRef idx="1">
+            <a:schemeClr val="accent1"/>
+          </a:lnRef>
+          <a:fillRef idx="0">
+            <a:schemeClr val="accent1"/>
+          </a:fillRef>
+          <a:effectRef idx="0">
+            <a:schemeClr val="accent1"/>
+          </a:effectRef>
+          <a:fontRef idx="minor">
+            <a:schemeClr val="tx1"/>
+          </a:fontRef>
+        </p:style>
+      </p:cxnSp>
+      <p:cxnSp>
+        <p:nvCxnSpPr>
+          <p:cNvPr id="47" name="直線コネクタ 46"/>
+          <p:cNvCxnSpPr/>
+          <p:nvPr/>
+        </p:nvCxnSpPr>
+        <p:spPr>
+          <a:xfrm>
+            <a:off x="3481176" y="2044905"/>
+            <a:ext cx="1199170" cy="0"/>
+          </a:xfrm>
+          <a:prstGeom prst="line">
+            <a:avLst/>
+          </a:prstGeom>
+          <a:ln>
+            <a:solidFill>
+              <a:schemeClr val="accent6"/>
+            </a:solidFill>
+          </a:ln>
+        </p:spPr>
+        <p:style>
+          <a:lnRef idx="1">
+            <a:schemeClr val="accent1"/>
+          </a:lnRef>
+          <a:fillRef idx="0">
+            <a:schemeClr val="accent1"/>
+          </a:fillRef>
+          <a:effectRef idx="0">
+            <a:schemeClr val="accent1"/>
+          </a:effectRef>
+          <a:fontRef idx="minor">
+            <a:schemeClr val="tx1"/>
+          </a:fontRef>
+        </p:style>
+      </p:cxnSp>
+      <p:cxnSp>
+        <p:nvCxnSpPr>
+          <p:cNvPr id="50" name="直線コネクタ 49"/>
+          <p:cNvCxnSpPr/>
+          <p:nvPr/>
+        </p:nvCxnSpPr>
+        <p:spPr>
+          <a:xfrm>
+            <a:off x="3481176" y="1366032"/>
+            <a:ext cx="1199170" cy="0"/>
+          </a:xfrm>
+          <a:prstGeom prst="line">
+            <a:avLst/>
+          </a:prstGeom>
+          <a:ln>
+            <a:solidFill>
+              <a:schemeClr val="accent6"/>
+            </a:solidFill>
+          </a:ln>
+        </p:spPr>
+        <p:style>
+          <a:lnRef idx="1">
+            <a:schemeClr val="accent1"/>
+          </a:lnRef>
+          <a:fillRef idx="0">
+            <a:schemeClr val="accent1"/>
+          </a:fillRef>
+          <a:effectRef idx="0">
+            <a:schemeClr val="accent1"/>
+          </a:effectRef>
+          <a:fontRef idx="minor">
+            <a:schemeClr val="tx1"/>
+          </a:fontRef>
+        </p:style>
+      </p:cxnSp>
+      <p:sp>
+        <p:nvSpPr>
+          <p:cNvPr id="52" name="テキスト ボックス 51"/>
+          <p:cNvSpPr txBox="1"/>
+          <p:nvPr/>
+        </p:nvSpPr>
+        <p:spPr>
+          <a:xfrm>
+            <a:off x="4686410" y="1340087"/>
+            <a:ext cx="420308" cy="307777"/>
+          </a:xfrm>
+          <a:prstGeom prst="rect">
+            <a:avLst/>
+          </a:prstGeom>
+          <a:noFill/>
+        </p:spPr>
+        <p:txBody>
+          <a:bodyPr wrap="none" rtlCol="0">
+            <a:spAutoFit/>
+          </a:bodyPr>
+          <a:lstStyle/>
+          <a:p>
+            <a:r>
+              <a:rPr kumimoji="1" lang="en-US" altLang="ja-JP" sz="1400" dirty="0" smtClean="0"/>
+              <a:t>No</a:t>
+            </a:r>
+            <a:endParaRPr kumimoji="1" lang="ja-JP" altLang="en-US" sz="1400" dirty="0"/>
+          </a:p>
+        </p:txBody>
+      </p:sp>
+      <p:sp>
+        <p:nvSpPr>
+          <p:cNvPr id="53" name="テキスト ボックス 52"/>
+          <p:cNvSpPr txBox="1"/>
+          <p:nvPr/>
+        </p:nvSpPr>
+        <p:spPr>
+          <a:xfrm>
+            <a:off x="4686410" y="2044905"/>
+            <a:ext cx="420308" cy="307777"/>
+          </a:xfrm>
+          <a:prstGeom prst="rect">
+            <a:avLst/>
+          </a:prstGeom>
+          <a:noFill/>
+        </p:spPr>
+        <p:txBody>
+          <a:bodyPr wrap="none" rtlCol="0">
+            <a:spAutoFit/>
+          </a:bodyPr>
+          <a:lstStyle/>
+          <a:p>
+            <a:r>
+              <a:rPr kumimoji="1" lang="en-US" altLang="ja-JP" sz="1400" dirty="0" smtClean="0"/>
+              <a:t>No</a:t>
+            </a:r>
+            <a:endParaRPr kumimoji="1" lang="ja-JP" altLang="en-US" sz="1400" dirty="0"/>
+          </a:p>
+        </p:txBody>
+      </p:sp>
+      <p:sp>
+        <p:nvSpPr>
+          <p:cNvPr id="54" name="テキスト ボックス 53"/>
+          <p:cNvSpPr txBox="1"/>
+          <p:nvPr/>
+        </p:nvSpPr>
+        <p:spPr>
+          <a:xfrm>
+            <a:off x="4678182" y="2685969"/>
+            <a:ext cx="420308" cy="307777"/>
+          </a:xfrm>
+          <a:prstGeom prst="rect">
+            <a:avLst/>
+          </a:prstGeom>
+          <a:noFill/>
+        </p:spPr>
+        <p:txBody>
+          <a:bodyPr wrap="none" rtlCol="0">
+            <a:spAutoFit/>
+          </a:bodyPr>
+          <a:lstStyle/>
+          <a:p>
+            <a:r>
+              <a:rPr kumimoji="1" lang="en-US" altLang="ja-JP" sz="1400" dirty="0" smtClean="0"/>
+              <a:t>No</a:t>
+            </a:r>
+            <a:endParaRPr kumimoji="1" lang="ja-JP" altLang="en-US" sz="1400" dirty="0"/>
+          </a:p>
+        </p:txBody>
+      </p:sp>
+      <p:pic>
+        <p:nvPicPr>
+          <p:cNvPr id="55" name="図 54"/>
+          <p:cNvPicPr>
+            <a:picLocks noChangeAspect="1"/>
+          </p:cNvPicPr>
+          <p:nvPr/>
+        </p:nvPicPr>
+        <p:blipFill>
+          <a:blip r:embed="rId2"/>
+          <a:stretch>
+            <a:fillRect/>
+          </a:stretch>
+        </p:blipFill>
+        <p:spPr>
+          <a:xfrm>
+            <a:off x="4943897" y="3634809"/>
+            <a:ext cx="4192103" cy="2358058"/>
+          </a:xfrm>
+          <a:prstGeom prst="rect">
+            <a:avLst/>
+          </a:prstGeom>
+          <a:ln>
+            <a:solidFill>
+              <a:schemeClr val="tx1"/>
+            </a:solidFill>
+          </a:ln>
+        </p:spPr>
+      </p:pic>
+      <p:sp>
+        <p:nvSpPr>
+          <p:cNvPr id="56" name="テキスト ボックス 55"/>
+          <p:cNvSpPr txBox="1"/>
+          <p:nvPr/>
+        </p:nvSpPr>
+        <p:spPr>
+          <a:xfrm>
+            <a:off x="8314015" y="4139009"/>
+            <a:ext cx="3877985" cy="2031325"/>
           </a:xfrm>
           <a:prstGeom prst="rect">
             <a:avLst/>
@@ -3707,128 +5515,63 @@
           <a:lstStyle/>
           <a:p>
             <a:r>
-              <a:rPr kumimoji="1" lang="ja-JP" altLang="en-US" sz="1400" dirty="0" smtClean="0"/>
-              <a:t>アイテム使用中はモデルを回転させる</a:t>
-            </a:r>
-            <a:endParaRPr kumimoji="1" lang="en-US" altLang="ja-JP" sz="1400" dirty="0" smtClean="0"/>
-          </a:p>
-          <a:p>
-            <a:r>
-              <a:rPr kumimoji="1" lang="ja-JP" altLang="en-US" sz="1400" dirty="0" smtClean="0"/>
-              <a:t>使用時間が切れてきたら点滅、切れたら消す</a:t>
-            </a:r>
-            <a:endParaRPr kumimoji="1" lang="en-US" altLang="ja-JP" sz="1400" dirty="0" smtClean="0"/>
-          </a:p>
-        </p:txBody>
-      </p:sp>
-      <p:sp>
-        <p:nvSpPr>
-          <p:cNvPr id="14" name="テキスト ボックス 13"/>
-          <p:cNvSpPr txBox="1"/>
-          <p:nvPr/>
-        </p:nvSpPr>
-        <p:spPr>
-          <a:xfrm>
-            <a:off x="9422563" y="2127896"/>
-            <a:ext cx="2159566" cy="307777"/>
-          </a:xfrm>
-          <a:prstGeom prst="rect">
-            <a:avLst/>
-          </a:prstGeom>
-          <a:solidFill>
-            <a:schemeClr val="accent2">
-              <a:lumMod val="20000"/>
-              <a:lumOff val="80000"/>
-            </a:schemeClr>
-          </a:solidFill>
-          <a:ln>
-            <a:solidFill>
-              <a:schemeClr val="tx1"/>
-            </a:solidFill>
-          </a:ln>
-        </p:spPr>
-        <p:txBody>
-          <a:bodyPr wrap="none" rtlCol="0">
-            <a:spAutoFit/>
-          </a:bodyPr>
-          <a:lstStyle/>
-          <a:p>
-            <a:r>
-              <a:rPr kumimoji="1" lang="ja-JP" altLang="en-US" sz="1400" dirty="0" smtClean="0"/>
-              <a:t>壁にはテクスチャを貼る</a:t>
-            </a:r>
-            <a:endParaRPr kumimoji="1" lang="en-US" altLang="ja-JP" sz="1400" dirty="0" smtClean="0"/>
-          </a:p>
-        </p:txBody>
-      </p:sp>
-      <p:sp>
-        <p:nvSpPr>
-          <p:cNvPr id="15" name="テキスト ボックス 14"/>
-          <p:cNvSpPr txBox="1"/>
-          <p:nvPr/>
-        </p:nvSpPr>
-        <p:spPr>
-          <a:xfrm>
-            <a:off x="0" y="3327634"/>
-            <a:ext cx="3416320" cy="1169551"/>
-          </a:xfrm>
-          <a:prstGeom prst="rect">
-            <a:avLst/>
-          </a:prstGeom>
-          <a:solidFill>
-            <a:schemeClr val="accent2">
-              <a:lumMod val="20000"/>
-              <a:lumOff val="80000"/>
-            </a:schemeClr>
-          </a:solidFill>
-          <a:ln>
-            <a:solidFill>
-              <a:schemeClr val="tx1"/>
-            </a:solidFill>
-          </a:ln>
-        </p:spPr>
-        <p:txBody>
-          <a:bodyPr wrap="none" rtlCol="0">
-            <a:spAutoFit/>
-          </a:bodyPr>
-          <a:lstStyle/>
-          <a:p>
-            <a:r>
-              <a:rPr kumimoji="1" lang="ja-JP" altLang="en-US" sz="1400" dirty="0" smtClean="0"/>
-              <a:t>膀胱ゲージ、スタミナも</a:t>
-            </a:r>
-            <a:endParaRPr kumimoji="1" lang="en-US" altLang="ja-JP" sz="1400" dirty="0" smtClean="0"/>
-          </a:p>
-          <a:p>
-            <a:r>
-              <a:rPr kumimoji="1" lang="ja-JP" altLang="en-US" sz="1400" dirty="0" smtClean="0"/>
-              <a:t>変数で管理</a:t>
-            </a:r>
-            <a:endParaRPr kumimoji="1" lang="en-US" altLang="ja-JP" sz="1400" dirty="0" smtClean="0"/>
-          </a:p>
-          <a:p>
-            <a:endParaRPr lang="en-US" altLang="ja-JP" sz="1400" dirty="0"/>
-          </a:p>
-          <a:p>
-            <a:r>
-              <a:rPr kumimoji="1" lang="ja-JP" altLang="en-US" sz="1400" dirty="0" smtClean="0"/>
-              <a:t>膀胱ゲージは時間ごとに増えていく</a:t>
-            </a:r>
-            <a:endParaRPr kumimoji="1" lang="en-US" altLang="ja-JP" sz="1400" dirty="0" smtClean="0"/>
-          </a:p>
-          <a:p>
-            <a:r>
-              <a:rPr lang="ja-JP" altLang="en-US" sz="1400" dirty="0" smtClean="0"/>
-              <a:t>スタミナは時間で回復、ダッシュで消費</a:t>
-            </a:r>
-            <a:endParaRPr kumimoji="1" lang="en-US" altLang="ja-JP" sz="1400" dirty="0" smtClean="0"/>
+              <a:rPr kumimoji="1" lang="ja-JP" altLang="en-US" dirty="0" smtClean="0"/>
+              <a:t>自販機の前にプレイヤーが来たとき</a:t>
+            </a:r>
+            <a:endParaRPr kumimoji="1" lang="en-US" altLang="ja-JP" dirty="0" smtClean="0"/>
+          </a:p>
+          <a:p>
+            <a:r>
+              <a:rPr kumimoji="1" lang="ja-JP" altLang="en-US" dirty="0" smtClean="0"/>
+              <a:t>ゲームパッド操作なら</a:t>
+            </a:r>
+            <a:r>
+              <a:rPr kumimoji="1" lang="en-US" altLang="ja-JP" dirty="0" smtClean="0"/>
+              <a:t>X</a:t>
+            </a:r>
+            <a:r>
+              <a:rPr kumimoji="1" lang="ja-JP" altLang="en-US" dirty="0" smtClean="0"/>
+              <a:t>ボタン</a:t>
+            </a:r>
+            <a:endParaRPr kumimoji="1" lang="en-US" altLang="ja-JP" dirty="0" smtClean="0"/>
+          </a:p>
+          <a:p>
+            <a:r>
+              <a:rPr lang="ja-JP" altLang="en-US" dirty="0" smtClean="0"/>
+              <a:t>キーボード操作なら左クリック</a:t>
+            </a:r>
+            <a:endParaRPr lang="en-US" altLang="ja-JP" dirty="0" smtClean="0"/>
+          </a:p>
+          <a:p>
+            <a:r>
+              <a:rPr kumimoji="1" lang="ja-JP" altLang="en-US" dirty="0" smtClean="0"/>
+              <a:t>のアイコンを表示させる</a:t>
+            </a:r>
+            <a:endParaRPr kumimoji="1" lang="en-US" altLang="ja-JP" dirty="0" smtClean="0"/>
+          </a:p>
+          <a:p>
+            <a:endParaRPr lang="en-US" altLang="ja-JP" dirty="0"/>
+          </a:p>
+          <a:p>
+            <a:r>
+              <a:rPr kumimoji="1" lang="ja-JP" altLang="en-US" dirty="0" smtClean="0"/>
+              <a:t>アイコンはビルボードで表示</a:t>
+            </a:r>
+            <a:endParaRPr kumimoji="1" lang="en-US" altLang="ja-JP" dirty="0" smtClean="0"/>
+          </a:p>
+          <a:p>
+            <a:r>
+              <a:rPr lang="ja-JP" altLang="en-US" dirty="0" smtClean="0"/>
+              <a:t>ゆっくり上下移動させる</a:t>
+            </a:r>
+            <a:endParaRPr kumimoji="1" lang="ja-JP" altLang="en-US" dirty="0"/>
           </a:p>
         </p:txBody>
       </p:sp>
     </p:spTree>
     <p:extLst>
       <p:ext uri="{BB962C8B-B14F-4D97-AF65-F5344CB8AC3E}">
-        <p14:creationId xmlns:p14="http://schemas.microsoft.com/office/powerpoint/2010/main" val="3460411855"/>
+        <p14:creationId xmlns:p14="http://schemas.microsoft.com/office/powerpoint/2010/main" val="3739788944"/>
       </p:ext>
     </p:extLst>
   </p:cSld>
@@ -3870,7 +5613,7 @@
         </p:nvSpPr>
         <p:spPr>
           <a:xfrm>
-            <a:off x="324196" y="365760"/>
+            <a:off x="324196" y="3644441"/>
             <a:ext cx="1800493" cy="646331"/>
           </a:xfrm>
           <a:prstGeom prst="rect">
@@ -3894,11 +5637,7 @@
             </a:r>
             <a:r>
               <a:rPr kumimoji="1" lang="ja-JP" altLang="en-US" dirty="0" smtClean="0"/>
-              <a:t>の</a:t>
-            </a:r>
-            <a:r>
-              <a:rPr kumimoji="1" lang="ja-JP" altLang="en-US" dirty="0" smtClean="0"/>
-              <a:t>仕様</a:t>
+              <a:t>の仕様</a:t>
             </a:r>
             <a:endParaRPr kumimoji="1" lang="en-US" altLang="ja-JP" dirty="0" smtClean="0"/>
           </a:p>
@@ -3909,7 +5648,7 @@
             </a:r>
             <a:r>
               <a:rPr lang="ja-JP" altLang="en-US" dirty="0" smtClean="0"/>
-              <a:t>自販機</a:t>
+              <a:t>アイテム</a:t>
             </a:r>
             <a:r>
               <a:rPr lang="en-US" altLang="ja-JP" dirty="0" smtClean="0"/>
@@ -3921,14 +5660,14 @@
       </p:sp>
       <p:sp>
         <p:nvSpPr>
-          <p:cNvPr id="8" name="テキスト ボックス 7"/>
+          <p:cNvPr id="39" name="テキスト ボックス 38"/>
           <p:cNvSpPr txBox="1"/>
           <p:nvPr/>
         </p:nvSpPr>
         <p:spPr>
           <a:xfrm>
-            <a:off x="6481865" y="350369"/>
-            <a:ext cx="5262979" cy="2862322"/>
+            <a:off x="324196" y="4460047"/>
+            <a:ext cx="11033790" cy="2031325"/>
           </a:xfrm>
           <a:prstGeom prst="rect">
             <a:avLst/>
@@ -3953,85 +5692,132 @@
           <a:p>
             <a:r>
               <a:rPr kumimoji="1" lang="ja-JP" altLang="en-US" dirty="0" smtClean="0"/>
-              <a:t>アイテムはステージ上に置いてある自販機で購入</a:t>
+              <a:t>使用後２０秒間、効果が持続</a:t>
+            </a:r>
+            <a:r>
+              <a:rPr kumimoji="1" lang="en-US" altLang="ja-JP" dirty="0" smtClean="0"/>
+              <a:t>	</a:t>
+            </a:r>
+            <a:r>
+              <a:rPr kumimoji="1" lang="ja-JP" altLang="en-US" dirty="0" smtClean="0"/>
+              <a:t>残り５秒からモデルを点滅させる</a:t>
             </a:r>
             <a:endParaRPr kumimoji="1" lang="en-US" altLang="ja-JP" dirty="0" smtClean="0"/>
           </a:p>
           <a:p>
-            <a:endParaRPr kumimoji="1" lang="en-US" altLang="ja-JP" dirty="0" smtClean="0"/>
-          </a:p>
-          <a:p>
+            <a:endParaRPr lang="en-US" altLang="ja-JP" dirty="0"/>
+          </a:p>
+          <a:p>
+            <a:r>
+              <a:rPr kumimoji="1" lang="ja-JP" altLang="en-US" dirty="0" smtClean="0"/>
+              <a:t>１、サイダー：</a:t>
+            </a:r>
             <a:r>
               <a:rPr lang="ja-JP" altLang="en-US" dirty="0" smtClean="0"/>
-              <a:t>自販機に向かってパンチボタンを押せば、</a:t>
+              <a:t>８０</a:t>
+            </a:r>
+            <a:r>
+              <a:rPr kumimoji="1" lang="ja-JP" altLang="en-US" dirty="0" smtClean="0"/>
+              <a:t>円</a:t>
+            </a:r>
+            <a:r>
+              <a:rPr kumimoji="1" lang="en-US" altLang="ja-JP" dirty="0" smtClean="0"/>
+              <a:t>		</a:t>
+            </a:r>
+            <a:r>
+              <a:rPr kumimoji="1" lang="ja-JP" altLang="en-US" dirty="0" smtClean="0"/>
+              <a:t>移動スピード</a:t>
+            </a:r>
+            <a:r>
+              <a:rPr lang="ja-JP" altLang="en-US" dirty="0" smtClean="0"/>
+              <a:t>５％上昇・</a:t>
+            </a:r>
+            <a:r>
+              <a:rPr lang="ja-JP" altLang="en-US" dirty="0" smtClean="0">
+                <a:solidFill>
+                  <a:srgbClr val="FF0000"/>
+                </a:solidFill>
+              </a:rPr>
+              <a:t>膀胱ゲージ５増加</a:t>
+            </a:r>
+            <a:endParaRPr lang="en-US" altLang="ja-JP" dirty="0" smtClean="0">
+              <a:solidFill>
+                <a:srgbClr val="FF0000"/>
+              </a:solidFill>
+            </a:endParaRPr>
+          </a:p>
+          <a:p>
+            <a:endParaRPr kumimoji="1" lang="en-US" altLang="ja-JP" dirty="0"/>
+          </a:p>
+          <a:p>
+            <a:r>
+              <a:rPr lang="ja-JP" altLang="en-US" dirty="0" smtClean="0"/>
+              <a:t>２、スポーツドリンク：１３０円</a:t>
+            </a:r>
+            <a:r>
+              <a:rPr lang="en-US" altLang="ja-JP" dirty="0" smtClean="0"/>
+              <a:t>	</a:t>
+            </a:r>
+            <a:r>
+              <a:rPr lang="ja-JP" altLang="en-US" dirty="0" smtClean="0"/>
+              <a:t>移動スピード７％上昇・スタミナ消費</a:t>
+            </a:r>
+            <a:r>
+              <a:rPr lang="ja-JP" altLang="en-US" dirty="0" smtClean="0"/>
+              <a:t>１０％減少・</a:t>
+            </a:r>
+            <a:r>
+              <a:rPr lang="ja-JP" altLang="en-US" dirty="0" smtClean="0">
+                <a:solidFill>
+                  <a:srgbClr val="FF0000"/>
+                </a:solidFill>
+              </a:rPr>
+              <a:t>膀胱ゲージ３増加</a:t>
+            </a:r>
+            <a:endParaRPr lang="en-US" altLang="ja-JP" dirty="0" smtClean="0">
+              <a:solidFill>
+                <a:srgbClr val="FF0000"/>
+              </a:solidFill>
+            </a:endParaRPr>
+          </a:p>
+          <a:p>
+            <a:endParaRPr kumimoji="1" lang="en-US" altLang="ja-JP" dirty="0"/>
+          </a:p>
+          <a:p>
+            <a:r>
+              <a:rPr lang="ja-JP" altLang="en-US" dirty="0" smtClean="0"/>
+              <a:t>３、エナジードリンク：２１０円</a:t>
+            </a:r>
+            <a:r>
+              <a:rPr lang="en-US" altLang="ja-JP" dirty="0" smtClean="0"/>
+              <a:t>	</a:t>
+            </a:r>
+            <a:r>
+              <a:rPr lang="ja-JP" altLang="en-US" dirty="0" smtClean="0"/>
+              <a:t>移動スピード１０％</a:t>
+            </a:r>
+            <a:r>
+              <a:rPr lang="ja-JP" altLang="en-US" dirty="0"/>
+              <a:t>上昇・スタミナ消費２５％減</a:t>
+            </a:r>
+            <a:r>
+              <a:rPr lang="ja-JP" altLang="en-US" dirty="0" smtClean="0"/>
+              <a:t>少</a:t>
             </a:r>
             <a:endParaRPr lang="en-US" altLang="ja-JP" dirty="0" smtClean="0"/>
           </a:p>
-          <a:p>
-            <a:r>
-              <a:rPr kumimoji="1" lang="ja-JP" altLang="en-US" dirty="0" smtClean="0"/>
-              <a:t>アクションが手を伸ばすアクションに変わり</a:t>
-            </a:r>
-            <a:endParaRPr kumimoji="1" lang="en-US" altLang="ja-JP" dirty="0" smtClean="0"/>
-          </a:p>
-          <a:p>
-            <a:r>
-              <a:rPr lang="ja-JP" altLang="en-US" dirty="0"/>
-              <a:t>便利</a:t>
-            </a:r>
-            <a:r>
-              <a:rPr lang="ja-JP" altLang="en-US" dirty="0" smtClean="0"/>
-              <a:t>アイテムが購入できる</a:t>
-            </a:r>
-            <a:endParaRPr lang="en-US" altLang="ja-JP" dirty="0"/>
-          </a:p>
-          <a:p>
-            <a:endParaRPr lang="en-US" altLang="ja-JP" dirty="0" smtClean="0"/>
-          </a:p>
-          <a:p>
-            <a:r>
-              <a:rPr kumimoji="1" lang="ja-JP" altLang="en-US" dirty="0" smtClean="0"/>
-              <a:t>購入したアイテムは即座に使用される</a:t>
-            </a:r>
-            <a:endParaRPr kumimoji="1" lang="en-US" altLang="ja-JP" dirty="0" smtClean="0"/>
-          </a:p>
-          <a:p>
-            <a:endParaRPr lang="en-US" altLang="ja-JP" dirty="0"/>
-          </a:p>
-          <a:p>
-            <a:r>
-              <a:rPr kumimoji="1" lang="ja-JP" altLang="en-US" dirty="0" smtClean="0"/>
-              <a:t>使用済み自販機は色を黒く変える</a:t>
-            </a:r>
-            <a:endParaRPr kumimoji="1" lang="en-US" altLang="ja-JP" dirty="0" smtClean="0"/>
-          </a:p>
-          <a:p>
-            <a:r>
-              <a:rPr lang="en-US" altLang="ja-JP" dirty="0" smtClean="0"/>
-              <a:t>(</a:t>
-            </a:r>
-            <a:r>
-              <a:rPr lang="ja-JP" altLang="en-US" dirty="0" smtClean="0"/>
-              <a:t>いかにも使えなさそうな雰囲気</a:t>
-            </a:r>
-            <a:r>
-              <a:rPr lang="en-US" altLang="ja-JP" dirty="0" smtClean="0"/>
-              <a:t>)</a:t>
-            </a:r>
-            <a:endParaRPr kumimoji="1" lang="ja-JP" altLang="en-US" dirty="0"/>
-          </a:p>
-        </p:txBody>
-      </p:sp>
-      <p:sp>
-        <p:nvSpPr>
-          <p:cNvPr id="9" name="テキスト ボックス 8"/>
+        </p:txBody>
+      </p:sp>
+      <p:sp>
+        <p:nvSpPr>
+          <p:cNvPr id="48" name="テキスト ボックス 47"/>
           <p:cNvSpPr txBox="1"/>
           <p:nvPr/>
         </p:nvSpPr>
         <p:spPr>
           <a:xfrm>
-            <a:off x="2860590" y="1258052"/>
-            <a:ext cx="494046" cy="307777"/>
+            <a:off x="324196" y="365760"/>
+            <a:ext cx="1800493" cy="646331"/>
           </a:xfrm>
           <a:prstGeom prst="rect">
             <a:avLst/>
@@ -4045,1227 +5831,46 @@
           <a:lstStyle/>
           <a:p>
             <a:r>
-              <a:rPr kumimoji="1" lang="en-US" altLang="ja-JP" sz="1400" dirty="0" smtClean="0"/>
-              <a:t>Yes</a:t>
-            </a:r>
-            <a:endParaRPr kumimoji="1" lang="ja-JP" altLang="en-US" sz="1400" dirty="0"/>
-          </a:p>
-        </p:txBody>
-      </p:sp>
-      <p:sp>
-        <p:nvSpPr>
-          <p:cNvPr id="10" name="フローチャート: 端子 9"/>
-          <p:cNvSpPr/>
-          <p:nvPr/>
-        </p:nvSpPr>
-        <p:spPr>
-          <a:xfrm>
-            <a:off x="2681745" y="207624"/>
-            <a:ext cx="1609725" cy="438150"/>
-          </a:xfrm>
-          <a:prstGeom prst="flowChartTerminator">
-            <a:avLst/>
-          </a:prstGeom>
-          <a:noFill/>
-        </p:spPr>
-        <p:style>
-          <a:lnRef idx="2">
-            <a:schemeClr val="accent1">
-              <a:shade val="50000"/>
-            </a:schemeClr>
-          </a:lnRef>
-          <a:fillRef idx="1">
-            <a:schemeClr val="accent1"/>
-          </a:fillRef>
-          <a:effectRef idx="0">
-            <a:schemeClr val="accent1"/>
-          </a:effectRef>
-          <a:fontRef idx="minor">
-            <a:schemeClr val="lt1"/>
-          </a:fontRef>
-        </p:style>
-        <p:txBody>
-          <a:bodyPr rtlCol="0" anchor="ctr"/>
-          <a:lstStyle/>
-          <a:p>
-            <a:pPr algn="ctr"/>
-            <a:r>
-              <a:rPr kumimoji="1" lang="ja-JP" altLang="en-US" dirty="0" smtClean="0">
-                <a:solidFill>
-                  <a:schemeClr val="tx1"/>
-                </a:solidFill>
-              </a:rPr>
-              <a:t>自販機到着</a:t>
-            </a:r>
-            <a:endParaRPr kumimoji="1" lang="ja-JP" altLang="en-US" dirty="0">
-              <a:solidFill>
-                <a:schemeClr val="tx1"/>
-              </a:solidFill>
-            </a:endParaRPr>
-          </a:p>
-        </p:txBody>
-      </p:sp>
-      <p:sp>
-        <p:nvSpPr>
-          <p:cNvPr id="16" name="フローチャート: 判断 15"/>
-          <p:cNvSpPr/>
-          <p:nvPr/>
-        </p:nvSpPr>
-        <p:spPr>
-          <a:xfrm>
-            <a:off x="2681743" y="862884"/>
-            <a:ext cx="1609725" cy="438150"/>
-          </a:xfrm>
-          <a:prstGeom prst="flowChartDecision">
-            <a:avLst/>
-          </a:prstGeom>
-          <a:solidFill>
-            <a:schemeClr val="bg1"/>
-          </a:solidFill>
-          <a:ln>
-            <a:solidFill>
-              <a:schemeClr val="accent6"/>
-            </a:solidFill>
-          </a:ln>
-        </p:spPr>
-        <p:style>
-          <a:lnRef idx="2">
-            <a:schemeClr val="accent1">
-              <a:shade val="50000"/>
-            </a:schemeClr>
-          </a:lnRef>
-          <a:fillRef idx="1">
-            <a:schemeClr val="accent1"/>
-          </a:fillRef>
-          <a:effectRef idx="0">
-            <a:schemeClr val="accent1"/>
-          </a:effectRef>
-          <a:fontRef idx="minor">
-            <a:schemeClr val="lt1"/>
-          </a:fontRef>
-        </p:style>
-        <p:txBody>
-          <a:bodyPr rtlCol="0" anchor="ctr"/>
-          <a:lstStyle/>
-          <a:p>
-            <a:pPr algn="ctr"/>
-            <a:endParaRPr kumimoji="1" lang="ja-JP" altLang="en-US" dirty="0">
-              <a:solidFill>
-                <a:schemeClr val="tx1"/>
-              </a:solidFill>
-            </a:endParaRPr>
-          </a:p>
-        </p:txBody>
-      </p:sp>
-      <p:sp>
-        <p:nvSpPr>
-          <p:cNvPr id="17" name="テキスト ボックス 16"/>
+              <a:rPr kumimoji="1" lang="ja-JP" altLang="en-US" dirty="0" smtClean="0"/>
+              <a:t>ゲーム</a:t>
+            </a:r>
+            <a:r>
+              <a:rPr lang="ja-JP" altLang="en-US" dirty="0" smtClean="0"/>
+              <a:t>中</a:t>
+            </a:r>
+            <a:r>
+              <a:rPr kumimoji="1" lang="ja-JP" altLang="en-US" dirty="0" smtClean="0"/>
+              <a:t>の仕様</a:t>
+            </a:r>
+            <a:endParaRPr kumimoji="1" lang="en-US" altLang="ja-JP" dirty="0" smtClean="0"/>
+          </a:p>
+          <a:p>
+            <a:r>
+              <a:rPr lang="en-US" altLang="ja-JP" dirty="0" smtClean="0"/>
+              <a:t>(</a:t>
+            </a:r>
+            <a:r>
+              <a:rPr lang="ja-JP" altLang="en-US" dirty="0" smtClean="0"/>
+              <a:t>膀胱ゲージ</a:t>
+            </a:r>
+            <a:r>
+              <a:rPr lang="en-US" altLang="ja-JP" dirty="0" smtClean="0"/>
+              <a:t>)</a:t>
+            </a:r>
+            <a:endParaRPr kumimoji="1" lang="ja-JP" altLang="en-US" dirty="0"/>
+          </a:p>
+        </p:txBody>
+      </p:sp>
+      <p:sp>
+        <p:nvSpPr>
+          <p:cNvPr id="49" name="テキスト ボックス 48"/>
           <p:cNvSpPr txBox="1"/>
           <p:nvPr/>
         </p:nvSpPr>
         <p:spPr>
           <a:xfrm>
-            <a:off x="2470941" y="915927"/>
-            <a:ext cx="2031325" cy="369332"/>
-          </a:xfrm>
-          <a:prstGeom prst="rect">
-            <a:avLst/>
-          </a:prstGeom>
-          <a:solidFill>
-            <a:schemeClr val="bg1">
-              <a:alpha val="50196"/>
-            </a:schemeClr>
-          </a:solidFill>
-        </p:spPr>
-        <p:txBody>
-          <a:bodyPr wrap="none" rtlCol="0">
-            <a:spAutoFit/>
-          </a:bodyPr>
-          <a:lstStyle/>
-          <a:p>
-            <a:r>
-              <a:rPr kumimoji="1" lang="ja-JP" altLang="en-US" dirty="0" smtClean="0"/>
-              <a:t>パンチボタン押下</a:t>
-            </a:r>
-            <a:endParaRPr kumimoji="1" lang="ja-JP" altLang="en-US" dirty="0"/>
-          </a:p>
-        </p:txBody>
-      </p:sp>
-      <p:cxnSp>
-        <p:nvCxnSpPr>
-          <p:cNvPr id="18" name="直線矢印コネクタ 17"/>
-          <p:cNvCxnSpPr/>
-          <p:nvPr/>
-        </p:nvCxnSpPr>
-        <p:spPr>
-          <a:xfrm flipH="1">
-            <a:off x="3486607" y="643809"/>
-            <a:ext cx="1" cy="219075"/>
-          </a:xfrm>
-          <a:prstGeom prst="straightConnector1">
-            <a:avLst/>
-          </a:prstGeom>
-          <a:ln>
-            <a:tailEnd type="triangle"/>
-          </a:ln>
-        </p:spPr>
-        <p:style>
-          <a:lnRef idx="1">
-            <a:schemeClr val="accent1"/>
-          </a:lnRef>
-          <a:fillRef idx="0">
-            <a:schemeClr val="accent1"/>
-          </a:fillRef>
-          <a:effectRef idx="0">
-            <a:schemeClr val="accent1"/>
-          </a:effectRef>
-          <a:fontRef idx="minor">
-            <a:schemeClr val="tx1"/>
-          </a:fontRef>
-        </p:style>
-      </p:cxnSp>
-      <p:cxnSp>
-        <p:nvCxnSpPr>
-          <p:cNvPr id="20" name="直線矢印コネクタ 19"/>
-          <p:cNvCxnSpPr/>
-          <p:nvPr/>
-        </p:nvCxnSpPr>
-        <p:spPr>
-          <a:xfrm flipH="1">
-            <a:off x="3486604" y="1304962"/>
-            <a:ext cx="1" cy="219075"/>
-          </a:xfrm>
-          <a:prstGeom prst="straightConnector1">
-            <a:avLst/>
-          </a:prstGeom>
-          <a:ln>
-            <a:solidFill>
-              <a:schemeClr val="accent6"/>
-            </a:solidFill>
-            <a:tailEnd type="triangle"/>
-          </a:ln>
-        </p:spPr>
-        <p:style>
-          <a:lnRef idx="1">
-            <a:schemeClr val="accent1"/>
-          </a:lnRef>
-          <a:fillRef idx="0">
-            <a:schemeClr val="accent1"/>
-          </a:fillRef>
-          <a:effectRef idx="0">
-            <a:schemeClr val="accent1"/>
-          </a:effectRef>
-          <a:fontRef idx="minor">
-            <a:schemeClr val="tx1"/>
-          </a:fontRef>
-        </p:style>
-      </p:cxnSp>
-      <p:sp>
-        <p:nvSpPr>
-          <p:cNvPr id="22" name="テキスト ボックス 21"/>
-          <p:cNvSpPr txBox="1"/>
-          <p:nvPr/>
-        </p:nvSpPr>
-        <p:spPr>
-          <a:xfrm>
-            <a:off x="2860590" y="1918015"/>
-            <a:ext cx="494046" cy="307777"/>
-          </a:xfrm>
-          <a:prstGeom prst="rect">
-            <a:avLst/>
-          </a:prstGeom>
-          <a:noFill/>
-        </p:spPr>
-        <p:txBody>
-          <a:bodyPr wrap="none" rtlCol="0">
-            <a:spAutoFit/>
-          </a:bodyPr>
-          <a:lstStyle/>
-          <a:p>
-            <a:r>
-              <a:rPr kumimoji="1" lang="en-US" altLang="ja-JP" sz="1400" dirty="0" smtClean="0"/>
-              <a:t>Yes</a:t>
-            </a:r>
-            <a:endParaRPr kumimoji="1" lang="ja-JP" altLang="en-US" sz="1400" dirty="0"/>
-          </a:p>
-        </p:txBody>
-      </p:sp>
-      <p:sp>
-        <p:nvSpPr>
-          <p:cNvPr id="23" name="フローチャート: 判断 22"/>
-          <p:cNvSpPr/>
-          <p:nvPr/>
-        </p:nvSpPr>
-        <p:spPr>
-          <a:xfrm>
-            <a:off x="2681743" y="1522847"/>
-            <a:ext cx="1609725" cy="438150"/>
-          </a:xfrm>
-          <a:prstGeom prst="flowChartDecision">
-            <a:avLst/>
-          </a:prstGeom>
-          <a:solidFill>
-            <a:schemeClr val="bg1"/>
-          </a:solidFill>
-          <a:ln>
-            <a:solidFill>
-              <a:schemeClr val="accent6"/>
-            </a:solidFill>
-          </a:ln>
-        </p:spPr>
-        <p:style>
-          <a:lnRef idx="2">
-            <a:schemeClr val="accent1">
-              <a:shade val="50000"/>
-            </a:schemeClr>
-          </a:lnRef>
-          <a:fillRef idx="1">
-            <a:schemeClr val="accent1"/>
-          </a:fillRef>
-          <a:effectRef idx="0">
-            <a:schemeClr val="accent1"/>
-          </a:effectRef>
-          <a:fontRef idx="minor">
-            <a:schemeClr val="lt1"/>
-          </a:fontRef>
-        </p:style>
-        <p:txBody>
-          <a:bodyPr rtlCol="0" anchor="ctr"/>
-          <a:lstStyle/>
-          <a:p>
-            <a:pPr algn="ctr"/>
-            <a:endParaRPr kumimoji="1" lang="ja-JP" altLang="en-US" dirty="0">
-              <a:solidFill>
-                <a:schemeClr val="tx1"/>
-              </a:solidFill>
-            </a:endParaRPr>
-          </a:p>
-        </p:txBody>
-      </p:sp>
-      <p:sp>
-        <p:nvSpPr>
-          <p:cNvPr id="24" name="テキスト ボックス 23"/>
-          <p:cNvSpPr txBox="1"/>
-          <p:nvPr/>
-        </p:nvSpPr>
-        <p:spPr>
-          <a:xfrm>
-            <a:off x="2470941" y="1575890"/>
-            <a:ext cx="2031325" cy="369332"/>
-          </a:xfrm>
-          <a:prstGeom prst="rect">
-            <a:avLst/>
-          </a:prstGeom>
-          <a:solidFill>
-            <a:schemeClr val="bg1">
-              <a:alpha val="50196"/>
-            </a:schemeClr>
-          </a:solidFill>
-        </p:spPr>
-        <p:txBody>
-          <a:bodyPr wrap="none" rtlCol="0">
-            <a:spAutoFit/>
-          </a:bodyPr>
-          <a:lstStyle/>
-          <a:p>
-            <a:r>
-              <a:rPr kumimoji="1" lang="ja-JP" altLang="en-US" dirty="0" smtClean="0"/>
-              <a:t>自販機が使用可能</a:t>
-            </a:r>
-            <a:endParaRPr kumimoji="1" lang="ja-JP" altLang="en-US" dirty="0"/>
-          </a:p>
-        </p:txBody>
-      </p:sp>
-      <p:cxnSp>
-        <p:nvCxnSpPr>
-          <p:cNvPr id="25" name="直線矢印コネクタ 24"/>
-          <p:cNvCxnSpPr/>
-          <p:nvPr/>
-        </p:nvCxnSpPr>
-        <p:spPr>
-          <a:xfrm flipH="1">
-            <a:off x="3486604" y="1964925"/>
-            <a:ext cx="1" cy="219075"/>
-          </a:xfrm>
-          <a:prstGeom prst="straightConnector1">
-            <a:avLst/>
-          </a:prstGeom>
-          <a:ln>
-            <a:solidFill>
-              <a:schemeClr val="accent6"/>
-            </a:solidFill>
-            <a:tailEnd type="triangle"/>
-          </a:ln>
-        </p:spPr>
-        <p:style>
-          <a:lnRef idx="1">
-            <a:schemeClr val="accent1"/>
-          </a:lnRef>
-          <a:fillRef idx="0">
-            <a:schemeClr val="accent1"/>
-          </a:fillRef>
-          <a:effectRef idx="0">
-            <a:schemeClr val="accent1"/>
-          </a:effectRef>
-          <a:fontRef idx="minor">
-            <a:schemeClr val="tx1"/>
-          </a:fontRef>
-        </p:style>
-      </p:cxnSp>
-      <p:sp>
-        <p:nvSpPr>
-          <p:cNvPr id="27" name="フローチャート: 処理 26"/>
-          <p:cNvSpPr/>
-          <p:nvPr/>
-        </p:nvSpPr>
-        <p:spPr>
-          <a:xfrm>
-            <a:off x="2681739" y="2818787"/>
-            <a:ext cx="1609725" cy="438150"/>
-          </a:xfrm>
-          <a:prstGeom prst="flowChartProcess">
-            <a:avLst/>
-          </a:prstGeom>
-          <a:noFill/>
-        </p:spPr>
-        <p:style>
-          <a:lnRef idx="2">
-            <a:schemeClr val="accent1">
-              <a:shade val="50000"/>
-            </a:schemeClr>
-          </a:lnRef>
-          <a:fillRef idx="1">
-            <a:schemeClr val="accent1"/>
-          </a:fillRef>
-          <a:effectRef idx="0">
-            <a:schemeClr val="accent1"/>
-          </a:effectRef>
-          <a:fontRef idx="minor">
-            <a:schemeClr val="lt1"/>
-          </a:fontRef>
-        </p:style>
-        <p:txBody>
-          <a:bodyPr rtlCol="0" anchor="ctr"/>
-          <a:lstStyle/>
-          <a:p>
-            <a:pPr algn="ctr"/>
-            <a:endParaRPr kumimoji="1" lang="ja-JP" altLang="en-US" dirty="0">
-              <a:solidFill>
-                <a:schemeClr val="tx1"/>
-              </a:solidFill>
-            </a:endParaRPr>
-          </a:p>
-        </p:txBody>
-      </p:sp>
-      <p:sp>
-        <p:nvSpPr>
-          <p:cNvPr id="28" name="テキスト ボックス 27"/>
-          <p:cNvSpPr txBox="1"/>
-          <p:nvPr/>
-        </p:nvSpPr>
-        <p:spPr>
-          <a:xfrm>
-            <a:off x="2124689" y="2760803"/>
-            <a:ext cx="2723823" cy="646331"/>
-          </a:xfrm>
-          <a:prstGeom prst="rect">
-            <a:avLst/>
-          </a:prstGeom>
-          <a:solidFill>
-            <a:srgbClr val="FFFFFF">
-              <a:alpha val="74902"/>
-            </a:srgbClr>
-          </a:solidFill>
-        </p:spPr>
-        <p:txBody>
-          <a:bodyPr wrap="none" rtlCol="0">
-            <a:spAutoFit/>
-          </a:bodyPr>
-          <a:lstStyle/>
-          <a:p>
-            <a:r>
-              <a:rPr kumimoji="1" lang="ja-JP" altLang="en-US" dirty="0" smtClean="0"/>
-              <a:t>買える範囲で一番高価な</a:t>
-            </a:r>
-            <a:endParaRPr kumimoji="1" lang="en-US" altLang="ja-JP" dirty="0" smtClean="0"/>
-          </a:p>
-          <a:p>
-            <a:r>
-              <a:rPr lang="ja-JP" altLang="en-US" dirty="0" smtClean="0"/>
-              <a:t>アイテムを購入</a:t>
-            </a:r>
-            <a:endParaRPr kumimoji="1" lang="ja-JP" altLang="en-US" dirty="0"/>
-          </a:p>
-        </p:txBody>
-      </p:sp>
-      <p:sp>
-        <p:nvSpPr>
-          <p:cNvPr id="29" name="テキスト ボックス 28"/>
-          <p:cNvSpPr txBox="1"/>
-          <p:nvPr/>
-        </p:nvSpPr>
-        <p:spPr>
-          <a:xfrm>
-            <a:off x="2860587" y="2551789"/>
-            <a:ext cx="494046" cy="307777"/>
-          </a:xfrm>
-          <a:prstGeom prst="rect">
-            <a:avLst/>
-          </a:prstGeom>
-          <a:noFill/>
-        </p:spPr>
-        <p:txBody>
-          <a:bodyPr wrap="none" rtlCol="0">
-            <a:spAutoFit/>
-          </a:bodyPr>
-          <a:lstStyle/>
-          <a:p>
-            <a:r>
-              <a:rPr kumimoji="1" lang="en-US" altLang="ja-JP" sz="1400" dirty="0" smtClean="0"/>
-              <a:t>Yes</a:t>
-            </a:r>
-            <a:endParaRPr kumimoji="1" lang="ja-JP" altLang="en-US" sz="1400" dirty="0"/>
-          </a:p>
-        </p:txBody>
-      </p:sp>
-      <p:sp>
-        <p:nvSpPr>
-          <p:cNvPr id="30" name="フローチャート: 判断 29"/>
-          <p:cNvSpPr/>
-          <p:nvPr/>
-        </p:nvSpPr>
-        <p:spPr>
-          <a:xfrm>
-            <a:off x="2681740" y="2156621"/>
-            <a:ext cx="1609725" cy="438150"/>
-          </a:xfrm>
-          <a:prstGeom prst="flowChartDecision">
-            <a:avLst/>
-          </a:prstGeom>
-          <a:solidFill>
-            <a:schemeClr val="bg1"/>
-          </a:solidFill>
-          <a:ln>
-            <a:solidFill>
-              <a:schemeClr val="accent6"/>
-            </a:solidFill>
-          </a:ln>
-        </p:spPr>
-        <p:style>
-          <a:lnRef idx="2">
-            <a:schemeClr val="accent1">
-              <a:shade val="50000"/>
-            </a:schemeClr>
-          </a:lnRef>
-          <a:fillRef idx="1">
-            <a:schemeClr val="accent1"/>
-          </a:fillRef>
-          <a:effectRef idx="0">
-            <a:schemeClr val="accent1"/>
-          </a:effectRef>
-          <a:fontRef idx="minor">
-            <a:schemeClr val="lt1"/>
-          </a:fontRef>
-        </p:style>
-        <p:txBody>
-          <a:bodyPr rtlCol="0" anchor="ctr"/>
-          <a:lstStyle/>
-          <a:p>
-            <a:pPr algn="ctr"/>
-            <a:endParaRPr kumimoji="1" lang="ja-JP" altLang="en-US" dirty="0">
-              <a:solidFill>
-                <a:schemeClr val="tx1"/>
-              </a:solidFill>
-            </a:endParaRPr>
-          </a:p>
-        </p:txBody>
-      </p:sp>
-      <p:sp>
-        <p:nvSpPr>
-          <p:cNvPr id="31" name="テキスト ボックス 30"/>
-          <p:cNvSpPr txBox="1"/>
-          <p:nvPr/>
-        </p:nvSpPr>
-        <p:spPr>
-          <a:xfrm>
-            <a:off x="2470938" y="2209664"/>
-            <a:ext cx="2031325" cy="369332"/>
-          </a:xfrm>
-          <a:prstGeom prst="rect">
-            <a:avLst/>
-          </a:prstGeom>
-          <a:solidFill>
-            <a:schemeClr val="bg1">
-              <a:alpha val="50196"/>
-            </a:schemeClr>
-          </a:solidFill>
-        </p:spPr>
-        <p:txBody>
-          <a:bodyPr wrap="none" rtlCol="0">
-            <a:spAutoFit/>
-          </a:bodyPr>
-          <a:lstStyle/>
-          <a:p>
-            <a:r>
-              <a:rPr kumimoji="1" lang="ja-JP" altLang="en-US" dirty="0" smtClean="0"/>
-              <a:t>お金が足りている</a:t>
-            </a:r>
-            <a:endParaRPr kumimoji="1" lang="ja-JP" altLang="en-US" dirty="0"/>
-          </a:p>
-        </p:txBody>
-      </p:sp>
-      <p:cxnSp>
-        <p:nvCxnSpPr>
-          <p:cNvPr id="32" name="直線矢印コネクタ 31"/>
-          <p:cNvCxnSpPr/>
-          <p:nvPr/>
-        </p:nvCxnSpPr>
-        <p:spPr>
-          <a:xfrm flipH="1">
-            <a:off x="3486601" y="2598699"/>
-            <a:ext cx="1" cy="219075"/>
-          </a:xfrm>
-          <a:prstGeom prst="straightConnector1">
-            <a:avLst/>
-          </a:prstGeom>
-          <a:ln>
-            <a:solidFill>
-              <a:schemeClr val="accent6"/>
-            </a:solidFill>
-            <a:tailEnd type="triangle"/>
-          </a:ln>
-        </p:spPr>
-        <p:style>
-          <a:lnRef idx="1">
-            <a:schemeClr val="accent1"/>
-          </a:lnRef>
-          <a:fillRef idx="0">
-            <a:schemeClr val="accent1"/>
-          </a:fillRef>
-          <a:effectRef idx="0">
-            <a:schemeClr val="accent1"/>
-          </a:effectRef>
-          <a:fontRef idx="minor">
-            <a:schemeClr val="tx1"/>
-          </a:fontRef>
-        </p:style>
-      </p:cxnSp>
-      <p:sp>
-        <p:nvSpPr>
-          <p:cNvPr id="34" name="フローチャート: 処理 33"/>
-          <p:cNvSpPr/>
-          <p:nvPr/>
-        </p:nvSpPr>
-        <p:spPr>
-          <a:xfrm>
-            <a:off x="2681739" y="3481968"/>
-            <a:ext cx="1609725" cy="438150"/>
-          </a:xfrm>
-          <a:prstGeom prst="flowChartProcess">
-            <a:avLst/>
-          </a:prstGeom>
-          <a:noFill/>
-        </p:spPr>
-        <p:style>
-          <a:lnRef idx="2">
-            <a:schemeClr val="accent1">
-              <a:shade val="50000"/>
-            </a:schemeClr>
-          </a:lnRef>
-          <a:fillRef idx="1">
-            <a:schemeClr val="accent1"/>
-          </a:fillRef>
-          <a:effectRef idx="0">
-            <a:schemeClr val="accent1"/>
-          </a:effectRef>
-          <a:fontRef idx="minor">
-            <a:schemeClr val="lt1"/>
-          </a:fontRef>
-        </p:style>
-        <p:txBody>
-          <a:bodyPr rtlCol="0" anchor="ctr"/>
-          <a:lstStyle/>
-          <a:p>
-            <a:pPr algn="ctr"/>
-            <a:endParaRPr kumimoji="1" lang="ja-JP" altLang="en-US" dirty="0">
-              <a:solidFill>
-                <a:schemeClr val="tx1"/>
-              </a:solidFill>
-            </a:endParaRPr>
-          </a:p>
-        </p:txBody>
-      </p:sp>
-      <p:sp>
-        <p:nvSpPr>
-          <p:cNvPr id="35" name="テキスト ボックス 34"/>
-          <p:cNvSpPr txBox="1"/>
-          <p:nvPr/>
-        </p:nvSpPr>
-        <p:spPr>
-          <a:xfrm>
-            <a:off x="2355520" y="3519176"/>
-            <a:ext cx="2262158" cy="369332"/>
-          </a:xfrm>
-          <a:prstGeom prst="rect">
-            <a:avLst/>
-          </a:prstGeom>
-          <a:solidFill>
-            <a:schemeClr val="bg1">
-              <a:alpha val="50196"/>
-            </a:schemeClr>
-          </a:solidFill>
-        </p:spPr>
-        <p:txBody>
-          <a:bodyPr wrap="none" rtlCol="0">
-            <a:spAutoFit/>
-          </a:bodyPr>
-          <a:lstStyle/>
-          <a:p>
-            <a:r>
-              <a:rPr kumimoji="1" lang="ja-JP" altLang="en-US" dirty="0" smtClean="0"/>
-              <a:t>自販機を使用不可に</a:t>
-            </a:r>
-            <a:endParaRPr kumimoji="1" lang="ja-JP" altLang="en-US" dirty="0"/>
-          </a:p>
-        </p:txBody>
-      </p:sp>
-      <p:cxnSp>
-        <p:nvCxnSpPr>
-          <p:cNvPr id="36" name="直線矢印コネクタ 35"/>
-          <p:cNvCxnSpPr/>
-          <p:nvPr/>
-        </p:nvCxnSpPr>
-        <p:spPr>
-          <a:xfrm flipH="1">
-            <a:off x="3486599" y="3268675"/>
-            <a:ext cx="1" cy="219075"/>
-          </a:xfrm>
-          <a:prstGeom prst="straightConnector1">
-            <a:avLst/>
-          </a:prstGeom>
-          <a:ln>
-            <a:tailEnd type="triangle"/>
-          </a:ln>
-        </p:spPr>
-        <p:style>
-          <a:lnRef idx="1">
-            <a:schemeClr val="accent1"/>
-          </a:lnRef>
-          <a:fillRef idx="0">
-            <a:schemeClr val="accent1"/>
-          </a:fillRef>
-          <a:effectRef idx="0">
-            <a:schemeClr val="accent1"/>
-          </a:effectRef>
-          <a:fontRef idx="minor">
-            <a:schemeClr val="tx1"/>
-          </a:fontRef>
-        </p:style>
-      </p:cxnSp>
-      <p:sp>
-        <p:nvSpPr>
-          <p:cNvPr id="37" name="フローチャート: 端子 36"/>
-          <p:cNvSpPr/>
-          <p:nvPr/>
-        </p:nvSpPr>
-        <p:spPr>
-          <a:xfrm>
-            <a:off x="2681736" y="4816242"/>
-            <a:ext cx="1609725" cy="438150"/>
-          </a:xfrm>
-          <a:prstGeom prst="flowChartTerminator">
-            <a:avLst/>
-          </a:prstGeom>
-          <a:noFill/>
-        </p:spPr>
-        <p:style>
-          <a:lnRef idx="2">
-            <a:schemeClr val="accent1">
-              <a:shade val="50000"/>
-            </a:schemeClr>
-          </a:lnRef>
-          <a:fillRef idx="1">
-            <a:schemeClr val="accent1"/>
-          </a:fillRef>
-          <a:effectRef idx="0">
-            <a:schemeClr val="accent1"/>
-          </a:effectRef>
-          <a:fontRef idx="minor">
-            <a:schemeClr val="lt1"/>
-          </a:fontRef>
-        </p:style>
-        <p:txBody>
-          <a:bodyPr rtlCol="0" anchor="ctr"/>
-          <a:lstStyle/>
-          <a:p>
-            <a:pPr algn="ctr"/>
-            <a:r>
-              <a:rPr kumimoji="1" lang="ja-JP" altLang="en-US" dirty="0" smtClean="0">
-                <a:solidFill>
-                  <a:schemeClr val="tx1"/>
-                </a:solidFill>
-              </a:rPr>
-              <a:t>終了</a:t>
-            </a:r>
-            <a:endParaRPr kumimoji="1" lang="ja-JP" altLang="en-US" dirty="0">
-              <a:solidFill>
-                <a:schemeClr val="tx1"/>
-              </a:solidFill>
-            </a:endParaRPr>
-          </a:p>
-        </p:txBody>
-      </p:sp>
-      <p:cxnSp>
-        <p:nvCxnSpPr>
-          <p:cNvPr id="38" name="直線矢印コネクタ 37"/>
-          <p:cNvCxnSpPr/>
-          <p:nvPr/>
-        </p:nvCxnSpPr>
-        <p:spPr>
-          <a:xfrm flipH="1">
-            <a:off x="3486599" y="3919934"/>
-            <a:ext cx="1" cy="219075"/>
-          </a:xfrm>
-          <a:prstGeom prst="straightConnector1">
-            <a:avLst/>
-          </a:prstGeom>
-          <a:ln>
-            <a:tailEnd type="triangle"/>
-          </a:ln>
-        </p:spPr>
-        <p:style>
-          <a:lnRef idx="1">
-            <a:schemeClr val="accent1"/>
-          </a:lnRef>
-          <a:fillRef idx="0">
-            <a:schemeClr val="accent1"/>
-          </a:fillRef>
-          <a:effectRef idx="0">
-            <a:schemeClr val="accent1"/>
-          </a:effectRef>
-          <a:fontRef idx="minor">
-            <a:schemeClr val="tx1"/>
-          </a:fontRef>
-        </p:style>
-      </p:cxnSp>
-      <p:sp>
-        <p:nvSpPr>
-          <p:cNvPr id="41" name="フローチャート: 処理 40"/>
-          <p:cNvSpPr/>
-          <p:nvPr/>
-        </p:nvSpPr>
-        <p:spPr>
-          <a:xfrm>
-            <a:off x="2681736" y="4159201"/>
-            <a:ext cx="1609725" cy="438150"/>
-          </a:xfrm>
-          <a:prstGeom prst="flowChartProcess">
-            <a:avLst/>
-          </a:prstGeom>
-          <a:noFill/>
-        </p:spPr>
-        <p:style>
-          <a:lnRef idx="2">
-            <a:schemeClr val="accent1">
-              <a:shade val="50000"/>
-            </a:schemeClr>
-          </a:lnRef>
-          <a:fillRef idx="1">
-            <a:schemeClr val="accent1"/>
-          </a:fillRef>
-          <a:effectRef idx="0">
-            <a:schemeClr val="accent1"/>
-          </a:effectRef>
-          <a:fontRef idx="minor">
-            <a:schemeClr val="lt1"/>
-          </a:fontRef>
-        </p:style>
-        <p:txBody>
-          <a:bodyPr rtlCol="0" anchor="ctr"/>
-          <a:lstStyle/>
-          <a:p>
-            <a:pPr algn="ctr"/>
-            <a:endParaRPr kumimoji="1" lang="ja-JP" altLang="en-US" dirty="0">
-              <a:solidFill>
-                <a:schemeClr val="tx1"/>
-              </a:solidFill>
-            </a:endParaRPr>
-          </a:p>
-        </p:txBody>
-      </p:sp>
-      <p:sp>
-        <p:nvSpPr>
-          <p:cNvPr id="42" name="テキスト ボックス 41"/>
-          <p:cNvSpPr txBox="1"/>
-          <p:nvPr/>
-        </p:nvSpPr>
-        <p:spPr>
-          <a:xfrm>
-            <a:off x="2701766" y="4193426"/>
-            <a:ext cx="1569660" cy="369332"/>
-          </a:xfrm>
-          <a:prstGeom prst="rect">
-            <a:avLst/>
-          </a:prstGeom>
-          <a:solidFill>
-            <a:schemeClr val="bg1">
-              <a:alpha val="50196"/>
-            </a:schemeClr>
-          </a:solidFill>
-        </p:spPr>
-        <p:txBody>
-          <a:bodyPr wrap="none" rtlCol="0">
-            <a:spAutoFit/>
-          </a:bodyPr>
-          <a:lstStyle/>
-          <a:p>
-            <a:r>
-              <a:rPr kumimoji="1" lang="ja-JP" altLang="en-US" dirty="0" smtClean="0"/>
-              <a:t>アイテム使用</a:t>
-            </a:r>
-            <a:endParaRPr kumimoji="1" lang="ja-JP" altLang="en-US" dirty="0"/>
-          </a:p>
-        </p:txBody>
-      </p:sp>
-      <p:cxnSp>
-        <p:nvCxnSpPr>
-          <p:cNvPr id="43" name="直線矢印コネクタ 42"/>
-          <p:cNvCxnSpPr/>
-          <p:nvPr/>
-        </p:nvCxnSpPr>
-        <p:spPr>
-          <a:xfrm flipH="1">
-            <a:off x="3486596" y="4597167"/>
-            <a:ext cx="1" cy="219075"/>
-          </a:xfrm>
-          <a:prstGeom prst="straightConnector1">
-            <a:avLst/>
-          </a:prstGeom>
-          <a:ln>
-            <a:tailEnd type="triangle"/>
-          </a:ln>
-        </p:spPr>
-        <p:style>
-          <a:lnRef idx="1">
-            <a:schemeClr val="accent1"/>
-          </a:lnRef>
-          <a:fillRef idx="0">
-            <a:schemeClr val="accent1"/>
-          </a:fillRef>
-          <a:effectRef idx="0">
-            <a:schemeClr val="accent1"/>
-          </a:effectRef>
-          <a:fontRef idx="minor">
-            <a:schemeClr val="tx1"/>
-          </a:fontRef>
-        </p:style>
-      </p:cxnSp>
-      <p:cxnSp>
-        <p:nvCxnSpPr>
-          <p:cNvPr id="44" name="直線コネクタ 43"/>
-          <p:cNvCxnSpPr/>
-          <p:nvPr/>
-        </p:nvCxnSpPr>
-        <p:spPr>
-          <a:xfrm>
-            <a:off x="3481176" y="2675308"/>
-            <a:ext cx="1199170" cy="0"/>
-          </a:xfrm>
-          <a:prstGeom prst="line">
-            <a:avLst/>
-          </a:prstGeom>
-          <a:ln>
-            <a:solidFill>
-              <a:schemeClr val="accent6"/>
-            </a:solidFill>
-          </a:ln>
-        </p:spPr>
-        <p:style>
-          <a:lnRef idx="1">
-            <a:schemeClr val="accent1"/>
-          </a:lnRef>
-          <a:fillRef idx="0">
-            <a:schemeClr val="accent1"/>
-          </a:fillRef>
-          <a:effectRef idx="0">
-            <a:schemeClr val="accent1"/>
-          </a:effectRef>
-          <a:fontRef idx="minor">
-            <a:schemeClr val="tx1"/>
-          </a:fontRef>
-        </p:style>
-      </p:cxnSp>
-      <p:cxnSp>
-        <p:nvCxnSpPr>
-          <p:cNvPr id="45" name="直線コネクタ 44"/>
-          <p:cNvCxnSpPr/>
-          <p:nvPr/>
-        </p:nvCxnSpPr>
-        <p:spPr>
-          <a:xfrm flipV="1">
-            <a:off x="4685766" y="1366032"/>
-            <a:ext cx="0" cy="3307929"/>
-          </a:xfrm>
-          <a:prstGeom prst="line">
-            <a:avLst/>
-          </a:prstGeom>
-          <a:ln>
-            <a:solidFill>
-              <a:schemeClr val="accent6"/>
-            </a:solidFill>
-          </a:ln>
-        </p:spPr>
-        <p:style>
-          <a:lnRef idx="1">
-            <a:schemeClr val="accent1"/>
-          </a:lnRef>
-          <a:fillRef idx="0">
-            <a:schemeClr val="accent1"/>
-          </a:fillRef>
-          <a:effectRef idx="0">
-            <a:schemeClr val="accent1"/>
-          </a:effectRef>
-          <a:fontRef idx="minor">
-            <a:schemeClr val="tx1"/>
-          </a:fontRef>
-        </p:style>
-      </p:cxnSp>
-      <p:cxnSp>
-        <p:nvCxnSpPr>
-          <p:cNvPr id="46" name="直線コネクタ 45"/>
-          <p:cNvCxnSpPr/>
-          <p:nvPr/>
-        </p:nvCxnSpPr>
-        <p:spPr>
-          <a:xfrm>
-            <a:off x="3486596" y="4673961"/>
-            <a:ext cx="1199170" cy="0"/>
-          </a:xfrm>
-          <a:prstGeom prst="line">
-            <a:avLst/>
-          </a:prstGeom>
-          <a:ln>
-            <a:solidFill>
-              <a:schemeClr val="accent6"/>
-            </a:solidFill>
-            <a:headEnd type="triangle"/>
-            <a:tailEnd type="none"/>
-          </a:ln>
-        </p:spPr>
-        <p:style>
-          <a:lnRef idx="1">
-            <a:schemeClr val="accent1"/>
-          </a:lnRef>
-          <a:fillRef idx="0">
-            <a:schemeClr val="accent1"/>
-          </a:fillRef>
-          <a:effectRef idx="0">
-            <a:schemeClr val="accent1"/>
-          </a:effectRef>
-          <a:fontRef idx="minor">
-            <a:schemeClr val="tx1"/>
-          </a:fontRef>
-        </p:style>
-      </p:cxnSp>
-      <p:cxnSp>
-        <p:nvCxnSpPr>
-          <p:cNvPr id="47" name="直線コネクタ 46"/>
-          <p:cNvCxnSpPr/>
-          <p:nvPr/>
-        </p:nvCxnSpPr>
-        <p:spPr>
-          <a:xfrm>
-            <a:off x="3481176" y="2044905"/>
-            <a:ext cx="1199170" cy="0"/>
-          </a:xfrm>
-          <a:prstGeom prst="line">
-            <a:avLst/>
-          </a:prstGeom>
-          <a:ln>
-            <a:solidFill>
-              <a:schemeClr val="accent6"/>
-            </a:solidFill>
-          </a:ln>
-        </p:spPr>
-        <p:style>
-          <a:lnRef idx="1">
-            <a:schemeClr val="accent1"/>
-          </a:lnRef>
-          <a:fillRef idx="0">
-            <a:schemeClr val="accent1"/>
-          </a:fillRef>
-          <a:effectRef idx="0">
-            <a:schemeClr val="accent1"/>
-          </a:effectRef>
-          <a:fontRef idx="minor">
-            <a:schemeClr val="tx1"/>
-          </a:fontRef>
-        </p:style>
-      </p:cxnSp>
-      <p:cxnSp>
-        <p:nvCxnSpPr>
-          <p:cNvPr id="50" name="直線コネクタ 49"/>
-          <p:cNvCxnSpPr/>
-          <p:nvPr/>
-        </p:nvCxnSpPr>
-        <p:spPr>
-          <a:xfrm>
-            <a:off x="3481176" y="1366032"/>
-            <a:ext cx="1199170" cy="0"/>
-          </a:xfrm>
-          <a:prstGeom prst="line">
-            <a:avLst/>
-          </a:prstGeom>
-          <a:ln>
-            <a:solidFill>
-              <a:schemeClr val="accent6"/>
-            </a:solidFill>
-          </a:ln>
-        </p:spPr>
-        <p:style>
-          <a:lnRef idx="1">
-            <a:schemeClr val="accent1"/>
-          </a:lnRef>
-          <a:fillRef idx="0">
-            <a:schemeClr val="accent1"/>
-          </a:fillRef>
-          <a:effectRef idx="0">
-            <a:schemeClr val="accent1"/>
-          </a:effectRef>
-          <a:fontRef idx="minor">
-            <a:schemeClr val="tx1"/>
-          </a:fontRef>
-        </p:style>
-      </p:cxnSp>
-      <p:sp>
-        <p:nvSpPr>
-          <p:cNvPr id="52" name="テキスト ボックス 51"/>
-          <p:cNvSpPr txBox="1"/>
-          <p:nvPr/>
-        </p:nvSpPr>
-        <p:spPr>
-          <a:xfrm>
-            <a:off x="4686410" y="1340087"/>
-            <a:ext cx="420308" cy="307777"/>
-          </a:xfrm>
-          <a:prstGeom prst="rect">
-            <a:avLst/>
-          </a:prstGeom>
-          <a:noFill/>
-        </p:spPr>
-        <p:txBody>
-          <a:bodyPr wrap="none" rtlCol="0">
-            <a:spAutoFit/>
-          </a:bodyPr>
-          <a:lstStyle/>
-          <a:p>
-            <a:r>
-              <a:rPr kumimoji="1" lang="en-US" altLang="ja-JP" sz="1400" dirty="0" smtClean="0"/>
-              <a:t>No</a:t>
-            </a:r>
-            <a:endParaRPr kumimoji="1" lang="ja-JP" altLang="en-US" sz="1400" dirty="0"/>
-          </a:p>
-        </p:txBody>
-      </p:sp>
-      <p:sp>
-        <p:nvSpPr>
-          <p:cNvPr id="53" name="テキスト ボックス 52"/>
-          <p:cNvSpPr txBox="1"/>
-          <p:nvPr/>
-        </p:nvSpPr>
-        <p:spPr>
-          <a:xfrm>
-            <a:off x="4686410" y="2044905"/>
-            <a:ext cx="420308" cy="307777"/>
-          </a:xfrm>
-          <a:prstGeom prst="rect">
-            <a:avLst/>
-          </a:prstGeom>
-          <a:noFill/>
-        </p:spPr>
-        <p:txBody>
-          <a:bodyPr wrap="none" rtlCol="0">
-            <a:spAutoFit/>
-          </a:bodyPr>
-          <a:lstStyle/>
-          <a:p>
-            <a:r>
-              <a:rPr kumimoji="1" lang="en-US" altLang="ja-JP" sz="1400" dirty="0" smtClean="0"/>
-              <a:t>No</a:t>
-            </a:r>
-            <a:endParaRPr kumimoji="1" lang="ja-JP" altLang="en-US" sz="1400" dirty="0"/>
-          </a:p>
-        </p:txBody>
-      </p:sp>
-      <p:sp>
-        <p:nvSpPr>
-          <p:cNvPr id="54" name="テキスト ボックス 53"/>
-          <p:cNvSpPr txBox="1"/>
-          <p:nvPr/>
-        </p:nvSpPr>
-        <p:spPr>
-          <a:xfrm>
-            <a:off x="4678182" y="2685969"/>
-            <a:ext cx="420308" cy="307777"/>
-          </a:xfrm>
-          <a:prstGeom prst="rect">
-            <a:avLst/>
-          </a:prstGeom>
-          <a:noFill/>
-        </p:spPr>
-        <p:txBody>
-          <a:bodyPr wrap="none" rtlCol="0">
-            <a:spAutoFit/>
-          </a:bodyPr>
-          <a:lstStyle/>
-          <a:p>
-            <a:r>
-              <a:rPr kumimoji="1" lang="en-US" altLang="ja-JP" sz="1400" dirty="0" smtClean="0"/>
-              <a:t>No</a:t>
-            </a:r>
-            <a:endParaRPr kumimoji="1" lang="ja-JP" altLang="en-US" sz="1400" dirty="0"/>
-          </a:p>
-        </p:txBody>
-      </p:sp>
-      <p:pic>
-        <p:nvPicPr>
-          <p:cNvPr id="55" name="図 54"/>
-          <p:cNvPicPr>
-            <a:picLocks noChangeAspect="1"/>
-          </p:cNvPicPr>
-          <p:nvPr/>
-        </p:nvPicPr>
-        <p:blipFill>
-          <a:blip r:embed="rId2"/>
-          <a:stretch>
-            <a:fillRect/>
-          </a:stretch>
-        </p:blipFill>
-        <p:spPr>
-          <a:xfrm>
-            <a:off x="4943897" y="3634809"/>
-            <a:ext cx="4192103" cy="2358058"/>
-          </a:xfrm>
-          <a:prstGeom prst="rect">
-            <a:avLst/>
-          </a:prstGeom>
-          <a:ln>
-            <a:solidFill>
-              <a:schemeClr val="tx1"/>
-            </a:solidFill>
-          </a:ln>
-        </p:spPr>
-      </p:pic>
-      <p:sp>
-        <p:nvSpPr>
-          <p:cNvPr id="56" name="テキスト ボックス 55"/>
-          <p:cNvSpPr txBox="1"/>
-          <p:nvPr/>
-        </p:nvSpPr>
-        <p:spPr>
-          <a:xfrm>
-            <a:off x="8314015" y="4139009"/>
-            <a:ext cx="3877985" cy="2031325"/>
+            <a:off x="324196" y="1181366"/>
+            <a:ext cx="5541902" cy="646331"/>
           </a:xfrm>
           <a:prstGeom prst="rect">
             <a:avLst/>
@@ -5289,63 +5894,4382 @@
           <a:lstStyle/>
           <a:p>
             <a:r>
+              <a:rPr lang="ja-JP" altLang="en-US" dirty="0" smtClean="0"/>
+              <a:t>膀胱ゲージは１秒に１増加し、１００で</a:t>
+            </a:r>
+            <a:r>
+              <a:rPr lang="en-US" altLang="ja-JP" dirty="0" smtClean="0"/>
+              <a:t>MAX</a:t>
+            </a:r>
+            <a:r>
+              <a:rPr lang="ja-JP" altLang="en-US" dirty="0" smtClean="0"/>
+              <a:t>になる</a:t>
+            </a:r>
+            <a:endParaRPr lang="en-US" altLang="ja-JP" dirty="0" smtClean="0"/>
+          </a:p>
+          <a:p>
+            <a:r>
+              <a:rPr lang="ja-JP" altLang="en-US" dirty="0" smtClean="0"/>
+              <a:t>ダッシュ中は増加量が１</a:t>
+            </a:r>
+            <a:r>
+              <a:rPr lang="en-US" altLang="ja-JP" dirty="0" smtClean="0"/>
+              <a:t>.</a:t>
+            </a:r>
+            <a:r>
+              <a:rPr lang="ja-JP" altLang="en-US" dirty="0" smtClean="0"/>
+              <a:t>５倍</a:t>
+            </a:r>
+            <a:endParaRPr lang="en-US" altLang="ja-JP" dirty="0" smtClean="0"/>
+          </a:p>
+        </p:txBody>
+      </p:sp>
+      <p:sp>
+        <p:nvSpPr>
+          <p:cNvPr id="51" name="テキスト ボックス 50"/>
+          <p:cNvSpPr txBox="1"/>
+          <p:nvPr/>
+        </p:nvSpPr>
+        <p:spPr>
+          <a:xfrm>
+            <a:off x="6461760" y="365760"/>
+            <a:ext cx="1800493" cy="646331"/>
+          </a:xfrm>
+          <a:prstGeom prst="rect">
+            <a:avLst/>
+          </a:prstGeom>
+          <a:noFill/>
+        </p:spPr>
+        <p:txBody>
+          <a:bodyPr wrap="none" rtlCol="0">
+            <a:spAutoFit/>
+          </a:bodyPr>
+          <a:lstStyle/>
+          <a:p>
+            <a:r>
               <a:rPr kumimoji="1" lang="ja-JP" altLang="en-US" dirty="0" smtClean="0"/>
-              <a:t>自販機の前にプレイヤーが来たとき</a:t>
+              <a:t>ゲーム</a:t>
+            </a:r>
+            <a:r>
+              <a:rPr lang="ja-JP" altLang="en-US" dirty="0" smtClean="0"/>
+              <a:t>中</a:t>
+            </a:r>
+            <a:r>
+              <a:rPr kumimoji="1" lang="ja-JP" altLang="en-US" dirty="0" smtClean="0"/>
+              <a:t>の仕様</a:t>
             </a:r>
             <a:endParaRPr kumimoji="1" lang="en-US" altLang="ja-JP" dirty="0" smtClean="0"/>
           </a:p>
           <a:p>
             <a:r>
+              <a:rPr lang="en-US" altLang="ja-JP" dirty="0" smtClean="0"/>
+              <a:t>(</a:t>
+            </a:r>
+            <a:r>
+              <a:rPr lang="ja-JP" altLang="en-US" dirty="0" smtClean="0"/>
+              <a:t>スタミナ</a:t>
+            </a:r>
+            <a:r>
+              <a:rPr lang="en-US" altLang="ja-JP" dirty="0" smtClean="0"/>
+              <a:t>)</a:t>
+            </a:r>
+            <a:endParaRPr kumimoji="1" lang="ja-JP" altLang="en-US" dirty="0"/>
+          </a:p>
+        </p:txBody>
+      </p:sp>
+      <p:sp>
+        <p:nvSpPr>
+          <p:cNvPr id="57" name="テキスト ボックス 56"/>
+          <p:cNvSpPr txBox="1"/>
+          <p:nvPr/>
+        </p:nvSpPr>
+        <p:spPr>
+          <a:xfrm>
+            <a:off x="6461760" y="1181366"/>
+            <a:ext cx="4398961" cy="646331"/>
+          </a:xfrm>
+          <a:prstGeom prst="rect">
+            <a:avLst/>
+          </a:prstGeom>
+          <a:solidFill>
+            <a:schemeClr val="accent2">
+              <a:lumMod val="20000"/>
+              <a:lumOff val="80000"/>
+            </a:schemeClr>
+          </a:solidFill>
+          <a:ln>
+            <a:solidFill>
+              <a:schemeClr val="tx1"/>
+            </a:solidFill>
+          </a:ln>
+        </p:spPr>
+        <p:txBody>
+          <a:bodyPr wrap="none" rtlCol="0">
+            <a:spAutoFit/>
+          </a:bodyPr>
+          <a:lstStyle/>
+          <a:p>
+            <a:r>
+              <a:rPr lang="ja-JP" altLang="en-US" dirty="0" smtClean="0"/>
+              <a:t>最大値１００、ダッシュ中０</a:t>
+            </a:r>
+            <a:r>
+              <a:rPr lang="en-US" altLang="ja-JP" dirty="0" smtClean="0"/>
+              <a:t>.</a:t>
+            </a:r>
+            <a:r>
+              <a:rPr lang="ja-JP" altLang="en-US" dirty="0" smtClean="0"/>
+              <a:t>１ずつ減少</a:t>
+            </a:r>
+            <a:endParaRPr lang="en-US" altLang="ja-JP" dirty="0" smtClean="0"/>
+          </a:p>
+          <a:p>
+            <a:r>
+              <a:rPr lang="ja-JP" altLang="en-US" dirty="0" smtClean="0"/>
+              <a:t>ダッシュをやめると０</a:t>
+            </a:r>
+            <a:r>
+              <a:rPr lang="en-US" altLang="ja-JP" dirty="0" smtClean="0"/>
+              <a:t>.</a:t>
+            </a:r>
+            <a:r>
+              <a:rPr lang="ja-JP" altLang="en-US" dirty="0" smtClean="0"/>
+              <a:t>０５ずつ回復</a:t>
+            </a:r>
+            <a:endParaRPr lang="en-US" altLang="ja-JP" dirty="0" smtClean="0"/>
+          </a:p>
+        </p:txBody>
+      </p:sp>
+      <p:sp>
+        <p:nvSpPr>
+          <p:cNvPr id="58" name="テキスト ボックス 57"/>
+          <p:cNvSpPr txBox="1"/>
+          <p:nvPr/>
+        </p:nvSpPr>
+        <p:spPr>
+          <a:xfrm>
+            <a:off x="324196" y="2290228"/>
+            <a:ext cx="1800493" cy="646331"/>
+          </a:xfrm>
+          <a:prstGeom prst="rect">
+            <a:avLst/>
+          </a:prstGeom>
+          <a:noFill/>
+        </p:spPr>
+        <p:txBody>
+          <a:bodyPr wrap="none" rtlCol="0">
+            <a:spAutoFit/>
+          </a:bodyPr>
+          <a:lstStyle/>
+          <a:p>
+            <a:r>
               <a:rPr kumimoji="1" lang="ja-JP" altLang="en-US" dirty="0" smtClean="0"/>
-              <a:t>ゲームパッド操作なら</a:t>
-            </a:r>
-            <a:r>
-              <a:rPr kumimoji="1" lang="en-US" altLang="ja-JP" dirty="0" smtClean="0"/>
-              <a:t>X</a:t>
+              <a:t>ゲーム</a:t>
+            </a:r>
+            <a:r>
+              <a:rPr lang="ja-JP" altLang="en-US" dirty="0" smtClean="0"/>
+              <a:t>中</a:t>
             </a:r>
             <a:r>
               <a:rPr kumimoji="1" lang="ja-JP" altLang="en-US" dirty="0" smtClean="0"/>
-              <a:t>ボタン</a:t>
+              <a:t>の仕様</a:t>
             </a:r>
             <a:endParaRPr kumimoji="1" lang="en-US" altLang="ja-JP" dirty="0" smtClean="0"/>
           </a:p>
           <a:p>
             <a:r>
+              <a:rPr lang="en-US" altLang="ja-JP" dirty="0" smtClean="0"/>
+              <a:t>(</a:t>
+            </a:r>
+            <a:r>
               <a:rPr lang="ja-JP" altLang="en-US" dirty="0" smtClean="0"/>
-              <a:t>キーボード操作なら左クリック</a:t>
+              <a:t>ダッシュ</a:t>
+            </a:r>
+            <a:r>
+              <a:rPr lang="en-US" altLang="ja-JP" dirty="0" smtClean="0"/>
+              <a:t>)</a:t>
+            </a:r>
+            <a:endParaRPr kumimoji="1" lang="ja-JP" altLang="en-US" dirty="0"/>
+          </a:p>
+        </p:txBody>
+      </p:sp>
+      <p:sp>
+        <p:nvSpPr>
+          <p:cNvPr id="59" name="テキスト ボックス 58"/>
+          <p:cNvSpPr txBox="1"/>
+          <p:nvPr/>
+        </p:nvSpPr>
+        <p:spPr>
+          <a:xfrm>
+            <a:off x="324196" y="3105834"/>
+            <a:ext cx="3937296" cy="369332"/>
+          </a:xfrm>
+          <a:prstGeom prst="rect">
+            <a:avLst/>
+          </a:prstGeom>
+          <a:solidFill>
+            <a:schemeClr val="accent2">
+              <a:lumMod val="20000"/>
+              <a:lumOff val="80000"/>
+            </a:schemeClr>
+          </a:solidFill>
+          <a:ln>
+            <a:solidFill>
+              <a:schemeClr val="tx1"/>
+            </a:solidFill>
+          </a:ln>
+        </p:spPr>
+        <p:txBody>
+          <a:bodyPr wrap="none" rtlCol="0">
+            <a:spAutoFit/>
+          </a:bodyPr>
+          <a:lstStyle/>
+          <a:p>
+            <a:r>
+              <a:rPr lang="ja-JP" altLang="en-US" dirty="0" smtClean="0"/>
+              <a:t>押している間移動スピードが１</a:t>
+            </a:r>
+            <a:r>
+              <a:rPr lang="en-US" altLang="ja-JP" dirty="0" smtClean="0"/>
+              <a:t>.</a:t>
+            </a:r>
+            <a:r>
+              <a:rPr lang="ja-JP" altLang="en-US" dirty="0" smtClean="0"/>
+              <a:t>５倍</a:t>
             </a:r>
             <a:endParaRPr lang="en-US" altLang="ja-JP" dirty="0" smtClean="0"/>
-          </a:p>
-          <a:p>
-            <a:r>
-              <a:rPr kumimoji="1" lang="ja-JP" altLang="en-US" dirty="0" smtClean="0"/>
-              <a:t>のアイコンを表示させる</a:t>
-            </a:r>
-            <a:endParaRPr kumimoji="1" lang="en-US" altLang="ja-JP" dirty="0" smtClean="0"/>
-          </a:p>
-          <a:p>
-            <a:endParaRPr lang="en-US" altLang="ja-JP" dirty="0"/>
-          </a:p>
-          <a:p>
-            <a:r>
-              <a:rPr kumimoji="1" lang="ja-JP" altLang="en-US" dirty="0" smtClean="0"/>
-              <a:t>アイコンはビルボードで表示</a:t>
-            </a:r>
-            <a:endParaRPr kumimoji="1" lang="en-US" altLang="ja-JP" dirty="0" smtClean="0"/>
-          </a:p>
-          <a:p>
-            <a:r>
-              <a:rPr lang="ja-JP" altLang="en-US" dirty="0" smtClean="0"/>
-              <a:t>ゆっくり上下移動させる</a:t>
-            </a:r>
-            <a:endParaRPr kumimoji="1" lang="ja-JP" altLang="en-US" dirty="0"/>
           </a:p>
         </p:txBody>
       </p:sp>
     </p:spTree>
     <p:extLst>
       <p:ext uri="{BB962C8B-B14F-4D97-AF65-F5344CB8AC3E}">
-        <p14:creationId xmlns:p14="http://schemas.microsoft.com/office/powerpoint/2010/main" val="3739788944"/>
+        <p14:creationId xmlns:p14="http://schemas.microsoft.com/office/powerpoint/2010/main" val="4248660177"/>
+      </p:ext>
+    </p:extLst>
+  </p:cSld>
+  <p:clrMapOvr>
+    <a:masterClrMapping/>
+  </p:clrMapOvr>
+  <p:timing>
+    <p:tnLst>
+      <p:par>
+        <p:cTn id="1" dur="indefinite" restart="never" nodeType="tmRoot"/>
+      </p:par>
+    </p:tnLst>
+  </p:timing>
+</p:sld>
+</file>
+
+<file path=ppt/slides/slide14.xml><?xml version="1.0" encoding="utf-8"?>
+<p:sld xmlns:a="http://schemas.openxmlformats.org/drawingml/2006/main" xmlns:r="http://schemas.openxmlformats.org/officeDocument/2006/relationships" xmlns:p="http://schemas.openxmlformats.org/presentationml/2006/main">
+  <p:cSld>
+    <p:spTree>
+      <p:nvGrpSpPr>
+        <p:cNvPr id="1" name=""/>
+        <p:cNvGrpSpPr/>
+        <p:nvPr/>
+      </p:nvGrpSpPr>
+      <p:grpSpPr>
+        <a:xfrm>
+          <a:off x="0" y="0"/>
+          <a:ext cx="0" cy="0"/>
+          <a:chOff x="0" y="0"/>
+          <a:chExt cx="0" cy="0"/>
+        </a:xfrm>
+      </p:grpSpPr>
+      <p:sp>
+        <p:nvSpPr>
+          <p:cNvPr id="48" name="テキスト ボックス 47"/>
+          <p:cNvSpPr txBox="1"/>
+          <p:nvPr/>
+        </p:nvSpPr>
+        <p:spPr>
+          <a:xfrm>
+            <a:off x="324196" y="365760"/>
+            <a:ext cx="3134191" cy="369332"/>
+          </a:xfrm>
+          <a:prstGeom prst="rect">
+            <a:avLst/>
+          </a:prstGeom>
+          <a:noFill/>
+        </p:spPr>
+        <p:txBody>
+          <a:bodyPr wrap="none" rtlCol="0">
+            <a:spAutoFit/>
+          </a:bodyPr>
+          <a:lstStyle/>
+          <a:p>
+            <a:r>
+              <a:rPr kumimoji="1" lang="ja-JP" altLang="en-US" dirty="0" smtClean="0"/>
+              <a:t>ゲーム</a:t>
+            </a:r>
+            <a:r>
+              <a:rPr lang="ja-JP" altLang="en-US" dirty="0" smtClean="0"/>
+              <a:t>中</a:t>
+            </a:r>
+            <a:r>
+              <a:rPr kumimoji="1" lang="ja-JP" altLang="en-US" dirty="0" smtClean="0"/>
+              <a:t>の</a:t>
+            </a:r>
+            <a:r>
+              <a:rPr kumimoji="1" lang="ja-JP" altLang="en-US" dirty="0" smtClean="0"/>
+              <a:t>仕様</a:t>
+            </a:r>
+            <a:r>
+              <a:rPr lang="en-US" altLang="ja-JP" dirty="0" smtClean="0"/>
+              <a:t>(</a:t>
+            </a:r>
+            <a:r>
+              <a:rPr lang="ja-JP" altLang="en-US" dirty="0" smtClean="0"/>
+              <a:t>トイレの鍵</a:t>
+            </a:r>
+            <a:r>
+              <a:rPr lang="en-US" altLang="ja-JP" dirty="0" smtClean="0"/>
+              <a:t>)</a:t>
+            </a:r>
+            <a:endParaRPr kumimoji="1" lang="ja-JP" altLang="en-US" dirty="0"/>
+          </a:p>
+        </p:txBody>
+      </p:sp>
+      <p:sp>
+        <p:nvSpPr>
+          <p:cNvPr id="11" name="テキスト ボックス 10"/>
+          <p:cNvSpPr txBox="1"/>
+          <p:nvPr/>
+        </p:nvSpPr>
+        <p:spPr>
+          <a:xfrm>
+            <a:off x="324196" y="1215371"/>
+            <a:ext cx="2159566" cy="523220"/>
+          </a:xfrm>
+          <a:prstGeom prst="rect">
+            <a:avLst/>
+          </a:prstGeom>
+          <a:solidFill>
+            <a:schemeClr val="accent2">
+              <a:lumMod val="20000"/>
+              <a:lumOff val="80000"/>
+            </a:schemeClr>
+          </a:solidFill>
+          <a:ln>
+            <a:solidFill>
+              <a:schemeClr val="tx1"/>
+            </a:solidFill>
+          </a:ln>
+        </p:spPr>
+        <p:txBody>
+          <a:bodyPr wrap="none" rtlCol="0">
+            <a:spAutoFit/>
+          </a:bodyPr>
+          <a:lstStyle/>
+          <a:p>
+            <a:r>
+              <a:rPr lang="ja-JP" altLang="en-US" sz="1400" dirty="0" smtClean="0"/>
+              <a:t>鍵穴は</a:t>
+            </a:r>
+            <a:r>
+              <a:rPr lang="ja-JP" altLang="en-US" sz="1400" dirty="0"/>
+              <a:t>ビルボードで表示</a:t>
+            </a:r>
+            <a:endParaRPr lang="en-US" altLang="ja-JP" sz="1400" dirty="0"/>
+          </a:p>
+          <a:p>
+            <a:r>
+              <a:rPr lang="ja-JP" altLang="en-US" sz="1400" dirty="0"/>
+              <a:t>ゆっくり上下移動させる</a:t>
+            </a:r>
+            <a:endParaRPr lang="ja-JP" altLang="en-US" sz="1400" dirty="0"/>
+          </a:p>
+        </p:txBody>
+      </p:sp>
+      <p:sp>
+        <p:nvSpPr>
+          <p:cNvPr id="12" name="テキスト ボックス 11"/>
+          <p:cNvSpPr txBox="1"/>
+          <p:nvPr/>
+        </p:nvSpPr>
+        <p:spPr>
+          <a:xfrm>
+            <a:off x="6855938" y="1215371"/>
+            <a:ext cx="5211683" cy="3416320"/>
+          </a:xfrm>
+          <a:prstGeom prst="rect">
+            <a:avLst/>
+          </a:prstGeom>
+          <a:noFill/>
+        </p:spPr>
+        <p:txBody>
+          <a:bodyPr wrap="none" rtlCol="0">
+            <a:spAutoFit/>
+          </a:bodyPr>
+          <a:lstStyle/>
+          <a:p>
+            <a:r>
+              <a:rPr lang="ja-JP" altLang="en-US" dirty="0" smtClean="0"/>
+              <a:t>トイレは鍵がかかっており、</a:t>
+            </a:r>
+            <a:endParaRPr lang="en-US" altLang="ja-JP" dirty="0" smtClean="0"/>
+          </a:p>
+          <a:p>
+            <a:r>
+              <a:rPr kumimoji="1" lang="ja-JP" altLang="en-US" dirty="0" smtClean="0"/>
+              <a:t>道中で鍵を拾わないとゴールできない</a:t>
+            </a:r>
+            <a:endParaRPr kumimoji="1" lang="en-US" altLang="ja-JP" dirty="0" smtClean="0"/>
+          </a:p>
+          <a:p>
+            <a:endParaRPr lang="en-US" altLang="ja-JP" dirty="0"/>
+          </a:p>
+          <a:p>
+            <a:r>
+              <a:rPr kumimoji="1" lang="ja-JP" altLang="en-US" dirty="0" smtClean="0"/>
+              <a:t>鍵はお金と同じように落ちており、</a:t>
+            </a:r>
+            <a:endParaRPr kumimoji="1" lang="en-US" altLang="ja-JP" dirty="0" smtClean="0"/>
+          </a:p>
+          <a:p>
+            <a:r>
+              <a:rPr lang="ja-JP" altLang="en-US" dirty="0" smtClean="0"/>
+              <a:t>所持していれば鍵穴の前で使用できる</a:t>
+            </a:r>
+            <a:endParaRPr lang="en-US" altLang="ja-JP" dirty="0" smtClean="0"/>
+          </a:p>
+          <a:p>
+            <a:endParaRPr kumimoji="1" lang="en-US" altLang="ja-JP" dirty="0"/>
+          </a:p>
+          <a:p>
+            <a:r>
+              <a:rPr lang="ja-JP" altLang="en-US" dirty="0" smtClean="0"/>
+              <a:t>鍵穴の前でパンチボタンを押せば、</a:t>
+            </a:r>
+            <a:endParaRPr lang="en-US" altLang="ja-JP" dirty="0" smtClean="0"/>
+          </a:p>
+          <a:p>
+            <a:r>
+              <a:rPr lang="ja-JP" altLang="en-US" dirty="0"/>
+              <a:t>アクションが手を伸ばすアクションに変わり</a:t>
+            </a:r>
+            <a:endParaRPr lang="en-US" altLang="ja-JP" dirty="0"/>
+          </a:p>
+          <a:p>
+            <a:r>
+              <a:rPr lang="ja-JP" altLang="en-US" dirty="0" smtClean="0"/>
+              <a:t>鍵穴のロックが解除</a:t>
+            </a:r>
+            <a:r>
+              <a:rPr lang="en-US" altLang="ja-JP" dirty="0" smtClean="0"/>
+              <a:t>(</a:t>
+            </a:r>
+            <a:r>
+              <a:rPr lang="ja-JP" altLang="en-US" dirty="0" smtClean="0"/>
+              <a:t>赤いマークが青くなる</a:t>
+            </a:r>
+            <a:r>
+              <a:rPr lang="en-US" altLang="ja-JP" dirty="0" smtClean="0"/>
+              <a:t>)</a:t>
+            </a:r>
+            <a:r>
+              <a:rPr lang="ja-JP" altLang="en-US" dirty="0" smtClean="0"/>
+              <a:t>され</a:t>
+            </a:r>
+            <a:endParaRPr lang="en-US" altLang="ja-JP" dirty="0" smtClean="0"/>
+          </a:p>
+          <a:p>
+            <a:r>
+              <a:rPr kumimoji="1" lang="ja-JP" altLang="en-US" dirty="0" smtClean="0"/>
+              <a:t>ゴールできる</a:t>
+            </a:r>
+            <a:endParaRPr kumimoji="1" lang="en-US" altLang="ja-JP" dirty="0" smtClean="0"/>
+          </a:p>
+          <a:p>
+            <a:endParaRPr lang="en-US" altLang="ja-JP" dirty="0"/>
+          </a:p>
+          <a:p>
+            <a:endParaRPr kumimoji="1" lang="en-US" altLang="ja-JP" dirty="0" smtClean="0"/>
+          </a:p>
+        </p:txBody>
+      </p:sp>
+      <p:pic>
+        <p:nvPicPr>
+          <p:cNvPr id="4" name="図 3"/>
+          <p:cNvPicPr>
+            <a:picLocks noChangeAspect="1"/>
+          </p:cNvPicPr>
+          <p:nvPr/>
+        </p:nvPicPr>
+        <p:blipFill>
+          <a:blip r:embed="rId2"/>
+          <a:stretch>
+            <a:fillRect/>
+          </a:stretch>
+        </p:blipFill>
+        <p:spPr>
+          <a:xfrm>
+            <a:off x="324196" y="2009796"/>
+            <a:ext cx="6269299" cy="3526480"/>
+          </a:xfrm>
+          <a:prstGeom prst="rect">
+            <a:avLst/>
+          </a:prstGeom>
+          <a:ln>
+            <a:solidFill>
+              <a:schemeClr val="tx1"/>
+            </a:solidFill>
+          </a:ln>
+        </p:spPr>
+      </p:pic>
+    </p:spTree>
+    <p:extLst>
+      <p:ext uri="{BB962C8B-B14F-4D97-AF65-F5344CB8AC3E}">
+        <p14:creationId xmlns:p14="http://schemas.microsoft.com/office/powerpoint/2010/main" val="1372415292"/>
+      </p:ext>
+    </p:extLst>
+  </p:cSld>
+  <p:clrMapOvr>
+    <a:masterClrMapping/>
+  </p:clrMapOvr>
+  <p:timing>
+    <p:tnLst>
+      <p:par>
+        <p:cTn id="1" dur="indefinite" restart="never" nodeType="tmRoot"/>
+      </p:par>
+    </p:tnLst>
+  </p:timing>
+</p:sld>
+</file>
+
+<file path=ppt/slides/slide15.xml><?xml version="1.0" encoding="utf-8"?>
+<p:sld xmlns:a="http://schemas.openxmlformats.org/drawingml/2006/main" xmlns:r="http://schemas.openxmlformats.org/officeDocument/2006/relationships" xmlns:p="http://schemas.openxmlformats.org/presentationml/2006/main">
+  <p:cSld>
+    <p:spTree>
+      <p:nvGrpSpPr>
+        <p:cNvPr id="1" name=""/>
+        <p:cNvGrpSpPr/>
+        <p:nvPr/>
+      </p:nvGrpSpPr>
+      <p:grpSpPr>
+        <a:xfrm>
+          <a:off x="0" y="0"/>
+          <a:ext cx="0" cy="0"/>
+          <a:chOff x="0" y="0"/>
+          <a:chExt cx="0" cy="0"/>
+        </a:xfrm>
+      </p:grpSpPr>
+      <p:pic>
+        <p:nvPicPr>
+          <p:cNvPr id="2" name="図 1"/>
+          <p:cNvPicPr>
+            <a:picLocks noChangeAspect="1"/>
+          </p:cNvPicPr>
+          <p:nvPr/>
+        </p:nvPicPr>
+        <p:blipFill rotWithShape="1">
+          <a:blip r:embed="rId8">
+            <a:clrChange>
+              <a:clrFrom>
+                <a:srgbClr val="FFFFFF"/>
+              </a:clrFrom>
+              <a:clrTo>
+                <a:srgbClr val="FFFFFF">
+                  <a:alpha val="0"/>
+                </a:srgbClr>
+              </a:clrTo>
+            </a:clrChange>
+          </a:blip>
+          <a:srcRect l="16568" t="18909"/>
+          <a:stretch/>
+        </p:blipFill>
+        <p:spPr>
+          <a:xfrm>
+            <a:off x="2019992" y="1296784"/>
+            <a:ext cx="10172007" cy="5561215"/>
+          </a:xfrm>
+          <a:prstGeom prst="rect">
+            <a:avLst/>
+          </a:prstGeom>
+        </p:spPr>
+      </p:pic>
+      <p:pic>
+        <p:nvPicPr>
+          <p:cNvPr id="3" name="図 2"/>
+          <p:cNvPicPr>
+            <a:picLocks noChangeAspect="1"/>
+          </p:cNvPicPr>
+          <p:nvPr/>
+        </p:nvPicPr>
+        <p:blipFill rotWithShape="1">
+          <a:blip r:embed="rId9">
+            <a:clrChange>
+              <a:clrFrom>
+                <a:srgbClr val="FFFFFF"/>
+              </a:clrFrom>
+              <a:clrTo>
+                <a:srgbClr val="FFFFFF">
+                  <a:alpha val="0"/>
+                </a:srgbClr>
+              </a:clrTo>
+            </a:clrChange>
+          </a:blip>
+          <a:srcRect l="35114" t="9455" r="44295" b="47394"/>
+          <a:stretch/>
+        </p:blipFill>
+        <p:spPr>
+          <a:xfrm>
+            <a:off x="4545289" y="534228"/>
+            <a:ext cx="3101422" cy="3655981"/>
+          </a:xfrm>
+          <a:prstGeom prst="rect">
+            <a:avLst/>
+          </a:prstGeom>
+        </p:spPr>
+      </p:pic>
+      <p:pic>
+        <p:nvPicPr>
+          <p:cNvPr id="4" name="Drumroll">
+            <a:hlinkClick r:id="" action="ppaction://media"/>
+          </p:cNvPr>
+          <p:cNvPicPr>
+            <a:picLocks noChangeAspect="1"/>
+          </p:cNvPicPr>
+          <p:nvPr>
+            <a:audioFile r:link="rId1"/>
+            <p:extLst>
+              <p:ext uri="{DAA4B4D4-6D71-4841-9C94-3DE7FCFB9230}">
+                <p14:media xmlns:p14="http://schemas.microsoft.com/office/powerpoint/2010/main" r:embed="rId2">
+                  <p14:trim end="3071.8367"/>
+                </p14:media>
+              </p:ext>
+            </p:extLst>
+          </p:nvPr>
+        </p:nvPicPr>
+        <p:blipFill>
+          <a:blip r:embed="rId10"/>
+          <a:stretch>
+            <a:fillRect/>
+          </a:stretch>
+        </p:blipFill>
+        <p:spPr>
+          <a:xfrm>
+            <a:off x="12344400" y="3135286"/>
+            <a:ext cx="609600" cy="609600"/>
+          </a:xfrm>
+          <a:prstGeom prst="rect">
+            <a:avLst/>
+          </a:prstGeom>
+        </p:spPr>
+      </p:pic>
+      <p:pic>
+        <p:nvPicPr>
+          <p:cNvPr id="5" name="Cheers">
+            <a:hlinkClick r:id="" action="ppaction://media"/>
+          </p:cNvPr>
+          <p:cNvPicPr>
+            <a:picLocks noChangeAspect="1"/>
+          </p:cNvPicPr>
+          <p:nvPr>
+            <a:audioFile r:link="rId4"/>
+            <p:extLst>
+              <p:ext uri="{DAA4B4D4-6D71-4841-9C94-3DE7FCFB9230}">
+                <p14:media xmlns:p14="http://schemas.microsoft.com/office/powerpoint/2010/main" r:embed="rId3"/>
+              </p:ext>
+            </p:extLst>
+          </p:nvPr>
+        </p:nvPicPr>
+        <p:blipFill>
+          <a:blip r:embed="rId10"/>
+          <a:stretch>
+            <a:fillRect/>
+          </a:stretch>
+        </p:blipFill>
+        <p:spPr>
+          <a:xfrm>
+            <a:off x="13125393" y="3124200"/>
+            <a:ext cx="609600" cy="609600"/>
+          </a:xfrm>
+          <a:prstGeom prst="rect">
+            <a:avLst/>
+          </a:prstGeom>
+        </p:spPr>
+      </p:pic>
+      <p:sp>
+        <p:nvSpPr>
+          <p:cNvPr id="6" name="テキスト ボックス 5"/>
+          <p:cNvSpPr txBox="1"/>
+          <p:nvPr/>
+        </p:nvSpPr>
+        <p:spPr>
+          <a:xfrm>
+            <a:off x="495300" y="767899"/>
+            <a:ext cx="2954655" cy="461665"/>
+          </a:xfrm>
+          <a:prstGeom prst="rect">
+            <a:avLst/>
+          </a:prstGeom>
+          <a:noFill/>
+        </p:spPr>
+        <p:txBody>
+          <a:bodyPr wrap="none" rtlCol="0">
+            <a:spAutoFit/>
+          </a:bodyPr>
+          <a:lstStyle/>
+          <a:p>
+            <a:r>
+              <a:rPr kumimoji="1" lang="ja-JP" altLang="en-US" sz="2400" dirty="0" smtClean="0">
+                <a:latin typeface="05棘ゴシックやや太" panose="02000600000000000000" pitchFamily="50" charset="-128"/>
+                <a:ea typeface="05棘ゴシックやや太" panose="02000600000000000000" pitchFamily="50" charset="-128"/>
+              </a:rPr>
+              <a:t>膀胱ゲージ：〇〇％</a:t>
+            </a:r>
+            <a:endParaRPr kumimoji="1" lang="ja-JP" altLang="en-US" sz="2400" dirty="0">
+              <a:latin typeface="05棘ゴシックやや太" panose="02000600000000000000" pitchFamily="50" charset="-128"/>
+              <a:ea typeface="05棘ゴシックやや太" panose="02000600000000000000" pitchFamily="50" charset="-128"/>
+            </a:endParaRPr>
+          </a:p>
+        </p:txBody>
+      </p:sp>
+      <p:sp>
+        <p:nvSpPr>
+          <p:cNvPr id="7" name="テキスト ボックス 6"/>
+          <p:cNvSpPr txBox="1"/>
+          <p:nvPr/>
+        </p:nvSpPr>
+        <p:spPr>
+          <a:xfrm>
+            <a:off x="495300" y="1497648"/>
+            <a:ext cx="2954655" cy="461665"/>
+          </a:xfrm>
+          <a:prstGeom prst="rect">
+            <a:avLst/>
+          </a:prstGeom>
+          <a:noFill/>
+        </p:spPr>
+        <p:txBody>
+          <a:bodyPr wrap="none" rtlCol="0">
+            <a:spAutoFit/>
+          </a:bodyPr>
+          <a:lstStyle/>
+          <a:p>
+            <a:r>
+              <a:rPr kumimoji="1" lang="ja-JP" altLang="en-US" sz="2400" dirty="0" smtClean="0">
+                <a:latin typeface="05棘ゴシックやや太" panose="02000600000000000000" pitchFamily="50" charset="-128"/>
+                <a:ea typeface="05棘ゴシックやや太" panose="02000600000000000000" pitchFamily="50" charset="-128"/>
+              </a:rPr>
+              <a:t>所持金：〇〇〇〇円</a:t>
+            </a:r>
+            <a:endParaRPr kumimoji="1" lang="ja-JP" altLang="en-US" sz="2400" dirty="0">
+              <a:latin typeface="05棘ゴシックやや太" panose="02000600000000000000" pitchFamily="50" charset="-128"/>
+              <a:ea typeface="05棘ゴシックやや太" panose="02000600000000000000" pitchFamily="50" charset="-128"/>
+            </a:endParaRPr>
+          </a:p>
+        </p:txBody>
+      </p:sp>
+      <p:pic>
+        <p:nvPicPr>
+          <p:cNvPr id="8" name="hyoushigi">
+            <a:hlinkClick r:id="" action="ppaction://media"/>
+          </p:cNvPr>
+          <p:cNvPicPr>
+            <a:picLocks noChangeAspect="1"/>
+          </p:cNvPicPr>
+          <p:nvPr>
+            <a:audioFile r:link="rId6"/>
+            <p:extLst>
+              <p:ext uri="{DAA4B4D4-6D71-4841-9C94-3DE7FCFB9230}">
+                <p14:media xmlns:p14="http://schemas.microsoft.com/office/powerpoint/2010/main" r:embed="rId5"/>
+              </p:ext>
+            </p:extLst>
+          </p:nvPr>
+        </p:nvPicPr>
+        <p:blipFill>
+          <a:blip r:embed="rId10"/>
+          <a:stretch>
+            <a:fillRect/>
+          </a:stretch>
+        </p:blipFill>
+        <p:spPr>
+          <a:xfrm>
+            <a:off x="13921304" y="3159895"/>
+            <a:ext cx="609600" cy="609600"/>
+          </a:xfrm>
+          <a:prstGeom prst="rect">
+            <a:avLst/>
+          </a:prstGeom>
+        </p:spPr>
+      </p:pic>
+      <p:pic>
+        <p:nvPicPr>
+          <p:cNvPr id="9" name="hyoushigi">
+            <a:hlinkClick r:id="" action="ppaction://media"/>
+          </p:cNvPr>
+          <p:cNvPicPr>
+            <a:picLocks noChangeAspect="1"/>
+          </p:cNvPicPr>
+          <p:nvPr>
+            <a:audioFile r:link="rId6"/>
+            <p:extLst>
+              <p:ext uri="{DAA4B4D4-6D71-4841-9C94-3DE7FCFB9230}">
+                <p14:media xmlns:p14="http://schemas.microsoft.com/office/powerpoint/2010/main" r:embed="rId5"/>
+              </p:ext>
+            </p:extLst>
+          </p:nvPr>
+        </p:nvPicPr>
+        <p:blipFill>
+          <a:blip r:embed="rId10"/>
+          <a:stretch>
+            <a:fillRect/>
+          </a:stretch>
+        </p:blipFill>
+        <p:spPr>
+          <a:xfrm>
+            <a:off x="14581567" y="3168768"/>
+            <a:ext cx="609600" cy="609600"/>
+          </a:xfrm>
+          <a:prstGeom prst="rect">
+            <a:avLst/>
+          </a:prstGeom>
+        </p:spPr>
+      </p:pic>
+      <p:sp>
+        <p:nvSpPr>
+          <p:cNvPr id="10" name="テキスト ボックス 9"/>
+          <p:cNvSpPr txBox="1"/>
+          <p:nvPr/>
+        </p:nvSpPr>
+        <p:spPr>
+          <a:xfrm>
+            <a:off x="324196" y="365760"/>
+            <a:ext cx="2262158" cy="369332"/>
+          </a:xfrm>
+          <a:prstGeom prst="rect">
+            <a:avLst/>
+          </a:prstGeom>
+          <a:noFill/>
+        </p:spPr>
+        <p:txBody>
+          <a:bodyPr wrap="none" rtlCol="0">
+            <a:spAutoFit/>
+          </a:bodyPr>
+          <a:lstStyle/>
+          <a:p>
+            <a:r>
+              <a:rPr kumimoji="1" lang="ja-JP" altLang="en-US" dirty="0" smtClean="0"/>
+              <a:t>リザルト画面の仕様</a:t>
+            </a:r>
+            <a:endParaRPr kumimoji="1" lang="en-US" altLang="ja-JP" dirty="0" smtClean="0"/>
+          </a:p>
+        </p:txBody>
+      </p:sp>
+    </p:spTree>
+    <p:extLst>
+      <p:ext uri="{BB962C8B-B14F-4D97-AF65-F5344CB8AC3E}">
+        <p14:creationId xmlns:p14="http://schemas.microsoft.com/office/powerpoint/2010/main" val="196575834"/>
+      </p:ext>
+    </p:extLst>
+  </p:cSld>
+  <p:clrMapOvr>
+    <a:masterClrMapping/>
+  </p:clrMapOvr>
+  <p:timing>
+    <p:tnLst>
+      <p:par>
+        <p:cTn id="1" dur="indefinite" restart="never" nodeType="tmRoot">
+          <p:childTnLst>
+            <p:seq concurrent="1" nextAc="seek">
+              <p:cTn id="2" dur="indefinite" nodeType="mainSeq">
+                <p:childTnLst>
+                  <p:par>
+                    <p:cTn id="3" fill="hold">
+                      <p:stCondLst>
+                        <p:cond delay="indefinite"/>
+                      </p:stCondLst>
+                      <p:childTnLst>
+                        <p:par>
+                          <p:cTn id="4" fill="hold">
+                            <p:stCondLst>
+                              <p:cond delay="0"/>
+                            </p:stCondLst>
+                            <p:childTnLst>
+                              <p:par>
+                                <p:cTn id="5" presetID="1" presetClass="entr" presetSubtype="0" fill="hold" grpId="0" nodeType="clickEffect">
+                                  <p:stCondLst>
+                                    <p:cond delay="0"/>
+                                  </p:stCondLst>
+                                  <p:childTnLst>
+                                    <p:set>
+                                      <p:cBhvr>
+                                        <p:cTn id="6" dur="1" fill="hold">
+                                          <p:stCondLst>
+                                            <p:cond delay="0"/>
+                                          </p:stCondLst>
+                                        </p:cTn>
+                                        <p:tgtEl>
+                                          <p:spTgt spid="6"/>
+                                        </p:tgtEl>
+                                        <p:attrNameLst>
+                                          <p:attrName>style.visibility</p:attrName>
+                                        </p:attrNameLst>
+                                      </p:cBhvr>
+                                      <p:to>
+                                        <p:strVal val="visible"/>
+                                      </p:to>
+                                    </p:set>
+                                  </p:childTnLst>
+                                </p:cTn>
+                              </p:par>
+                              <p:par>
+                                <p:cTn id="7" presetID="1" presetClass="mediacall" presetSubtype="0" fill="hold" nodeType="withEffect">
+                                  <p:stCondLst>
+                                    <p:cond delay="0"/>
+                                  </p:stCondLst>
+                                  <p:childTnLst>
+                                    <p:cmd type="call" cmd="playFrom(0.0)">
+                                      <p:cBhvr>
+                                        <p:cTn id="8" dur="688" fill="hold"/>
+                                        <p:tgtEl>
+                                          <p:spTgt spid="8"/>
+                                        </p:tgtEl>
+                                      </p:cBhvr>
+                                    </p:cmd>
+                                  </p:childTnLst>
+                                </p:cTn>
+                              </p:par>
+                            </p:childTnLst>
+                          </p:cTn>
+                        </p:par>
+                        <p:par>
+                          <p:cTn id="9" fill="hold">
+                            <p:stCondLst>
+                              <p:cond delay="688"/>
+                            </p:stCondLst>
+                            <p:childTnLst>
+                              <p:par>
+                                <p:cTn id="10" presetID="1" presetClass="entr" presetSubtype="0" fill="hold" grpId="0" nodeType="afterEffect">
+                                  <p:stCondLst>
+                                    <p:cond delay="750"/>
+                                  </p:stCondLst>
+                                  <p:childTnLst>
+                                    <p:set>
+                                      <p:cBhvr>
+                                        <p:cTn id="11" dur="1" fill="hold">
+                                          <p:stCondLst>
+                                            <p:cond delay="0"/>
+                                          </p:stCondLst>
+                                        </p:cTn>
+                                        <p:tgtEl>
+                                          <p:spTgt spid="7"/>
+                                        </p:tgtEl>
+                                        <p:attrNameLst>
+                                          <p:attrName>style.visibility</p:attrName>
+                                        </p:attrNameLst>
+                                      </p:cBhvr>
+                                      <p:to>
+                                        <p:strVal val="visible"/>
+                                      </p:to>
+                                    </p:set>
+                                  </p:childTnLst>
+                                </p:cTn>
+                              </p:par>
+                              <p:par>
+                                <p:cTn id="12" presetID="1" presetClass="mediacall" presetSubtype="0" fill="hold" nodeType="withEffect">
+                                  <p:stCondLst>
+                                    <p:cond delay="750"/>
+                                  </p:stCondLst>
+                                  <p:childTnLst>
+                                    <p:cmd type="call" cmd="playFrom(0.0)">
+                                      <p:cBhvr>
+                                        <p:cTn id="13" dur="688" fill="hold"/>
+                                        <p:tgtEl>
+                                          <p:spTgt spid="9"/>
+                                        </p:tgtEl>
+                                      </p:cBhvr>
+                                    </p:cmd>
+                                  </p:childTnLst>
+                                </p:cTn>
+                              </p:par>
+                            </p:childTnLst>
+                          </p:cTn>
+                        </p:par>
+                        <p:par>
+                          <p:cTn id="14" fill="hold">
+                            <p:stCondLst>
+                              <p:cond delay="2126"/>
+                            </p:stCondLst>
+                            <p:childTnLst>
+                              <p:par>
+                                <p:cTn id="15" presetID="1" presetClass="mediacall" presetSubtype="0" fill="hold" nodeType="afterEffect">
+                                  <p:stCondLst>
+                                    <p:cond delay="500"/>
+                                  </p:stCondLst>
+                                  <p:childTnLst>
+                                    <p:cmd type="call" cmd="playFrom(0.0)">
+                                      <p:cBhvr>
+                                        <p:cTn id="16" dur="5000" fill="hold"/>
+                                        <p:tgtEl>
+                                          <p:spTgt spid="4"/>
+                                        </p:tgtEl>
+                                      </p:cBhvr>
+                                    </p:cmd>
+                                  </p:childTnLst>
+                                </p:cTn>
+                              </p:par>
+                              <p:par>
+                                <p:cTn id="17" presetID="10" presetClass="entr" presetSubtype="0" fill="hold" nodeType="withEffect">
+                                  <p:stCondLst>
+                                    <p:cond delay="500"/>
+                                  </p:stCondLst>
+                                  <p:childTnLst>
+                                    <p:set>
+                                      <p:cBhvr>
+                                        <p:cTn id="18" dur="1" fill="hold">
+                                          <p:stCondLst>
+                                            <p:cond delay="0"/>
+                                          </p:stCondLst>
+                                        </p:cTn>
+                                        <p:tgtEl>
+                                          <p:spTgt spid="2"/>
+                                        </p:tgtEl>
+                                        <p:attrNameLst>
+                                          <p:attrName>style.visibility</p:attrName>
+                                        </p:attrNameLst>
+                                      </p:cBhvr>
+                                      <p:to>
+                                        <p:strVal val="visible"/>
+                                      </p:to>
+                                    </p:set>
+                                    <p:animEffect transition="in" filter="fade">
+                                      <p:cBhvr>
+                                        <p:cTn id="19" dur="2000"/>
+                                        <p:tgtEl>
+                                          <p:spTgt spid="2"/>
+                                        </p:tgtEl>
+                                      </p:cBhvr>
+                                    </p:animEffect>
+                                  </p:childTnLst>
+                                </p:cTn>
+                              </p:par>
+                              <p:par>
+                                <p:cTn id="20" presetID="53" presetClass="entr" presetSubtype="16" fill="hold" nodeType="withEffect">
+                                  <p:stCondLst>
+                                    <p:cond delay="3250"/>
+                                  </p:stCondLst>
+                                  <p:childTnLst>
+                                    <p:set>
+                                      <p:cBhvr>
+                                        <p:cTn id="21" dur="1" fill="hold">
+                                          <p:stCondLst>
+                                            <p:cond delay="0"/>
+                                          </p:stCondLst>
+                                        </p:cTn>
+                                        <p:tgtEl>
+                                          <p:spTgt spid="3"/>
+                                        </p:tgtEl>
+                                        <p:attrNameLst>
+                                          <p:attrName>style.visibility</p:attrName>
+                                        </p:attrNameLst>
+                                      </p:cBhvr>
+                                      <p:to>
+                                        <p:strVal val="visible"/>
+                                      </p:to>
+                                    </p:set>
+                                    <p:anim calcmode="lin" valueType="num">
+                                      <p:cBhvr>
+                                        <p:cTn id="22" dur="250" fill="hold"/>
+                                        <p:tgtEl>
+                                          <p:spTgt spid="3"/>
+                                        </p:tgtEl>
+                                        <p:attrNameLst>
+                                          <p:attrName>ppt_w</p:attrName>
+                                        </p:attrNameLst>
+                                      </p:cBhvr>
+                                      <p:tavLst>
+                                        <p:tav tm="0">
+                                          <p:val>
+                                            <p:fltVal val="0"/>
+                                          </p:val>
+                                        </p:tav>
+                                        <p:tav tm="100000">
+                                          <p:val>
+                                            <p:strVal val="#ppt_w"/>
+                                          </p:val>
+                                        </p:tav>
+                                      </p:tavLst>
+                                    </p:anim>
+                                    <p:anim calcmode="lin" valueType="num">
+                                      <p:cBhvr>
+                                        <p:cTn id="23" dur="250" fill="hold"/>
+                                        <p:tgtEl>
+                                          <p:spTgt spid="3"/>
+                                        </p:tgtEl>
+                                        <p:attrNameLst>
+                                          <p:attrName>ppt_h</p:attrName>
+                                        </p:attrNameLst>
+                                      </p:cBhvr>
+                                      <p:tavLst>
+                                        <p:tav tm="0">
+                                          <p:val>
+                                            <p:fltVal val="0"/>
+                                          </p:val>
+                                        </p:tav>
+                                        <p:tav tm="100000">
+                                          <p:val>
+                                            <p:strVal val="#ppt_h"/>
+                                          </p:val>
+                                        </p:tav>
+                                      </p:tavLst>
+                                    </p:anim>
+                                    <p:animEffect transition="in" filter="fade">
+                                      <p:cBhvr>
+                                        <p:cTn id="24" dur="250"/>
+                                        <p:tgtEl>
+                                          <p:spTgt spid="3"/>
+                                        </p:tgtEl>
+                                      </p:cBhvr>
+                                    </p:animEffect>
+                                  </p:childTnLst>
+                                </p:cTn>
+                              </p:par>
+                              <p:par>
+                                <p:cTn id="25" presetID="1" presetClass="mediacall" presetSubtype="0" fill="hold" nodeType="withEffect">
+                                  <p:stCondLst>
+                                    <p:cond delay="3750"/>
+                                  </p:stCondLst>
+                                  <p:childTnLst>
+                                    <p:cmd type="call" cmd="playFrom(0.0)">
+                                      <p:cBhvr>
+                                        <p:cTn id="26" dur="4053" fill="hold"/>
+                                        <p:tgtEl>
+                                          <p:spTgt spid="5"/>
+                                        </p:tgtEl>
+                                      </p:cBhvr>
+                                    </p:cmd>
+                                  </p:childTnLst>
+                                </p:cTn>
+                              </p:par>
+                            </p:childTnLst>
+                          </p:cTn>
+                        </p:par>
+                      </p:childTnLst>
+                    </p:cTn>
+                  </p:par>
+                </p:childTnLst>
+              </p:cTn>
+              <p:prevCondLst>
+                <p:cond evt="onPrev" delay="0">
+                  <p:tgtEl>
+                    <p:sldTgt/>
+                  </p:tgtEl>
+                </p:cond>
+              </p:prevCondLst>
+              <p:nextCondLst>
+                <p:cond evt="onNext" delay="0">
+                  <p:tgtEl>
+                    <p:sldTgt/>
+                  </p:tgtEl>
+                </p:cond>
+              </p:nextCondLst>
+            </p:seq>
+            <p:audio>
+              <p:cMediaNode vol="45455">
+                <p:cTn id="27" fill="hold" display="0">
+                  <p:stCondLst>
+                    <p:cond delay="indefinite"/>
+                  </p:stCondLst>
+                  <p:endCondLst>
+                    <p:cond evt="onStopAudio" delay="0">
+                      <p:tgtEl>
+                        <p:sldTgt/>
+                      </p:tgtEl>
+                    </p:cond>
+                  </p:endCondLst>
+                </p:cTn>
+                <p:tgtEl>
+                  <p:spTgt spid="4"/>
+                </p:tgtEl>
+              </p:cMediaNode>
+            </p:audio>
+            <p:audio>
+              <p:cMediaNode vol="57576">
+                <p:cTn id="28" fill="hold" display="0">
+                  <p:stCondLst>
+                    <p:cond delay="indefinite"/>
+                  </p:stCondLst>
+                  <p:endCondLst>
+                    <p:cond evt="onStopAudio" delay="0">
+                      <p:tgtEl>
+                        <p:sldTgt/>
+                      </p:tgtEl>
+                    </p:cond>
+                  </p:endCondLst>
+                </p:cTn>
+                <p:tgtEl>
+                  <p:spTgt spid="5"/>
+                </p:tgtEl>
+              </p:cMediaNode>
+            </p:audio>
+            <p:audio>
+              <p:cMediaNode vol="51515">
+                <p:cTn id="29" fill="hold" display="0">
+                  <p:stCondLst>
+                    <p:cond delay="indefinite"/>
+                  </p:stCondLst>
+                  <p:endCondLst>
+                    <p:cond evt="onStopAudio" delay="0">
+                      <p:tgtEl>
+                        <p:sldTgt/>
+                      </p:tgtEl>
+                    </p:cond>
+                  </p:endCondLst>
+                </p:cTn>
+                <p:tgtEl>
+                  <p:spTgt spid="8"/>
+                </p:tgtEl>
+              </p:cMediaNode>
+            </p:audio>
+            <p:audio>
+              <p:cMediaNode vol="51515">
+                <p:cTn id="30" fill="hold" display="0">
+                  <p:stCondLst>
+                    <p:cond delay="indefinite"/>
+                  </p:stCondLst>
+                  <p:endCondLst>
+                    <p:cond evt="onStopAudio" delay="0">
+                      <p:tgtEl>
+                        <p:sldTgt/>
+                      </p:tgtEl>
+                    </p:cond>
+                  </p:endCondLst>
+                </p:cTn>
+                <p:tgtEl>
+                  <p:spTgt spid="9"/>
+                </p:tgtEl>
+              </p:cMediaNode>
+            </p:audio>
+          </p:childTnLst>
+        </p:cTn>
+      </p:par>
+    </p:tnLst>
+    <p:bldLst>
+      <p:bldP spid="6" grpId="0"/>
+      <p:bldP spid="7" grpId="0"/>
+    </p:bldLst>
+  </p:timing>
+</p:sld>
+</file>
+
+<file path=ppt/slides/slide16.xml><?xml version="1.0" encoding="utf-8"?>
+<p:sld xmlns:a="http://schemas.openxmlformats.org/drawingml/2006/main" xmlns:r="http://schemas.openxmlformats.org/officeDocument/2006/relationships" xmlns:p="http://schemas.openxmlformats.org/presentationml/2006/main">
+  <p:cSld>
+    <p:spTree>
+      <p:nvGrpSpPr>
+        <p:cNvPr id="1" name=""/>
+        <p:cNvGrpSpPr/>
+        <p:nvPr/>
+      </p:nvGrpSpPr>
+      <p:grpSpPr>
+        <a:xfrm>
+          <a:off x="0" y="0"/>
+          <a:ext cx="0" cy="0"/>
+          <a:chOff x="0" y="0"/>
+          <a:chExt cx="0" cy="0"/>
+        </a:xfrm>
+      </p:grpSpPr>
+      <p:pic>
+        <p:nvPicPr>
+          <p:cNvPr id="2" name="図 1"/>
+          <p:cNvPicPr>
+            <a:picLocks noChangeAspect="1"/>
+          </p:cNvPicPr>
+          <p:nvPr/>
+        </p:nvPicPr>
+        <p:blipFill rotWithShape="1">
+          <a:blip r:embed="rId2">
+            <a:clrChange>
+              <a:clrFrom>
+                <a:srgbClr val="FFFFFF"/>
+              </a:clrFrom>
+              <a:clrTo>
+                <a:srgbClr val="FFFFFF">
+                  <a:alpha val="0"/>
+                </a:srgbClr>
+              </a:clrTo>
+            </a:clrChange>
+          </a:blip>
+          <a:srcRect l="16568" t="18909"/>
+          <a:stretch/>
+        </p:blipFill>
+        <p:spPr>
+          <a:xfrm>
+            <a:off x="2019992" y="1296784"/>
+            <a:ext cx="10172007" cy="5561215"/>
+          </a:xfrm>
+          <a:prstGeom prst="rect">
+            <a:avLst/>
+          </a:prstGeom>
+        </p:spPr>
+      </p:pic>
+      <p:pic>
+        <p:nvPicPr>
+          <p:cNvPr id="3" name="図 2"/>
+          <p:cNvPicPr>
+            <a:picLocks noChangeAspect="1"/>
+          </p:cNvPicPr>
+          <p:nvPr/>
+        </p:nvPicPr>
+        <p:blipFill rotWithShape="1">
+          <a:blip r:embed="rId3">
+            <a:clrChange>
+              <a:clrFrom>
+                <a:srgbClr val="FFFFFF"/>
+              </a:clrFrom>
+              <a:clrTo>
+                <a:srgbClr val="FFFFFF">
+                  <a:alpha val="0"/>
+                </a:srgbClr>
+              </a:clrTo>
+            </a:clrChange>
+          </a:blip>
+          <a:srcRect l="35114" t="9455" r="44295" b="47394"/>
+          <a:stretch/>
+        </p:blipFill>
+        <p:spPr>
+          <a:xfrm>
+            <a:off x="4545289" y="534228"/>
+            <a:ext cx="3101422" cy="3655981"/>
+          </a:xfrm>
+          <a:prstGeom prst="rect">
+            <a:avLst/>
+          </a:prstGeom>
+        </p:spPr>
+      </p:pic>
+      <p:sp>
+        <p:nvSpPr>
+          <p:cNvPr id="6" name="テキスト ボックス 5"/>
+          <p:cNvSpPr txBox="1"/>
+          <p:nvPr/>
+        </p:nvSpPr>
+        <p:spPr>
+          <a:xfrm>
+            <a:off x="495300" y="767899"/>
+            <a:ext cx="2954655" cy="461665"/>
+          </a:xfrm>
+          <a:prstGeom prst="rect">
+            <a:avLst/>
+          </a:prstGeom>
+          <a:noFill/>
+        </p:spPr>
+        <p:txBody>
+          <a:bodyPr wrap="none" rtlCol="0">
+            <a:spAutoFit/>
+          </a:bodyPr>
+          <a:lstStyle/>
+          <a:p>
+            <a:r>
+              <a:rPr kumimoji="1" lang="ja-JP" altLang="en-US" sz="2400" dirty="0" smtClean="0">
+                <a:latin typeface="05棘ゴシックやや太" panose="02000600000000000000" pitchFamily="50" charset="-128"/>
+                <a:ea typeface="05棘ゴシックやや太" panose="02000600000000000000" pitchFamily="50" charset="-128"/>
+              </a:rPr>
+              <a:t>膀胱ゲージ：〇〇％</a:t>
+            </a:r>
+            <a:endParaRPr kumimoji="1" lang="ja-JP" altLang="en-US" sz="2400" dirty="0">
+              <a:latin typeface="05棘ゴシックやや太" panose="02000600000000000000" pitchFamily="50" charset="-128"/>
+              <a:ea typeface="05棘ゴシックやや太" panose="02000600000000000000" pitchFamily="50" charset="-128"/>
+            </a:endParaRPr>
+          </a:p>
+        </p:txBody>
+      </p:sp>
+      <p:sp>
+        <p:nvSpPr>
+          <p:cNvPr id="7" name="テキスト ボックス 6"/>
+          <p:cNvSpPr txBox="1"/>
+          <p:nvPr/>
+        </p:nvSpPr>
+        <p:spPr>
+          <a:xfrm>
+            <a:off x="495300" y="1497648"/>
+            <a:ext cx="2954655" cy="461665"/>
+          </a:xfrm>
+          <a:prstGeom prst="rect">
+            <a:avLst/>
+          </a:prstGeom>
+          <a:noFill/>
+        </p:spPr>
+        <p:txBody>
+          <a:bodyPr wrap="none" rtlCol="0">
+            <a:spAutoFit/>
+          </a:bodyPr>
+          <a:lstStyle/>
+          <a:p>
+            <a:r>
+              <a:rPr kumimoji="1" lang="ja-JP" altLang="en-US" sz="2400" dirty="0" smtClean="0">
+                <a:latin typeface="05棘ゴシックやや太" panose="02000600000000000000" pitchFamily="50" charset="-128"/>
+                <a:ea typeface="05棘ゴシックやや太" panose="02000600000000000000" pitchFamily="50" charset="-128"/>
+              </a:rPr>
+              <a:t>所持金：〇〇〇〇円</a:t>
+            </a:r>
+            <a:endParaRPr kumimoji="1" lang="ja-JP" altLang="en-US" sz="2400" dirty="0">
+              <a:latin typeface="05棘ゴシックやや太" panose="02000600000000000000" pitchFamily="50" charset="-128"/>
+              <a:ea typeface="05棘ゴシックやや太" panose="02000600000000000000" pitchFamily="50" charset="-128"/>
+            </a:endParaRPr>
+          </a:p>
+        </p:txBody>
+      </p:sp>
+      <p:sp>
+        <p:nvSpPr>
+          <p:cNvPr id="10" name="テキスト ボックス 9"/>
+          <p:cNvSpPr txBox="1"/>
+          <p:nvPr/>
+        </p:nvSpPr>
+        <p:spPr>
+          <a:xfrm>
+            <a:off x="324196" y="365760"/>
+            <a:ext cx="2262158" cy="369332"/>
+          </a:xfrm>
+          <a:prstGeom prst="rect">
+            <a:avLst/>
+          </a:prstGeom>
+          <a:noFill/>
+        </p:spPr>
+        <p:txBody>
+          <a:bodyPr wrap="none" rtlCol="0">
+            <a:spAutoFit/>
+          </a:bodyPr>
+          <a:lstStyle/>
+          <a:p>
+            <a:r>
+              <a:rPr kumimoji="1" lang="ja-JP" altLang="en-US" dirty="0" smtClean="0"/>
+              <a:t>リザルト画面の仕様</a:t>
+            </a:r>
+            <a:endParaRPr kumimoji="1" lang="en-US" altLang="ja-JP" dirty="0" smtClean="0"/>
+          </a:p>
+        </p:txBody>
+      </p:sp>
+      <p:sp>
+        <p:nvSpPr>
+          <p:cNvPr id="11" name="テキスト ボックス 10"/>
+          <p:cNvSpPr txBox="1"/>
+          <p:nvPr/>
+        </p:nvSpPr>
+        <p:spPr>
+          <a:xfrm>
+            <a:off x="7357274" y="583233"/>
+            <a:ext cx="4496744" cy="646331"/>
+          </a:xfrm>
+          <a:prstGeom prst="rect">
+            <a:avLst/>
+          </a:prstGeom>
+          <a:solidFill>
+            <a:schemeClr val="accent2">
+              <a:lumMod val="20000"/>
+              <a:lumOff val="80000"/>
+            </a:schemeClr>
+          </a:solidFill>
+          <a:ln>
+            <a:solidFill>
+              <a:schemeClr val="tx1"/>
+            </a:solidFill>
+          </a:ln>
+        </p:spPr>
+        <p:txBody>
+          <a:bodyPr wrap="none" rtlCol="0">
+            <a:spAutoFit/>
+          </a:bodyPr>
+          <a:lstStyle/>
+          <a:p>
+            <a:r>
+              <a:rPr lang="ja-JP" altLang="en-US" dirty="0" smtClean="0"/>
+              <a:t>トイレの中からランクが出てくる</a:t>
+            </a:r>
+            <a:endParaRPr lang="en-US" altLang="ja-JP" dirty="0" smtClean="0"/>
+          </a:p>
+          <a:p>
+            <a:r>
+              <a:rPr lang="ja-JP" altLang="en-US" dirty="0" smtClean="0"/>
+              <a:t>ランクが</a:t>
+            </a:r>
+            <a:r>
+              <a:rPr lang="en-US" altLang="ja-JP" dirty="0" smtClean="0"/>
+              <a:t>A</a:t>
+            </a:r>
+            <a:r>
+              <a:rPr lang="ja-JP" altLang="en-US" dirty="0" smtClean="0"/>
+              <a:t>以上なら歓声の効果音</a:t>
+            </a:r>
+            <a:r>
+              <a:rPr lang="en-US" altLang="ja-JP" dirty="0" smtClean="0"/>
+              <a:t>*3</a:t>
+            </a:r>
+            <a:r>
+              <a:rPr lang="ja-JP" altLang="en-US" dirty="0" smtClean="0"/>
+              <a:t>を流す</a:t>
+            </a:r>
+            <a:endParaRPr lang="en-US" altLang="ja-JP" dirty="0" smtClean="0"/>
+          </a:p>
+        </p:txBody>
+      </p:sp>
+      <p:sp>
+        <p:nvSpPr>
+          <p:cNvPr id="12" name="テキスト ボックス 11"/>
+          <p:cNvSpPr txBox="1"/>
+          <p:nvPr/>
+        </p:nvSpPr>
+        <p:spPr>
+          <a:xfrm>
+            <a:off x="337982" y="2078104"/>
+            <a:ext cx="2731838" cy="1200329"/>
+          </a:xfrm>
+          <a:prstGeom prst="rect">
+            <a:avLst/>
+          </a:prstGeom>
+          <a:solidFill>
+            <a:schemeClr val="accent2">
+              <a:lumMod val="20000"/>
+              <a:lumOff val="80000"/>
+            </a:schemeClr>
+          </a:solidFill>
+          <a:ln>
+            <a:solidFill>
+              <a:schemeClr val="tx1"/>
+            </a:solidFill>
+          </a:ln>
+        </p:spPr>
+        <p:txBody>
+          <a:bodyPr wrap="none" rtlCol="0">
+            <a:spAutoFit/>
+          </a:bodyPr>
+          <a:lstStyle/>
+          <a:p>
+            <a:r>
+              <a:rPr lang="ja-JP" altLang="en-US" dirty="0" smtClean="0"/>
+              <a:t>この二つは出現時、</a:t>
+            </a:r>
+            <a:endParaRPr lang="en-US" altLang="ja-JP" dirty="0" smtClean="0"/>
+          </a:p>
+          <a:p>
+            <a:r>
+              <a:rPr lang="ja-JP" altLang="en-US" dirty="0" smtClean="0"/>
+              <a:t>拍子木の効果音</a:t>
+            </a:r>
+            <a:r>
+              <a:rPr lang="en-US" altLang="ja-JP" dirty="0" smtClean="0"/>
+              <a:t>*1</a:t>
+            </a:r>
+            <a:r>
+              <a:rPr lang="ja-JP" altLang="en-US" dirty="0" smtClean="0"/>
+              <a:t>を流す</a:t>
+            </a:r>
+            <a:endParaRPr lang="en-US" altLang="ja-JP" dirty="0" smtClean="0"/>
+          </a:p>
+          <a:p>
+            <a:endParaRPr lang="en-US" altLang="ja-JP" dirty="0"/>
+          </a:p>
+          <a:p>
+            <a:r>
+              <a:rPr lang="ja-JP" altLang="en-US" dirty="0" smtClean="0"/>
+              <a:t>その後ドラムロール</a:t>
+            </a:r>
+            <a:r>
+              <a:rPr lang="en-US" altLang="ja-JP" dirty="0" smtClean="0"/>
+              <a:t>*2</a:t>
+            </a:r>
+          </a:p>
+        </p:txBody>
+      </p:sp>
+      <p:sp>
+        <p:nvSpPr>
+          <p:cNvPr id="14" name="テキスト ボックス 13"/>
+          <p:cNvSpPr txBox="1"/>
+          <p:nvPr/>
+        </p:nvSpPr>
+        <p:spPr>
+          <a:xfrm>
+            <a:off x="8625889" y="5812704"/>
+            <a:ext cx="3426259" cy="738664"/>
+          </a:xfrm>
+          <a:prstGeom prst="rect">
+            <a:avLst/>
+          </a:prstGeom>
+          <a:solidFill>
+            <a:schemeClr val="accent2">
+              <a:lumMod val="20000"/>
+              <a:lumOff val="80000"/>
+            </a:schemeClr>
+          </a:solidFill>
+          <a:ln>
+            <a:solidFill>
+              <a:schemeClr val="tx1"/>
+            </a:solidFill>
+          </a:ln>
+        </p:spPr>
+        <p:txBody>
+          <a:bodyPr wrap="square" rtlCol="0">
+            <a:spAutoFit/>
+          </a:bodyPr>
+          <a:lstStyle/>
+          <a:p>
+            <a:r>
+              <a:rPr lang="en-US" altLang="ja-JP" sz="1400" dirty="0" smtClean="0"/>
+              <a:t>*1: se</a:t>
+            </a:r>
+            <a:r>
+              <a:rPr lang="ja-JP" altLang="en-US" sz="1400" dirty="0" smtClean="0"/>
+              <a:t>フォルダ内</a:t>
+            </a:r>
+            <a:r>
+              <a:rPr lang="ja-JP" altLang="en-US" sz="1400" dirty="0" smtClean="0"/>
+              <a:t>「</a:t>
+            </a:r>
+            <a:r>
+              <a:rPr lang="en-US" altLang="ja-JP" sz="1400" dirty="0" smtClean="0"/>
+              <a:t>SE_Hyoushigi.wav</a:t>
+            </a:r>
+            <a:r>
+              <a:rPr lang="ja-JP" altLang="en-US" sz="1400" dirty="0" smtClean="0"/>
+              <a:t>」</a:t>
+            </a:r>
+            <a:endParaRPr lang="en-US" altLang="ja-JP" sz="1400" dirty="0" smtClean="0"/>
+          </a:p>
+          <a:p>
+            <a:r>
+              <a:rPr lang="en-US" altLang="ja-JP" sz="1400" dirty="0" smtClean="0"/>
+              <a:t>*2: </a:t>
+            </a:r>
+            <a:r>
+              <a:rPr lang="en-US" altLang="ja-JP" sz="1400" dirty="0"/>
+              <a:t>se</a:t>
+            </a:r>
+            <a:r>
+              <a:rPr lang="ja-JP" altLang="en-US" sz="1400" dirty="0"/>
+              <a:t>フォルダ内</a:t>
+            </a:r>
+            <a:r>
+              <a:rPr lang="ja-JP" altLang="en-US" sz="1400" dirty="0" smtClean="0"/>
+              <a:t>「</a:t>
+            </a:r>
+            <a:r>
+              <a:rPr lang="en-US" altLang="ja-JP" sz="1400" dirty="0" smtClean="0"/>
+              <a:t>SE_Drumroll.wav</a:t>
+            </a:r>
+            <a:r>
+              <a:rPr lang="ja-JP" altLang="en-US" sz="1400" dirty="0"/>
+              <a:t>」</a:t>
+            </a:r>
+            <a:endParaRPr lang="en-US" altLang="ja-JP" sz="1400" dirty="0"/>
+          </a:p>
+          <a:p>
+            <a:r>
+              <a:rPr lang="en-US" altLang="ja-JP" sz="1400" dirty="0" smtClean="0"/>
+              <a:t>*3: </a:t>
+            </a:r>
+            <a:r>
+              <a:rPr lang="en-US" altLang="ja-JP" sz="1400" dirty="0"/>
+              <a:t>se</a:t>
+            </a:r>
+            <a:r>
+              <a:rPr lang="ja-JP" altLang="en-US" sz="1400" dirty="0"/>
+              <a:t>フォルダ内</a:t>
+            </a:r>
+            <a:r>
+              <a:rPr lang="ja-JP" altLang="en-US" sz="1400" dirty="0" smtClean="0"/>
+              <a:t>「</a:t>
+            </a:r>
+            <a:r>
+              <a:rPr lang="en-US" altLang="ja-JP" sz="1400" dirty="0" smtClean="0"/>
+              <a:t>SE_Cheers.wav</a:t>
+            </a:r>
+            <a:r>
+              <a:rPr lang="ja-JP" altLang="en-US" sz="1400" dirty="0" smtClean="0"/>
+              <a:t>」</a:t>
+            </a:r>
+            <a:endParaRPr lang="en-US" altLang="ja-JP" sz="1400" dirty="0"/>
+          </a:p>
+        </p:txBody>
+      </p:sp>
+    </p:spTree>
+    <p:extLst>
+      <p:ext uri="{BB962C8B-B14F-4D97-AF65-F5344CB8AC3E}">
+        <p14:creationId xmlns:p14="http://schemas.microsoft.com/office/powerpoint/2010/main" val="2833288180"/>
+      </p:ext>
+    </p:extLst>
+  </p:cSld>
+  <p:clrMapOvr>
+    <a:masterClrMapping/>
+  </p:clrMapOvr>
+  <p:timing>
+    <p:tnLst>
+      <p:par>
+        <p:cTn id="1" dur="indefinite" restart="never" nodeType="tmRoot"/>
+      </p:par>
+    </p:tnLst>
+  </p:timing>
+</p:sld>
+</file>
+
+<file path=ppt/slides/slide17.xml><?xml version="1.0" encoding="utf-8"?>
+<p:sld xmlns:a="http://schemas.openxmlformats.org/drawingml/2006/main" xmlns:r="http://schemas.openxmlformats.org/officeDocument/2006/relationships" xmlns:p="http://schemas.openxmlformats.org/presentationml/2006/main">
+  <p:cSld>
+    <p:spTree>
+      <p:nvGrpSpPr>
+        <p:cNvPr id="1" name=""/>
+        <p:cNvGrpSpPr/>
+        <p:nvPr/>
+      </p:nvGrpSpPr>
+      <p:grpSpPr>
+        <a:xfrm>
+          <a:off x="0" y="0"/>
+          <a:ext cx="0" cy="0"/>
+          <a:chOff x="0" y="0"/>
+          <a:chExt cx="0" cy="0"/>
+        </a:xfrm>
+      </p:grpSpPr>
+      <p:sp>
+        <p:nvSpPr>
+          <p:cNvPr id="10" name="テキスト ボックス 9"/>
+          <p:cNvSpPr txBox="1"/>
+          <p:nvPr/>
+        </p:nvSpPr>
+        <p:spPr>
+          <a:xfrm>
+            <a:off x="324196" y="365760"/>
+            <a:ext cx="2031325" cy="369332"/>
+          </a:xfrm>
+          <a:prstGeom prst="rect">
+            <a:avLst/>
+          </a:prstGeom>
+          <a:noFill/>
+        </p:spPr>
+        <p:txBody>
+          <a:bodyPr wrap="none" rtlCol="0">
+            <a:spAutoFit/>
+          </a:bodyPr>
+          <a:lstStyle/>
+          <a:p>
+            <a:r>
+              <a:rPr lang="ja-JP" altLang="en-US" dirty="0"/>
+              <a:t>ポーズ</a:t>
+            </a:r>
+            <a:r>
+              <a:rPr kumimoji="1" lang="ja-JP" altLang="en-US" dirty="0" smtClean="0"/>
+              <a:t>画面の仕様</a:t>
+            </a:r>
+            <a:endParaRPr kumimoji="1" lang="en-US" altLang="ja-JP" dirty="0" smtClean="0"/>
+          </a:p>
+        </p:txBody>
+      </p:sp>
+      <p:pic>
+        <p:nvPicPr>
+          <p:cNvPr id="4" name="図 3"/>
+          <p:cNvPicPr>
+            <a:picLocks noChangeAspect="1"/>
+          </p:cNvPicPr>
+          <p:nvPr/>
+        </p:nvPicPr>
+        <p:blipFill>
+          <a:blip r:embed="rId2"/>
+          <a:stretch>
+            <a:fillRect/>
+          </a:stretch>
+        </p:blipFill>
+        <p:spPr>
+          <a:xfrm>
+            <a:off x="3824287" y="1154608"/>
+            <a:ext cx="8086725" cy="4548783"/>
+          </a:xfrm>
+          <a:prstGeom prst="rect">
+            <a:avLst/>
+          </a:prstGeom>
+          <a:ln>
+            <a:solidFill>
+              <a:schemeClr val="tx1"/>
+            </a:solidFill>
+          </a:ln>
+        </p:spPr>
+      </p:pic>
+      <p:sp>
+        <p:nvSpPr>
+          <p:cNvPr id="13" name="テキスト ボックス 12"/>
+          <p:cNvSpPr txBox="1"/>
+          <p:nvPr/>
+        </p:nvSpPr>
+        <p:spPr>
+          <a:xfrm>
+            <a:off x="118907" y="1878079"/>
+            <a:ext cx="4339650" cy="3139321"/>
+          </a:xfrm>
+          <a:prstGeom prst="rect">
+            <a:avLst/>
+          </a:prstGeom>
+          <a:solidFill>
+            <a:schemeClr val="accent2">
+              <a:lumMod val="20000"/>
+              <a:lumOff val="80000"/>
+            </a:schemeClr>
+          </a:solidFill>
+          <a:ln>
+            <a:solidFill>
+              <a:schemeClr val="tx1"/>
+            </a:solidFill>
+          </a:ln>
+        </p:spPr>
+        <p:txBody>
+          <a:bodyPr wrap="none" rtlCol="0">
+            <a:spAutoFit/>
+          </a:bodyPr>
+          <a:lstStyle/>
+          <a:p>
+            <a:r>
+              <a:rPr lang="ja-JP" altLang="en-US" dirty="0" smtClean="0"/>
+              <a:t>タイトル画面以外で</a:t>
+            </a:r>
+            <a:r>
+              <a:rPr lang="en-US" altLang="ja-JP" dirty="0" smtClean="0"/>
+              <a:t>Esc</a:t>
+            </a:r>
+            <a:r>
+              <a:rPr lang="ja-JP" altLang="en-US" dirty="0" smtClean="0"/>
+              <a:t>を押すと</a:t>
+            </a:r>
+            <a:endParaRPr lang="en-US" altLang="ja-JP" dirty="0" smtClean="0"/>
+          </a:p>
+          <a:p>
+            <a:r>
+              <a:rPr lang="ja-JP" altLang="en-US" dirty="0" smtClean="0"/>
+              <a:t>ポーズメニューを表示</a:t>
+            </a:r>
+            <a:endParaRPr lang="en-US" altLang="ja-JP" dirty="0" smtClean="0"/>
+          </a:p>
+          <a:p>
+            <a:endParaRPr lang="en-US" altLang="ja-JP" dirty="0"/>
+          </a:p>
+          <a:p>
+            <a:r>
+              <a:rPr lang="ja-JP" altLang="en-US" dirty="0" smtClean="0"/>
+              <a:t>ポーズ中は背景を暗くし、</a:t>
+            </a:r>
+            <a:endParaRPr lang="en-US" altLang="ja-JP" dirty="0" smtClean="0"/>
+          </a:p>
+          <a:p>
+            <a:r>
+              <a:rPr lang="ja-JP" altLang="en-US" dirty="0" smtClean="0"/>
+              <a:t>時間を停止させる</a:t>
+            </a:r>
+            <a:endParaRPr lang="en-US" altLang="ja-JP" dirty="0" smtClean="0"/>
+          </a:p>
+          <a:p>
+            <a:endParaRPr lang="en-US" altLang="ja-JP" dirty="0"/>
+          </a:p>
+          <a:p>
+            <a:r>
+              <a:rPr lang="ja-JP" altLang="en-US" dirty="0" smtClean="0"/>
+              <a:t>「つづける」を押すかもう一度</a:t>
+            </a:r>
+            <a:endParaRPr lang="en-US" altLang="ja-JP" dirty="0" smtClean="0"/>
+          </a:p>
+          <a:p>
+            <a:r>
+              <a:rPr lang="en-US" altLang="ja-JP" dirty="0" smtClean="0"/>
+              <a:t>Esc</a:t>
+            </a:r>
+            <a:r>
+              <a:rPr lang="ja-JP" altLang="en-US" dirty="0" smtClean="0"/>
+              <a:t>を押すと元の画面に戻す</a:t>
+            </a:r>
+            <a:endParaRPr lang="en-US" altLang="ja-JP" dirty="0" smtClean="0"/>
+          </a:p>
+          <a:p>
+            <a:endParaRPr lang="en-US" altLang="ja-JP" dirty="0"/>
+          </a:p>
+          <a:p>
+            <a:r>
+              <a:rPr lang="ja-JP" altLang="en-US" dirty="0" smtClean="0"/>
+              <a:t>「やめる」を押すとフェードアウトし、</a:t>
+            </a:r>
+            <a:endParaRPr lang="en-US" altLang="ja-JP" dirty="0" smtClean="0"/>
+          </a:p>
+          <a:p>
+            <a:r>
+              <a:rPr lang="ja-JP" altLang="en-US" dirty="0"/>
+              <a:t>タイトル</a:t>
+            </a:r>
+            <a:r>
+              <a:rPr lang="ja-JP" altLang="en-US" dirty="0" smtClean="0"/>
+              <a:t>へ</a:t>
+            </a:r>
+            <a:r>
+              <a:rPr lang="ja-JP" altLang="en-US" dirty="0"/>
+              <a:t>戻</a:t>
+            </a:r>
+            <a:r>
+              <a:rPr lang="ja-JP" altLang="en-US" dirty="0" smtClean="0"/>
+              <a:t>す</a:t>
+            </a:r>
+            <a:endParaRPr lang="en-US" altLang="ja-JP" dirty="0" smtClean="0"/>
+          </a:p>
+        </p:txBody>
+      </p:sp>
+    </p:spTree>
+    <p:extLst>
+      <p:ext uri="{BB962C8B-B14F-4D97-AF65-F5344CB8AC3E}">
+        <p14:creationId xmlns:p14="http://schemas.microsoft.com/office/powerpoint/2010/main" val="1665242756"/>
+      </p:ext>
+    </p:extLst>
+  </p:cSld>
+  <p:clrMapOvr>
+    <a:masterClrMapping/>
+  </p:clrMapOvr>
+  <p:timing>
+    <p:tnLst>
+      <p:par>
+        <p:cTn id="1" dur="indefinite" restart="never" nodeType="tmRoot"/>
+      </p:par>
+    </p:tnLst>
+  </p:timing>
+</p:sld>
+</file>
+
+<file path=ppt/slides/slide18.xml><?xml version="1.0" encoding="utf-8"?>
+<p:sld xmlns:a="http://schemas.openxmlformats.org/drawingml/2006/main" xmlns:r="http://schemas.openxmlformats.org/officeDocument/2006/relationships" xmlns:p="http://schemas.openxmlformats.org/presentationml/2006/main">
+  <p:cSld>
+    <p:spTree>
+      <p:nvGrpSpPr>
+        <p:cNvPr id="1" name=""/>
+        <p:cNvGrpSpPr/>
+        <p:nvPr/>
+      </p:nvGrpSpPr>
+      <p:grpSpPr>
+        <a:xfrm>
+          <a:off x="0" y="0"/>
+          <a:ext cx="0" cy="0"/>
+          <a:chOff x="0" y="0"/>
+          <a:chExt cx="0" cy="0"/>
+        </a:xfrm>
+      </p:grpSpPr>
+      <p:sp>
+        <p:nvSpPr>
+          <p:cNvPr id="10" name="テキスト ボックス 9"/>
+          <p:cNvSpPr txBox="1"/>
+          <p:nvPr/>
+        </p:nvSpPr>
+        <p:spPr>
+          <a:xfrm>
+            <a:off x="324196" y="365760"/>
+            <a:ext cx="2492990" cy="369332"/>
+          </a:xfrm>
+          <a:prstGeom prst="rect">
+            <a:avLst/>
+          </a:prstGeom>
+          <a:noFill/>
+        </p:spPr>
+        <p:txBody>
+          <a:bodyPr wrap="none" rtlCol="0">
+            <a:spAutoFit/>
+          </a:bodyPr>
+          <a:lstStyle/>
+          <a:p>
+            <a:r>
+              <a:rPr lang="ja-JP" altLang="en-US" dirty="0" smtClean="0"/>
+              <a:t>キーコンフィグ</a:t>
+            </a:r>
+            <a:r>
+              <a:rPr kumimoji="1" lang="ja-JP" altLang="en-US" dirty="0" smtClean="0"/>
+              <a:t>の仕様</a:t>
+            </a:r>
+            <a:endParaRPr kumimoji="1" lang="en-US" altLang="ja-JP" dirty="0" smtClean="0"/>
+          </a:p>
+        </p:txBody>
+      </p:sp>
+      <p:sp>
+        <p:nvSpPr>
+          <p:cNvPr id="5" name="テキスト ボックス 4"/>
+          <p:cNvSpPr txBox="1"/>
+          <p:nvPr/>
+        </p:nvSpPr>
+        <p:spPr>
+          <a:xfrm>
+            <a:off x="970527" y="963584"/>
+            <a:ext cx="2492990" cy="2400657"/>
+          </a:xfrm>
+          <a:prstGeom prst="rect">
+            <a:avLst/>
+          </a:prstGeom>
+          <a:noFill/>
+        </p:spPr>
+        <p:txBody>
+          <a:bodyPr wrap="none" rtlCol="0">
+            <a:spAutoFit/>
+          </a:bodyPr>
+          <a:lstStyle/>
+          <a:p>
+            <a:r>
+              <a:rPr kumimoji="1" lang="ja-JP" altLang="en-US" sz="2400" dirty="0" smtClean="0"/>
+              <a:t>キーボード</a:t>
+            </a:r>
+            <a:endParaRPr kumimoji="1" lang="en-US" altLang="ja-JP" sz="2400" dirty="0" smtClean="0"/>
+          </a:p>
+          <a:p>
+            <a:endParaRPr lang="en-US" altLang="ja-JP" dirty="0"/>
+          </a:p>
+          <a:p>
+            <a:r>
+              <a:rPr kumimoji="1" lang="ja-JP" altLang="en-US" dirty="0" smtClean="0"/>
+              <a:t>移動：</a:t>
+            </a:r>
+            <a:r>
+              <a:rPr kumimoji="1" lang="en-US" altLang="ja-JP" dirty="0" smtClean="0"/>
+              <a:t>WASD</a:t>
+            </a:r>
+          </a:p>
+          <a:p>
+            <a:r>
+              <a:rPr lang="ja-JP" altLang="en-US" dirty="0" smtClean="0"/>
+              <a:t>視点移動：マウス操作</a:t>
+            </a:r>
+            <a:endParaRPr kumimoji="1" lang="en-US" altLang="ja-JP" dirty="0" smtClean="0"/>
+          </a:p>
+          <a:p>
+            <a:r>
+              <a:rPr lang="ja-JP" altLang="en-US" dirty="0" smtClean="0"/>
+              <a:t>ダッシュ：</a:t>
+            </a:r>
+            <a:r>
+              <a:rPr lang="ja-JP" altLang="en-US" dirty="0"/>
+              <a:t>左</a:t>
+            </a:r>
+            <a:r>
+              <a:rPr lang="en-US" altLang="ja-JP" dirty="0" smtClean="0"/>
+              <a:t>SHIFT</a:t>
+            </a:r>
+          </a:p>
+          <a:p>
+            <a:r>
+              <a:rPr kumimoji="1" lang="ja-JP" altLang="en-US" dirty="0" smtClean="0"/>
+              <a:t>ジャンプ：</a:t>
+            </a:r>
+            <a:r>
+              <a:rPr kumimoji="1" lang="en-US" altLang="ja-JP" dirty="0" smtClean="0"/>
+              <a:t>SPACE</a:t>
+            </a:r>
+          </a:p>
+          <a:p>
+            <a:r>
+              <a:rPr lang="ja-JP" altLang="en-US" dirty="0" smtClean="0"/>
+              <a:t>パンチ：左クリック</a:t>
+            </a:r>
+            <a:endParaRPr lang="en-US" altLang="ja-JP" dirty="0" smtClean="0"/>
+          </a:p>
+          <a:p>
+            <a:r>
+              <a:rPr lang="ja-JP" altLang="en-US" dirty="0" smtClean="0"/>
+              <a:t>ポーズ：</a:t>
+            </a:r>
+            <a:r>
+              <a:rPr lang="en-US" altLang="ja-JP" dirty="0" smtClean="0"/>
+              <a:t>Esc</a:t>
+            </a:r>
+          </a:p>
+        </p:txBody>
+      </p:sp>
+      <p:sp>
+        <p:nvSpPr>
+          <p:cNvPr id="6" name="テキスト ボックス 5"/>
+          <p:cNvSpPr txBox="1"/>
+          <p:nvPr/>
+        </p:nvSpPr>
+        <p:spPr>
+          <a:xfrm>
+            <a:off x="6990327" y="963584"/>
+            <a:ext cx="3191899" cy="2400657"/>
+          </a:xfrm>
+          <a:prstGeom prst="rect">
+            <a:avLst/>
+          </a:prstGeom>
+          <a:noFill/>
+        </p:spPr>
+        <p:txBody>
+          <a:bodyPr wrap="none" rtlCol="0">
+            <a:spAutoFit/>
+          </a:bodyPr>
+          <a:lstStyle/>
+          <a:p>
+            <a:r>
+              <a:rPr kumimoji="1" lang="ja-JP" altLang="en-US" sz="2400" dirty="0" smtClean="0"/>
+              <a:t>ゲームパッド</a:t>
+            </a:r>
+            <a:r>
+              <a:rPr kumimoji="1" lang="en-US" altLang="ja-JP" sz="2400" dirty="0" smtClean="0"/>
+              <a:t>(</a:t>
+            </a:r>
+            <a:r>
+              <a:rPr kumimoji="1" lang="en-US" altLang="ja-JP" sz="2400" dirty="0" err="1" smtClean="0"/>
+              <a:t>Xinput</a:t>
+            </a:r>
+            <a:r>
+              <a:rPr kumimoji="1" lang="en-US" altLang="ja-JP" sz="2400" dirty="0" smtClean="0"/>
+              <a:t>)</a:t>
+            </a:r>
+          </a:p>
+          <a:p>
+            <a:endParaRPr lang="en-US" altLang="ja-JP" dirty="0"/>
+          </a:p>
+          <a:p>
+            <a:r>
+              <a:rPr kumimoji="1" lang="ja-JP" altLang="en-US" dirty="0" smtClean="0"/>
+              <a:t>１、移動：左スティック</a:t>
+            </a:r>
+            <a:endParaRPr kumimoji="1" lang="en-US" altLang="ja-JP" dirty="0" smtClean="0"/>
+          </a:p>
+          <a:p>
+            <a:r>
+              <a:rPr lang="ja-JP" altLang="en-US" dirty="0" smtClean="0"/>
+              <a:t>２、視点移動：右スティック</a:t>
+            </a:r>
+            <a:endParaRPr kumimoji="1" lang="en-US" altLang="ja-JP" dirty="0" smtClean="0"/>
+          </a:p>
+          <a:p>
+            <a:r>
+              <a:rPr lang="ja-JP" altLang="en-US" dirty="0" smtClean="0"/>
+              <a:t>３、ダッシュ：</a:t>
+            </a:r>
+            <a:r>
+              <a:rPr lang="en-US" altLang="ja-JP" dirty="0" smtClean="0"/>
+              <a:t>A</a:t>
+            </a:r>
+            <a:r>
+              <a:rPr lang="ja-JP" altLang="en-US" dirty="0" smtClean="0"/>
+              <a:t>ボタン</a:t>
+            </a:r>
+            <a:endParaRPr lang="en-US" altLang="ja-JP" dirty="0" smtClean="0"/>
+          </a:p>
+          <a:p>
+            <a:r>
+              <a:rPr kumimoji="1" lang="ja-JP" altLang="en-US" dirty="0" smtClean="0"/>
+              <a:t>４、ジャンプ：</a:t>
+            </a:r>
+            <a:r>
+              <a:rPr lang="en-US" altLang="ja-JP" dirty="0" smtClean="0"/>
+              <a:t>B</a:t>
+            </a:r>
+            <a:r>
+              <a:rPr lang="ja-JP" altLang="en-US" dirty="0" smtClean="0"/>
+              <a:t>ボタン</a:t>
+            </a:r>
+            <a:endParaRPr kumimoji="1" lang="en-US" altLang="ja-JP" dirty="0" smtClean="0"/>
+          </a:p>
+          <a:p>
+            <a:r>
+              <a:rPr lang="ja-JP" altLang="en-US" dirty="0" smtClean="0"/>
+              <a:t>５、パンチ：</a:t>
+            </a:r>
+            <a:r>
+              <a:rPr lang="en-US" altLang="ja-JP" dirty="0" smtClean="0"/>
+              <a:t>X</a:t>
+            </a:r>
+            <a:r>
+              <a:rPr lang="ja-JP" altLang="en-US" dirty="0" smtClean="0"/>
+              <a:t>ボタン</a:t>
+            </a:r>
+            <a:endParaRPr lang="en-US" altLang="ja-JP" dirty="0" smtClean="0"/>
+          </a:p>
+          <a:p>
+            <a:r>
+              <a:rPr lang="ja-JP" altLang="en-US" dirty="0" smtClean="0"/>
+              <a:t>６、ポーズ：</a:t>
+            </a:r>
+            <a:r>
+              <a:rPr lang="en-US" altLang="ja-JP" dirty="0" smtClean="0"/>
+              <a:t>START</a:t>
+            </a:r>
+            <a:r>
+              <a:rPr lang="ja-JP" altLang="en-US" dirty="0" smtClean="0"/>
+              <a:t>ボタン</a:t>
+            </a:r>
+            <a:endParaRPr lang="en-US" altLang="ja-JP" dirty="0" smtClean="0"/>
+          </a:p>
+        </p:txBody>
+      </p:sp>
+      <p:sp>
+        <p:nvSpPr>
+          <p:cNvPr id="2" name="楕円 1"/>
+          <p:cNvSpPr/>
+          <p:nvPr/>
+        </p:nvSpPr>
+        <p:spPr>
+          <a:xfrm>
+            <a:off x="6096000" y="4171950"/>
+            <a:ext cx="695325" cy="695325"/>
+          </a:xfrm>
+          <a:prstGeom prst="ellipse">
+            <a:avLst/>
+          </a:prstGeom>
+          <a:solidFill>
+            <a:schemeClr val="bg1"/>
+          </a:solidFill>
+        </p:spPr>
+        <p:style>
+          <a:lnRef idx="2">
+            <a:schemeClr val="accent1">
+              <a:shade val="50000"/>
+            </a:schemeClr>
+          </a:lnRef>
+          <a:fillRef idx="1">
+            <a:schemeClr val="accent1"/>
+          </a:fillRef>
+          <a:effectRef idx="0">
+            <a:schemeClr val="accent1"/>
+          </a:effectRef>
+          <a:fontRef idx="minor">
+            <a:schemeClr val="lt1"/>
+          </a:fontRef>
+        </p:style>
+        <p:txBody>
+          <a:bodyPr rtlCol="0" anchor="ctr"/>
+          <a:lstStyle/>
+          <a:p>
+            <a:pPr algn="ctr"/>
+            <a:r>
+              <a:rPr kumimoji="1" lang="ja-JP" altLang="en-US" dirty="0" smtClean="0">
+                <a:solidFill>
+                  <a:schemeClr val="tx1"/>
+                </a:solidFill>
+              </a:rPr>
+              <a:t>１</a:t>
+            </a:r>
+            <a:endParaRPr kumimoji="1" lang="ja-JP" altLang="en-US" dirty="0">
+              <a:solidFill>
+                <a:schemeClr val="tx1"/>
+              </a:solidFill>
+            </a:endParaRPr>
+          </a:p>
+        </p:txBody>
+      </p:sp>
+      <p:sp>
+        <p:nvSpPr>
+          <p:cNvPr id="8" name="楕円 7"/>
+          <p:cNvSpPr/>
+          <p:nvPr/>
+        </p:nvSpPr>
+        <p:spPr>
+          <a:xfrm>
+            <a:off x="9115425" y="5419725"/>
+            <a:ext cx="695325" cy="695325"/>
+          </a:xfrm>
+          <a:prstGeom prst="ellipse">
+            <a:avLst/>
+          </a:prstGeom>
+          <a:solidFill>
+            <a:schemeClr val="bg1"/>
+          </a:solidFill>
+        </p:spPr>
+        <p:style>
+          <a:lnRef idx="2">
+            <a:schemeClr val="accent1">
+              <a:shade val="50000"/>
+            </a:schemeClr>
+          </a:lnRef>
+          <a:fillRef idx="1">
+            <a:schemeClr val="accent1"/>
+          </a:fillRef>
+          <a:effectRef idx="0">
+            <a:schemeClr val="accent1"/>
+          </a:effectRef>
+          <a:fontRef idx="minor">
+            <a:schemeClr val="lt1"/>
+          </a:fontRef>
+        </p:style>
+        <p:txBody>
+          <a:bodyPr rtlCol="0" anchor="ctr"/>
+          <a:lstStyle/>
+          <a:p>
+            <a:pPr algn="ctr"/>
+            <a:r>
+              <a:rPr kumimoji="1" lang="ja-JP" altLang="en-US" smtClean="0">
+                <a:solidFill>
+                  <a:sysClr val="windowText" lastClr="000000"/>
+                </a:solidFill>
+              </a:rPr>
+              <a:t>２</a:t>
+            </a:r>
+            <a:endParaRPr kumimoji="1" lang="ja-JP" altLang="en-US">
+              <a:solidFill>
+                <a:sysClr val="windowText" lastClr="000000"/>
+              </a:solidFill>
+            </a:endParaRPr>
+          </a:p>
+        </p:txBody>
+      </p:sp>
+      <p:sp>
+        <p:nvSpPr>
+          <p:cNvPr id="3" name="加算 2"/>
+          <p:cNvSpPr/>
+          <p:nvPr/>
+        </p:nvSpPr>
+        <p:spPr>
+          <a:xfrm>
+            <a:off x="6336506" y="5312568"/>
+            <a:ext cx="909638" cy="909638"/>
+          </a:xfrm>
+          <a:prstGeom prst="mathPlus">
+            <a:avLst/>
+          </a:prstGeom>
+        </p:spPr>
+        <p:style>
+          <a:lnRef idx="2">
+            <a:schemeClr val="accent1">
+              <a:shade val="50000"/>
+            </a:schemeClr>
+          </a:lnRef>
+          <a:fillRef idx="1">
+            <a:schemeClr val="accent1"/>
+          </a:fillRef>
+          <a:effectRef idx="0">
+            <a:schemeClr val="accent1"/>
+          </a:effectRef>
+          <a:fontRef idx="minor">
+            <a:schemeClr val="lt1"/>
+          </a:fontRef>
+        </p:style>
+        <p:txBody>
+          <a:bodyPr rtlCol="0" anchor="ctr"/>
+          <a:lstStyle/>
+          <a:p>
+            <a:pPr algn="ctr"/>
+            <a:endParaRPr kumimoji="1" lang="ja-JP" altLang="en-US"/>
+          </a:p>
+        </p:txBody>
+      </p:sp>
+      <p:sp>
+        <p:nvSpPr>
+          <p:cNvPr id="7" name="楕円 6"/>
+          <p:cNvSpPr/>
+          <p:nvPr/>
+        </p:nvSpPr>
+        <p:spPr>
+          <a:xfrm>
+            <a:off x="9660733" y="4048124"/>
+            <a:ext cx="347662" cy="347662"/>
+          </a:xfrm>
+          <a:prstGeom prst="ellipse">
+            <a:avLst/>
+          </a:prstGeom>
+          <a:solidFill>
+            <a:schemeClr val="bg1"/>
+          </a:solidFill>
+        </p:spPr>
+        <p:style>
+          <a:lnRef idx="2">
+            <a:schemeClr val="accent1">
+              <a:shade val="50000"/>
+            </a:schemeClr>
+          </a:lnRef>
+          <a:fillRef idx="1">
+            <a:schemeClr val="accent1"/>
+          </a:fillRef>
+          <a:effectRef idx="0">
+            <a:schemeClr val="accent1"/>
+          </a:effectRef>
+          <a:fontRef idx="minor">
+            <a:schemeClr val="lt1"/>
+          </a:fontRef>
+        </p:style>
+        <p:txBody>
+          <a:bodyPr rtlCol="0" anchor="ctr"/>
+          <a:lstStyle/>
+          <a:p>
+            <a:pPr algn="ctr"/>
+            <a:endParaRPr kumimoji="1" lang="ja-JP" altLang="en-US">
+              <a:solidFill>
+                <a:sysClr val="windowText" lastClr="000000"/>
+              </a:solidFill>
+            </a:endParaRPr>
+          </a:p>
+        </p:txBody>
+      </p:sp>
+      <p:sp>
+        <p:nvSpPr>
+          <p:cNvPr id="11" name="楕円 10"/>
+          <p:cNvSpPr/>
+          <p:nvPr/>
+        </p:nvSpPr>
+        <p:spPr>
+          <a:xfrm>
+            <a:off x="9660733" y="4643437"/>
+            <a:ext cx="347662" cy="347662"/>
+          </a:xfrm>
+          <a:prstGeom prst="ellipse">
+            <a:avLst/>
+          </a:prstGeom>
+          <a:solidFill>
+            <a:schemeClr val="bg1"/>
+          </a:solidFill>
+        </p:spPr>
+        <p:style>
+          <a:lnRef idx="2">
+            <a:schemeClr val="accent1">
+              <a:shade val="50000"/>
+            </a:schemeClr>
+          </a:lnRef>
+          <a:fillRef idx="1">
+            <a:schemeClr val="accent1"/>
+          </a:fillRef>
+          <a:effectRef idx="0">
+            <a:schemeClr val="accent1"/>
+          </a:effectRef>
+          <a:fontRef idx="minor">
+            <a:schemeClr val="lt1"/>
+          </a:fontRef>
+        </p:style>
+        <p:txBody>
+          <a:bodyPr rtlCol="0" anchor="ctr"/>
+          <a:lstStyle/>
+          <a:p>
+            <a:pPr algn="ctr"/>
+            <a:r>
+              <a:rPr kumimoji="1" lang="ja-JP" altLang="en-US" dirty="0" smtClean="0">
+                <a:solidFill>
+                  <a:sysClr val="windowText" lastClr="000000"/>
+                </a:solidFill>
+              </a:rPr>
+              <a:t>３</a:t>
+            </a:r>
+            <a:endParaRPr kumimoji="1" lang="ja-JP" altLang="en-US" dirty="0">
+              <a:solidFill>
+                <a:sysClr val="windowText" lastClr="000000"/>
+              </a:solidFill>
+            </a:endParaRPr>
+          </a:p>
+        </p:txBody>
+      </p:sp>
+      <p:sp>
+        <p:nvSpPr>
+          <p:cNvPr id="12" name="楕円 11"/>
+          <p:cNvSpPr/>
+          <p:nvPr/>
+        </p:nvSpPr>
+        <p:spPr>
+          <a:xfrm>
+            <a:off x="10008395" y="4345781"/>
+            <a:ext cx="347662" cy="347662"/>
+          </a:xfrm>
+          <a:prstGeom prst="ellipse">
+            <a:avLst/>
+          </a:prstGeom>
+          <a:solidFill>
+            <a:schemeClr val="bg1"/>
+          </a:solidFill>
+        </p:spPr>
+        <p:style>
+          <a:lnRef idx="2">
+            <a:schemeClr val="accent1">
+              <a:shade val="50000"/>
+            </a:schemeClr>
+          </a:lnRef>
+          <a:fillRef idx="1">
+            <a:schemeClr val="accent1"/>
+          </a:fillRef>
+          <a:effectRef idx="0">
+            <a:schemeClr val="accent1"/>
+          </a:effectRef>
+          <a:fontRef idx="minor">
+            <a:schemeClr val="lt1"/>
+          </a:fontRef>
+        </p:style>
+        <p:txBody>
+          <a:bodyPr rtlCol="0" anchor="ctr"/>
+          <a:lstStyle/>
+          <a:p>
+            <a:pPr algn="ctr"/>
+            <a:r>
+              <a:rPr kumimoji="1" lang="ja-JP" altLang="en-US" dirty="0" smtClean="0">
+                <a:solidFill>
+                  <a:sysClr val="windowText" lastClr="000000"/>
+                </a:solidFill>
+              </a:rPr>
+              <a:t>４</a:t>
+            </a:r>
+            <a:endParaRPr kumimoji="1" lang="ja-JP" altLang="en-US" dirty="0">
+              <a:solidFill>
+                <a:sysClr val="windowText" lastClr="000000"/>
+              </a:solidFill>
+            </a:endParaRPr>
+          </a:p>
+        </p:txBody>
+      </p:sp>
+      <p:sp>
+        <p:nvSpPr>
+          <p:cNvPr id="14" name="楕円 13"/>
+          <p:cNvSpPr/>
+          <p:nvPr/>
+        </p:nvSpPr>
+        <p:spPr>
+          <a:xfrm>
+            <a:off x="9313071" y="4345781"/>
+            <a:ext cx="347662" cy="347662"/>
+          </a:xfrm>
+          <a:prstGeom prst="ellipse">
+            <a:avLst/>
+          </a:prstGeom>
+          <a:solidFill>
+            <a:schemeClr val="bg1"/>
+          </a:solidFill>
+        </p:spPr>
+        <p:style>
+          <a:lnRef idx="2">
+            <a:schemeClr val="accent1">
+              <a:shade val="50000"/>
+            </a:schemeClr>
+          </a:lnRef>
+          <a:fillRef idx="1">
+            <a:schemeClr val="accent1"/>
+          </a:fillRef>
+          <a:effectRef idx="0">
+            <a:schemeClr val="accent1"/>
+          </a:effectRef>
+          <a:fontRef idx="minor">
+            <a:schemeClr val="lt1"/>
+          </a:fontRef>
+        </p:style>
+        <p:txBody>
+          <a:bodyPr rtlCol="0" anchor="ctr"/>
+          <a:lstStyle/>
+          <a:p>
+            <a:pPr algn="ctr"/>
+            <a:r>
+              <a:rPr kumimoji="1" lang="ja-JP" altLang="en-US" dirty="0" smtClean="0">
+                <a:solidFill>
+                  <a:sysClr val="windowText" lastClr="000000"/>
+                </a:solidFill>
+              </a:rPr>
+              <a:t>５</a:t>
+            </a:r>
+            <a:endParaRPr kumimoji="1" lang="ja-JP" altLang="en-US" dirty="0">
+              <a:solidFill>
+                <a:sysClr val="windowText" lastClr="000000"/>
+              </a:solidFill>
+            </a:endParaRPr>
+          </a:p>
+        </p:txBody>
+      </p:sp>
+      <p:sp>
+        <p:nvSpPr>
+          <p:cNvPr id="9" name="フリーフォーム 8"/>
+          <p:cNvSpPr/>
+          <p:nvPr/>
+        </p:nvSpPr>
+        <p:spPr>
+          <a:xfrm>
+            <a:off x="5476875" y="3514725"/>
+            <a:ext cx="5448300" cy="3238500"/>
+          </a:xfrm>
+          <a:custGeom>
+            <a:avLst/>
+            <a:gdLst>
+              <a:gd name="connsiteX0" fmla="*/ 2276475 w 5448300"/>
+              <a:gd name="connsiteY0" fmla="*/ 142875 h 3238500"/>
+              <a:gd name="connsiteX1" fmla="*/ 1743075 w 5448300"/>
+              <a:gd name="connsiteY1" fmla="*/ 133350 h 3238500"/>
+              <a:gd name="connsiteX2" fmla="*/ 1466850 w 5448300"/>
+              <a:gd name="connsiteY2" fmla="*/ 123825 h 3238500"/>
+              <a:gd name="connsiteX3" fmla="*/ 1057275 w 5448300"/>
+              <a:gd name="connsiteY3" fmla="*/ 133350 h 3238500"/>
+              <a:gd name="connsiteX4" fmla="*/ 962025 w 5448300"/>
+              <a:gd name="connsiteY4" fmla="*/ 142875 h 3238500"/>
+              <a:gd name="connsiteX5" fmla="*/ 857250 w 5448300"/>
+              <a:gd name="connsiteY5" fmla="*/ 161925 h 3238500"/>
+              <a:gd name="connsiteX6" fmla="*/ 819150 w 5448300"/>
+              <a:gd name="connsiteY6" fmla="*/ 171450 h 3238500"/>
+              <a:gd name="connsiteX7" fmla="*/ 771525 w 5448300"/>
+              <a:gd name="connsiteY7" fmla="*/ 180975 h 3238500"/>
+              <a:gd name="connsiteX8" fmla="*/ 676275 w 5448300"/>
+              <a:gd name="connsiteY8" fmla="*/ 209550 h 3238500"/>
+              <a:gd name="connsiteX9" fmla="*/ 647700 w 5448300"/>
+              <a:gd name="connsiteY9" fmla="*/ 219075 h 3238500"/>
+              <a:gd name="connsiteX10" fmla="*/ 533400 w 5448300"/>
+              <a:gd name="connsiteY10" fmla="*/ 295275 h 3238500"/>
+              <a:gd name="connsiteX11" fmla="*/ 504825 w 5448300"/>
+              <a:gd name="connsiteY11" fmla="*/ 314325 h 3238500"/>
+              <a:gd name="connsiteX12" fmla="*/ 476250 w 5448300"/>
+              <a:gd name="connsiteY12" fmla="*/ 333375 h 3238500"/>
+              <a:gd name="connsiteX13" fmla="*/ 428625 w 5448300"/>
+              <a:gd name="connsiteY13" fmla="*/ 381000 h 3238500"/>
+              <a:gd name="connsiteX14" fmla="*/ 371475 w 5448300"/>
+              <a:gd name="connsiteY14" fmla="*/ 466725 h 3238500"/>
+              <a:gd name="connsiteX15" fmla="*/ 352425 w 5448300"/>
+              <a:gd name="connsiteY15" fmla="*/ 495300 h 3238500"/>
+              <a:gd name="connsiteX16" fmla="*/ 304800 w 5448300"/>
+              <a:gd name="connsiteY16" fmla="*/ 552450 h 3238500"/>
+              <a:gd name="connsiteX17" fmla="*/ 295275 w 5448300"/>
+              <a:gd name="connsiteY17" fmla="*/ 581025 h 3238500"/>
+              <a:gd name="connsiteX18" fmla="*/ 276225 w 5448300"/>
+              <a:gd name="connsiteY18" fmla="*/ 609600 h 3238500"/>
+              <a:gd name="connsiteX19" fmla="*/ 266700 w 5448300"/>
+              <a:gd name="connsiteY19" fmla="*/ 638175 h 3238500"/>
+              <a:gd name="connsiteX20" fmla="*/ 247650 w 5448300"/>
+              <a:gd name="connsiteY20" fmla="*/ 666750 h 3238500"/>
+              <a:gd name="connsiteX21" fmla="*/ 219075 w 5448300"/>
+              <a:gd name="connsiteY21" fmla="*/ 762000 h 3238500"/>
+              <a:gd name="connsiteX22" fmla="*/ 200025 w 5448300"/>
+              <a:gd name="connsiteY22" fmla="*/ 819150 h 3238500"/>
+              <a:gd name="connsiteX23" fmla="*/ 190500 w 5448300"/>
+              <a:gd name="connsiteY23" fmla="*/ 857250 h 3238500"/>
+              <a:gd name="connsiteX24" fmla="*/ 180975 w 5448300"/>
+              <a:gd name="connsiteY24" fmla="*/ 885825 h 3238500"/>
+              <a:gd name="connsiteX25" fmla="*/ 161925 w 5448300"/>
+              <a:gd name="connsiteY25" fmla="*/ 962025 h 3238500"/>
+              <a:gd name="connsiteX26" fmla="*/ 142875 w 5448300"/>
+              <a:gd name="connsiteY26" fmla="*/ 1019175 h 3238500"/>
+              <a:gd name="connsiteX27" fmla="*/ 123825 w 5448300"/>
+              <a:gd name="connsiteY27" fmla="*/ 1095375 h 3238500"/>
+              <a:gd name="connsiteX28" fmla="*/ 95250 w 5448300"/>
+              <a:gd name="connsiteY28" fmla="*/ 1200150 h 3238500"/>
+              <a:gd name="connsiteX29" fmla="*/ 85725 w 5448300"/>
+              <a:gd name="connsiteY29" fmla="*/ 1228725 h 3238500"/>
+              <a:gd name="connsiteX30" fmla="*/ 66675 w 5448300"/>
+              <a:gd name="connsiteY30" fmla="*/ 1323975 h 3238500"/>
+              <a:gd name="connsiteX31" fmla="*/ 47625 w 5448300"/>
+              <a:gd name="connsiteY31" fmla="*/ 1400175 h 3238500"/>
+              <a:gd name="connsiteX32" fmla="*/ 28575 w 5448300"/>
+              <a:gd name="connsiteY32" fmla="*/ 1600200 h 3238500"/>
+              <a:gd name="connsiteX33" fmla="*/ 9525 w 5448300"/>
+              <a:gd name="connsiteY33" fmla="*/ 1771650 h 3238500"/>
+              <a:gd name="connsiteX34" fmla="*/ 0 w 5448300"/>
+              <a:gd name="connsiteY34" fmla="*/ 2047875 h 3238500"/>
+              <a:gd name="connsiteX35" fmla="*/ 9525 w 5448300"/>
+              <a:gd name="connsiteY35" fmla="*/ 2295525 h 3238500"/>
+              <a:gd name="connsiteX36" fmla="*/ 28575 w 5448300"/>
+              <a:gd name="connsiteY36" fmla="*/ 2371725 h 3238500"/>
+              <a:gd name="connsiteX37" fmla="*/ 57150 w 5448300"/>
+              <a:gd name="connsiteY37" fmla="*/ 2466975 h 3238500"/>
+              <a:gd name="connsiteX38" fmla="*/ 66675 w 5448300"/>
+              <a:gd name="connsiteY38" fmla="*/ 2495550 h 3238500"/>
+              <a:gd name="connsiteX39" fmla="*/ 76200 w 5448300"/>
+              <a:gd name="connsiteY39" fmla="*/ 2533650 h 3238500"/>
+              <a:gd name="connsiteX40" fmla="*/ 95250 w 5448300"/>
+              <a:gd name="connsiteY40" fmla="*/ 2590800 h 3238500"/>
+              <a:gd name="connsiteX41" fmla="*/ 123825 w 5448300"/>
+              <a:gd name="connsiteY41" fmla="*/ 2676525 h 3238500"/>
+              <a:gd name="connsiteX42" fmla="*/ 142875 w 5448300"/>
+              <a:gd name="connsiteY42" fmla="*/ 2733675 h 3238500"/>
+              <a:gd name="connsiteX43" fmla="*/ 152400 w 5448300"/>
+              <a:gd name="connsiteY43" fmla="*/ 2762250 h 3238500"/>
+              <a:gd name="connsiteX44" fmla="*/ 171450 w 5448300"/>
+              <a:gd name="connsiteY44" fmla="*/ 2800350 h 3238500"/>
+              <a:gd name="connsiteX45" fmla="*/ 190500 w 5448300"/>
+              <a:gd name="connsiteY45" fmla="*/ 2828925 h 3238500"/>
+              <a:gd name="connsiteX46" fmla="*/ 238125 w 5448300"/>
+              <a:gd name="connsiteY46" fmla="*/ 2914650 h 3238500"/>
+              <a:gd name="connsiteX47" fmla="*/ 257175 w 5448300"/>
+              <a:gd name="connsiteY47" fmla="*/ 2943225 h 3238500"/>
+              <a:gd name="connsiteX48" fmla="*/ 276225 w 5448300"/>
+              <a:gd name="connsiteY48" fmla="*/ 2971800 h 3238500"/>
+              <a:gd name="connsiteX49" fmla="*/ 304800 w 5448300"/>
+              <a:gd name="connsiteY49" fmla="*/ 3000375 h 3238500"/>
+              <a:gd name="connsiteX50" fmla="*/ 323850 w 5448300"/>
+              <a:gd name="connsiteY50" fmla="*/ 3028950 h 3238500"/>
+              <a:gd name="connsiteX51" fmla="*/ 381000 w 5448300"/>
+              <a:gd name="connsiteY51" fmla="*/ 3076575 h 3238500"/>
+              <a:gd name="connsiteX52" fmla="*/ 428625 w 5448300"/>
+              <a:gd name="connsiteY52" fmla="*/ 3114675 h 3238500"/>
+              <a:gd name="connsiteX53" fmla="*/ 457200 w 5448300"/>
+              <a:gd name="connsiteY53" fmla="*/ 3133725 h 3238500"/>
+              <a:gd name="connsiteX54" fmla="*/ 514350 w 5448300"/>
+              <a:gd name="connsiteY54" fmla="*/ 3152775 h 3238500"/>
+              <a:gd name="connsiteX55" fmla="*/ 542925 w 5448300"/>
+              <a:gd name="connsiteY55" fmla="*/ 3171825 h 3238500"/>
+              <a:gd name="connsiteX56" fmla="*/ 619125 w 5448300"/>
+              <a:gd name="connsiteY56" fmla="*/ 3190875 h 3238500"/>
+              <a:gd name="connsiteX57" fmla="*/ 647700 w 5448300"/>
+              <a:gd name="connsiteY57" fmla="*/ 3200400 h 3238500"/>
+              <a:gd name="connsiteX58" fmla="*/ 704850 w 5448300"/>
+              <a:gd name="connsiteY58" fmla="*/ 3209925 h 3238500"/>
+              <a:gd name="connsiteX59" fmla="*/ 819150 w 5448300"/>
+              <a:gd name="connsiteY59" fmla="*/ 3200400 h 3238500"/>
+              <a:gd name="connsiteX60" fmla="*/ 962025 w 5448300"/>
+              <a:gd name="connsiteY60" fmla="*/ 3181350 h 3238500"/>
+              <a:gd name="connsiteX61" fmla="*/ 1019175 w 5448300"/>
+              <a:gd name="connsiteY61" fmla="*/ 3162300 h 3238500"/>
+              <a:gd name="connsiteX62" fmla="*/ 1085850 w 5448300"/>
+              <a:gd name="connsiteY62" fmla="*/ 3143250 h 3238500"/>
+              <a:gd name="connsiteX63" fmla="*/ 1171575 w 5448300"/>
+              <a:gd name="connsiteY63" fmla="*/ 3105150 h 3238500"/>
+              <a:gd name="connsiteX64" fmla="*/ 1257300 w 5448300"/>
+              <a:gd name="connsiteY64" fmla="*/ 3076575 h 3238500"/>
+              <a:gd name="connsiteX65" fmla="*/ 1285875 w 5448300"/>
+              <a:gd name="connsiteY65" fmla="*/ 3067050 h 3238500"/>
+              <a:gd name="connsiteX66" fmla="*/ 1314450 w 5448300"/>
+              <a:gd name="connsiteY66" fmla="*/ 3057525 h 3238500"/>
+              <a:gd name="connsiteX67" fmla="*/ 1371600 w 5448300"/>
+              <a:gd name="connsiteY67" fmla="*/ 3028950 h 3238500"/>
+              <a:gd name="connsiteX68" fmla="*/ 1438275 w 5448300"/>
+              <a:gd name="connsiteY68" fmla="*/ 2990850 h 3238500"/>
+              <a:gd name="connsiteX69" fmla="*/ 1524000 w 5448300"/>
+              <a:gd name="connsiteY69" fmla="*/ 2933700 h 3238500"/>
+              <a:gd name="connsiteX70" fmla="*/ 1552575 w 5448300"/>
+              <a:gd name="connsiteY70" fmla="*/ 2914650 h 3238500"/>
+              <a:gd name="connsiteX71" fmla="*/ 1581150 w 5448300"/>
+              <a:gd name="connsiteY71" fmla="*/ 2895600 h 3238500"/>
+              <a:gd name="connsiteX72" fmla="*/ 1628775 w 5448300"/>
+              <a:gd name="connsiteY72" fmla="*/ 2857500 h 3238500"/>
+              <a:gd name="connsiteX73" fmla="*/ 1676400 w 5448300"/>
+              <a:gd name="connsiteY73" fmla="*/ 2819400 h 3238500"/>
+              <a:gd name="connsiteX74" fmla="*/ 1724025 w 5448300"/>
+              <a:gd name="connsiteY74" fmla="*/ 2781300 h 3238500"/>
+              <a:gd name="connsiteX75" fmla="*/ 1743075 w 5448300"/>
+              <a:gd name="connsiteY75" fmla="*/ 2752725 h 3238500"/>
+              <a:gd name="connsiteX76" fmla="*/ 1771650 w 5448300"/>
+              <a:gd name="connsiteY76" fmla="*/ 2733675 h 3238500"/>
+              <a:gd name="connsiteX77" fmla="*/ 1790700 w 5448300"/>
+              <a:gd name="connsiteY77" fmla="*/ 2705100 h 3238500"/>
+              <a:gd name="connsiteX78" fmla="*/ 1847850 w 5448300"/>
+              <a:gd name="connsiteY78" fmla="*/ 2657475 h 3238500"/>
+              <a:gd name="connsiteX79" fmla="*/ 1895475 w 5448300"/>
+              <a:gd name="connsiteY79" fmla="*/ 2609850 h 3238500"/>
+              <a:gd name="connsiteX80" fmla="*/ 1914525 w 5448300"/>
+              <a:gd name="connsiteY80" fmla="*/ 2581275 h 3238500"/>
+              <a:gd name="connsiteX81" fmla="*/ 1943100 w 5448300"/>
+              <a:gd name="connsiteY81" fmla="*/ 2552700 h 3238500"/>
+              <a:gd name="connsiteX82" fmla="*/ 1990725 w 5448300"/>
+              <a:gd name="connsiteY82" fmla="*/ 2505075 h 3238500"/>
+              <a:gd name="connsiteX83" fmla="*/ 2038350 w 5448300"/>
+              <a:gd name="connsiteY83" fmla="*/ 2466975 h 3238500"/>
+              <a:gd name="connsiteX84" fmla="*/ 2057400 w 5448300"/>
+              <a:gd name="connsiteY84" fmla="*/ 2438400 h 3238500"/>
+              <a:gd name="connsiteX85" fmla="*/ 2085975 w 5448300"/>
+              <a:gd name="connsiteY85" fmla="*/ 2419350 h 3238500"/>
+              <a:gd name="connsiteX86" fmla="*/ 2133600 w 5448300"/>
+              <a:gd name="connsiteY86" fmla="*/ 2371725 h 3238500"/>
+              <a:gd name="connsiteX87" fmla="*/ 2190750 w 5448300"/>
+              <a:gd name="connsiteY87" fmla="*/ 2324100 h 3238500"/>
+              <a:gd name="connsiteX88" fmla="*/ 2286000 w 5448300"/>
+              <a:gd name="connsiteY88" fmla="*/ 2295525 h 3238500"/>
+              <a:gd name="connsiteX89" fmla="*/ 2352675 w 5448300"/>
+              <a:gd name="connsiteY89" fmla="*/ 2286000 h 3238500"/>
+              <a:gd name="connsiteX90" fmla="*/ 2876550 w 5448300"/>
+              <a:gd name="connsiteY90" fmla="*/ 2295525 h 3238500"/>
+              <a:gd name="connsiteX91" fmla="*/ 2933700 w 5448300"/>
+              <a:gd name="connsiteY91" fmla="*/ 2305050 h 3238500"/>
+              <a:gd name="connsiteX92" fmla="*/ 3057525 w 5448300"/>
+              <a:gd name="connsiteY92" fmla="*/ 2324100 h 3238500"/>
+              <a:gd name="connsiteX93" fmla="*/ 3114675 w 5448300"/>
+              <a:gd name="connsiteY93" fmla="*/ 2343150 h 3238500"/>
+              <a:gd name="connsiteX94" fmla="*/ 3143250 w 5448300"/>
+              <a:gd name="connsiteY94" fmla="*/ 2352675 h 3238500"/>
+              <a:gd name="connsiteX95" fmla="*/ 3181350 w 5448300"/>
+              <a:gd name="connsiteY95" fmla="*/ 2362200 h 3238500"/>
+              <a:gd name="connsiteX96" fmla="*/ 3209925 w 5448300"/>
+              <a:gd name="connsiteY96" fmla="*/ 2381250 h 3238500"/>
+              <a:gd name="connsiteX97" fmla="*/ 3286125 w 5448300"/>
+              <a:gd name="connsiteY97" fmla="*/ 2419350 h 3238500"/>
+              <a:gd name="connsiteX98" fmla="*/ 3390900 w 5448300"/>
+              <a:gd name="connsiteY98" fmla="*/ 2505075 h 3238500"/>
+              <a:gd name="connsiteX99" fmla="*/ 3486150 w 5448300"/>
+              <a:gd name="connsiteY99" fmla="*/ 2581275 h 3238500"/>
+              <a:gd name="connsiteX100" fmla="*/ 3524250 w 5448300"/>
+              <a:gd name="connsiteY100" fmla="*/ 2600325 h 3238500"/>
+              <a:gd name="connsiteX101" fmla="*/ 3571875 w 5448300"/>
+              <a:gd name="connsiteY101" fmla="*/ 2638425 h 3238500"/>
+              <a:gd name="connsiteX102" fmla="*/ 3629025 w 5448300"/>
+              <a:gd name="connsiteY102" fmla="*/ 2667000 h 3238500"/>
+              <a:gd name="connsiteX103" fmla="*/ 3676650 w 5448300"/>
+              <a:gd name="connsiteY103" fmla="*/ 2705100 h 3238500"/>
+              <a:gd name="connsiteX104" fmla="*/ 3724275 w 5448300"/>
+              <a:gd name="connsiteY104" fmla="*/ 2733675 h 3238500"/>
+              <a:gd name="connsiteX105" fmla="*/ 3752850 w 5448300"/>
+              <a:gd name="connsiteY105" fmla="*/ 2762250 h 3238500"/>
+              <a:gd name="connsiteX106" fmla="*/ 3838575 w 5448300"/>
+              <a:gd name="connsiteY106" fmla="*/ 2819400 h 3238500"/>
+              <a:gd name="connsiteX107" fmla="*/ 3876675 w 5448300"/>
+              <a:gd name="connsiteY107" fmla="*/ 2847975 h 3238500"/>
+              <a:gd name="connsiteX108" fmla="*/ 3933825 w 5448300"/>
+              <a:gd name="connsiteY108" fmla="*/ 2895600 h 3238500"/>
+              <a:gd name="connsiteX109" fmla="*/ 4019550 w 5448300"/>
+              <a:gd name="connsiteY109" fmla="*/ 2952750 h 3238500"/>
+              <a:gd name="connsiteX110" fmla="*/ 4057650 w 5448300"/>
+              <a:gd name="connsiteY110" fmla="*/ 2981325 h 3238500"/>
+              <a:gd name="connsiteX111" fmla="*/ 4086225 w 5448300"/>
+              <a:gd name="connsiteY111" fmla="*/ 3009900 h 3238500"/>
+              <a:gd name="connsiteX112" fmla="*/ 4124325 w 5448300"/>
+              <a:gd name="connsiteY112" fmla="*/ 3028950 h 3238500"/>
+              <a:gd name="connsiteX113" fmla="*/ 4229100 w 5448300"/>
+              <a:gd name="connsiteY113" fmla="*/ 3095625 h 3238500"/>
+              <a:gd name="connsiteX114" fmla="*/ 4267200 w 5448300"/>
+              <a:gd name="connsiteY114" fmla="*/ 3114675 h 3238500"/>
+              <a:gd name="connsiteX115" fmla="*/ 4295775 w 5448300"/>
+              <a:gd name="connsiteY115" fmla="*/ 3124200 h 3238500"/>
+              <a:gd name="connsiteX116" fmla="*/ 4324350 w 5448300"/>
+              <a:gd name="connsiteY116" fmla="*/ 3143250 h 3238500"/>
+              <a:gd name="connsiteX117" fmla="*/ 4362450 w 5448300"/>
+              <a:gd name="connsiteY117" fmla="*/ 3152775 h 3238500"/>
+              <a:gd name="connsiteX118" fmla="*/ 4419600 w 5448300"/>
+              <a:gd name="connsiteY118" fmla="*/ 3171825 h 3238500"/>
+              <a:gd name="connsiteX119" fmla="*/ 4533900 w 5448300"/>
+              <a:gd name="connsiteY119" fmla="*/ 3209925 h 3238500"/>
+              <a:gd name="connsiteX120" fmla="*/ 4562475 w 5448300"/>
+              <a:gd name="connsiteY120" fmla="*/ 3219450 h 3238500"/>
+              <a:gd name="connsiteX121" fmla="*/ 4714875 w 5448300"/>
+              <a:gd name="connsiteY121" fmla="*/ 3238500 h 3238500"/>
+              <a:gd name="connsiteX122" fmla="*/ 4943475 w 5448300"/>
+              <a:gd name="connsiteY122" fmla="*/ 3219450 h 3238500"/>
+              <a:gd name="connsiteX123" fmla="*/ 4981575 w 5448300"/>
+              <a:gd name="connsiteY123" fmla="*/ 3209925 h 3238500"/>
+              <a:gd name="connsiteX124" fmla="*/ 5057775 w 5448300"/>
+              <a:gd name="connsiteY124" fmla="*/ 3171825 h 3238500"/>
+              <a:gd name="connsiteX125" fmla="*/ 5114925 w 5448300"/>
+              <a:gd name="connsiteY125" fmla="*/ 3133725 h 3238500"/>
+              <a:gd name="connsiteX126" fmla="*/ 5153025 w 5448300"/>
+              <a:gd name="connsiteY126" fmla="*/ 3076575 h 3238500"/>
+              <a:gd name="connsiteX127" fmla="*/ 5181600 w 5448300"/>
+              <a:gd name="connsiteY127" fmla="*/ 3048000 h 3238500"/>
+              <a:gd name="connsiteX128" fmla="*/ 5229225 w 5448300"/>
+              <a:gd name="connsiteY128" fmla="*/ 2943225 h 3238500"/>
+              <a:gd name="connsiteX129" fmla="*/ 5248275 w 5448300"/>
+              <a:gd name="connsiteY129" fmla="*/ 2905125 h 3238500"/>
+              <a:gd name="connsiteX130" fmla="*/ 5267325 w 5448300"/>
+              <a:gd name="connsiteY130" fmla="*/ 2828925 h 3238500"/>
+              <a:gd name="connsiteX131" fmla="*/ 5305425 w 5448300"/>
+              <a:gd name="connsiteY131" fmla="*/ 2733675 h 3238500"/>
+              <a:gd name="connsiteX132" fmla="*/ 5314950 w 5448300"/>
+              <a:gd name="connsiteY132" fmla="*/ 2686050 h 3238500"/>
+              <a:gd name="connsiteX133" fmla="*/ 5334000 w 5448300"/>
+              <a:gd name="connsiteY133" fmla="*/ 2638425 h 3238500"/>
+              <a:gd name="connsiteX134" fmla="*/ 5343525 w 5448300"/>
+              <a:gd name="connsiteY134" fmla="*/ 2600325 h 3238500"/>
+              <a:gd name="connsiteX135" fmla="*/ 5362575 w 5448300"/>
+              <a:gd name="connsiteY135" fmla="*/ 2543175 h 3238500"/>
+              <a:gd name="connsiteX136" fmla="*/ 5381625 w 5448300"/>
+              <a:gd name="connsiteY136" fmla="*/ 2428875 h 3238500"/>
+              <a:gd name="connsiteX137" fmla="*/ 5391150 w 5448300"/>
+              <a:gd name="connsiteY137" fmla="*/ 2381250 h 3238500"/>
+              <a:gd name="connsiteX138" fmla="*/ 5410200 w 5448300"/>
+              <a:gd name="connsiteY138" fmla="*/ 1847850 h 3238500"/>
+              <a:gd name="connsiteX139" fmla="*/ 5419725 w 5448300"/>
+              <a:gd name="connsiteY139" fmla="*/ 1771650 h 3238500"/>
+              <a:gd name="connsiteX140" fmla="*/ 5448300 w 5448300"/>
+              <a:gd name="connsiteY140" fmla="*/ 1581150 h 3238500"/>
+              <a:gd name="connsiteX141" fmla="*/ 5438775 w 5448300"/>
+              <a:gd name="connsiteY141" fmla="*/ 1200150 h 3238500"/>
+              <a:gd name="connsiteX142" fmla="*/ 5410200 w 5448300"/>
+              <a:gd name="connsiteY142" fmla="*/ 1066800 h 3238500"/>
+              <a:gd name="connsiteX143" fmla="*/ 5381625 w 5448300"/>
+              <a:gd name="connsiteY143" fmla="*/ 933450 h 3238500"/>
+              <a:gd name="connsiteX144" fmla="*/ 5372100 w 5448300"/>
+              <a:gd name="connsiteY144" fmla="*/ 895350 h 3238500"/>
+              <a:gd name="connsiteX145" fmla="*/ 5353050 w 5448300"/>
+              <a:gd name="connsiteY145" fmla="*/ 857250 h 3238500"/>
+              <a:gd name="connsiteX146" fmla="*/ 5334000 w 5448300"/>
+              <a:gd name="connsiteY146" fmla="*/ 800100 h 3238500"/>
+              <a:gd name="connsiteX147" fmla="*/ 5314950 w 5448300"/>
+              <a:gd name="connsiteY147" fmla="*/ 771525 h 3238500"/>
+              <a:gd name="connsiteX148" fmla="*/ 5257800 w 5448300"/>
+              <a:gd name="connsiteY148" fmla="*/ 685800 h 3238500"/>
+              <a:gd name="connsiteX149" fmla="*/ 5219700 w 5448300"/>
+              <a:gd name="connsiteY149" fmla="*/ 628650 h 3238500"/>
+              <a:gd name="connsiteX150" fmla="*/ 5200650 w 5448300"/>
+              <a:gd name="connsiteY150" fmla="*/ 590550 h 3238500"/>
+              <a:gd name="connsiteX151" fmla="*/ 5162550 w 5448300"/>
+              <a:gd name="connsiteY151" fmla="*/ 523875 h 3238500"/>
+              <a:gd name="connsiteX152" fmla="*/ 5133975 w 5448300"/>
+              <a:gd name="connsiteY152" fmla="*/ 485775 h 3238500"/>
+              <a:gd name="connsiteX153" fmla="*/ 5076825 w 5448300"/>
+              <a:gd name="connsiteY153" fmla="*/ 390525 h 3238500"/>
+              <a:gd name="connsiteX154" fmla="*/ 5038725 w 5448300"/>
+              <a:gd name="connsiteY154" fmla="*/ 352425 h 3238500"/>
+              <a:gd name="connsiteX155" fmla="*/ 5019675 w 5448300"/>
+              <a:gd name="connsiteY155" fmla="*/ 323850 h 3238500"/>
+              <a:gd name="connsiteX156" fmla="*/ 4962525 w 5448300"/>
+              <a:gd name="connsiteY156" fmla="*/ 266700 h 3238500"/>
+              <a:gd name="connsiteX157" fmla="*/ 4943475 w 5448300"/>
+              <a:gd name="connsiteY157" fmla="*/ 238125 h 3238500"/>
+              <a:gd name="connsiteX158" fmla="*/ 4914900 w 5448300"/>
+              <a:gd name="connsiteY158" fmla="*/ 219075 h 3238500"/>
+              <a:gd name="connsiteX159" fmla="*/ 4848225 w 5448300"/>
+              <a:gd name="connsiteY159" fmla="*/ 171450 h 3238500"/>
+              <a:gd name="connsiteX160" fmla="*/ 4752975 w 5448300"/>
+              <a:gd name="connsiteY160" fmla="*/ 123825 h 3238500"/>
+              <a:gd name="connsiteX161" fmla="*/ 4648200 w 5448300"/>
+              <a:gd name="connsiteY161" fmla="*/ 76200 h 3238500"/>
+              <a:gd name="connsiteX162" fmla="*/ 4600575 w 5448300"/>
+              <a:gd name="connsiteY162" fmla="*/ 66675 h 3238500"/>
+              <a:gd name="connsiteX163" fmla="*/ 4467225 w 5448300"/>
+              <a:gd name="connsiteY163" fmla="*/ 28575 h 3238500"/>
+              <a:gd name="connsiteX164" fmla="*/ 4381500 w 5448300"/>
+              <a:gd name="connsiteY164" fmla="*/ 19050 h 3238500"/>
+              <a:gd name="connsiteX165" fmla="*/ 4257675 w 5448300"/>
+              <a:gd name="connsiteY165" fmla="*/ 0 h 3238500"/>
+              <a:gd name="connsiteX166" fmla="*/ 3962400 w 5448300"/>
+              <a:gd name="connsiteY166" fmla="*/ 9525 h 3238500"/>
+              <a:gd name="connsiteX167" fmla="*/ 3781425 w 5448300"/>
+              <a:gd name="connsiteY167" fmla="*/ 28575 h 3238500"/>
+              <a:gd name="connsiteX168" fmla="*/ 3505200 w 5448300"/>
+              <a:gd name="connsiteY168" fmla="*/ 47625 h 3238500"/>
+              <a:gd name="connsiteX169" fmla="*/ 3371850 w 5448300"/>
+              <a:gd name="connsiteY169" fmla="*/ 57150 h 3238500"/>
+              <a:gd name="connsiteX170" fmla="*/ 3171825 w 5448300"/>
+              <a:gd name="connsiteY170" fmla="*/ 66675 h 3238500"/>
+              <a:gd name="connsiteX171" fmla="*/ 3009900 w 5448300"/>
+              <a:gd name="connsiteY171" fmla="*/ 76200 h 3238500"/>
+              <a:gd name="connsiteX172" fmla="*/ 2647950 w 5448300"/>
+              <a:gd name="connsiteY172" fmla="*/ 95250 h 3238500"/>
+              <a:gd name="connsiteX173" fmla="*/ 2486025 w 5448300"/>
+              <a:gd name="connsiteY173" fmla="*/ 114300 h 3238500"/>
+              <a:gd name="connsiteX174" fmla="*/ 2409825 w 5448300"/>
+              <a:gd name="connsiteY174" fmla="*/ 133350 h 3238500"/>
+              <a:gd name="connsiteX175" fmla="*/ 2276475 w 5448300"/>
+              <a:gd name="connsiteY175" fmla="*/ 142875 h 3238500"/>
+            </a:gdLst>
+            <a:ahLst/>
+            <a:cxnLst>
+              <a:cxn ang="0">
+                <a:pos x="connsiteX0" y="connsiteY0"/>
+              </a:cxn>
+              <a:cxn ang="0">
+                <a:pos x="connsiteX1" y="connsiteY1"/>
+              </a:cxn>
+              <a:cxn ang="0">
+                <a:pos x="connsiteX2" y="connsiteY2"/>
+              </a:cxn>
+              <a:cxn ang="0">
+                <a:pos x="connsiteX3" y="connsiteY3"/>
+              </a:cxn>
+              <a:cxn ang="0">
+                <a:pos x="connsiteX4" y="connsiteY4"/>
+              </a:cxn>
+              <a:cxn ang="0">
+                <a:pos x="connsiteX5" y="connsiteY5"/>
+              </a:cxn>
+              <a:cxn ang="0">
+                <a:pos x="connsiteX6" y="connsiteY6"/>
+              </a:cxn>
+              <a:cxn ang="0">
+                <a:pos x="connsiteX7" y="connsiteY7"/>
+              </a:cxn>
+              <a:cxn ang="0">
+                <a:pos x="connsiteX8" y="connsiteY8"/>
+              </a:cxn>
+              <a:cxn ang="0">
+                <a:pos x="connsiteX9" y="connsiteY9"/>
+              </a:cxn>
+              <a:cxn ang="0">
+                <a:pos x="connsiteX10" y="connsiteY10"/>
+              </a:cxn>
+              <a:cxn ang="0">
+                <a:pos x="connsiteX11" y="connsiteY11"/>
+              </a:cxn>
+              <a:cxn ang="0">
+                <a:pos x="connsiteX12" y="connsiteY12"/>
+              </a:cxn>
+              <a:cxn ang="0">
+                <a:pos x="connsiteX13" y="connsiteY13"/>
+              </a:cxn>
+              <a:cxn ang="0">
+                <a:pos x="connsiteX14" y="connsiteY14"/>
+              </a:cxn>
+              <a:cxn ang="0">
+                <a:pos x="connsiteX15" y="connsiteY15"/>
+              </a:cxn>
+              <a:cxn ang="0">
+                <a:pos x="connsiteX16" y="connsiteY16"/>
+              </a:cxn>
+              <a:cxn ang="0">
+                <a:pos x="connsiteX17" y="connsiteY17"/>
+              </a:cxn>
+              <a:cxn ang="0">
+                <a:pos x="connsiteX18" y="connsiteY18"/>
+              </a:cxn>
+              <a:cxn ang="0">
+                <a:pos x="connsiteX19" y="connsiteY19"/>
+              </a:cxn>
+              <a:cxn ang="0">
+                <a:pos x="connsiteX20" y="connsiteY20"/>
+              </a:cxn>
+              <a:cxn ang="0">
+                <a:pos x="connsiteX21" y="connsiteY21"/>
+              </a:cxn>
+              <a:cxn ang="0">
+                <a:pos x="connsiteX22" y="connsiteY22"/>
+              </a:cxn>
+              <a:cxn ang="0">
+                <a:pos x="connsiteX23" y="connsiteY23"/>
+              </a:cxn>
+              <a:cxn ang="0">
+                <a:pos x="connsiteX24" y="connsiteY24"/>
+              </a:cxn>
+              <a:cxn ang="0">
+                <a:pos x="connsiteX25" y="connsiteY25"/>
+              </a:cxn>
+              <a:cxn ang="0">
+                <a:pos x="connsiteX26" y="connsiteY26"/>
+              </a:cxn>
+              <a:cxn ang="0">
+                <a:pos x="connsiteX27" y="connsiteY27"/>
+              </a:cxn>
+              <a:cxn ang="0">
+                <a:pos x="connsiteX28" y="connsiteY28"/>
+              </a:cxn>
+              <a:cxn ang="0">
+                <a:pos x="connsiteX29" y="connsiteY29"/>
+              </a:cxn>
+              <a:cxn ang="0">
+                <a:pos x="connsiteX30" y="connsiteY30"/>
+              </a:cxn>
+              <a:cxn ang="0">
+                <a:pos x="connsiteX31" y="connsiteY31"/>
+              </a:cxn>
+              <a:cxn ang="0">
+                <a:pos x="connsiteX32" y="connsiteY32"/>
+              </a:cxn>
+              <a:cxn ang="0">
+                <a:pos x="connsiteX33" y="connsiteY33"/>
+              </a:cxn>
+              <a:cxn ang="0">
+                <a:pos x="connsiteX34" y="connsiteY34"/>
+              </a:cxn>
+              <a:cxn ang="0">
+                <a:pos x="connsiteX35" y="connsiteY35"/>
+              </a:cxn>
+              <a:cxn ang="0">
+                <a:pos x="connsiteX36" y="connsiteY36"/>
+              </a:cxn>
+              <a:cxn ang="0">
+                <a:pos x="connsiteX37" y="connsiteY37"/>
+              </a:cxn>
+              <a:cxn ang="0">
+                <a:pos x="connsiteX38" y="connsiteY38"/>
+              </a:cxn>
+              <a:cxn ang="0">
+                <a:pos x="connsiteX39" y="connsiteY39"/>
+              </a:cxn>
+              <a:cxn ang="0">
+                <a:pos x="connsiteX40" y="connsiteY40"/>
+              </a:cxn>
+              <a:cxn ang="0">
+                <a:pos x="connsiteX41" y="connsiteY41"/>
+              </a:cxn>
+              <a:cxn ang="0">
+                <a:pos x="connsiteX42" y="connsiteY42"/>
+              </a:cxn>
+              <a:cxn ang="0">
+                <a:pos x="connsiteX43" y="connsiteY43"/>
+              </a:cxn>
+              <a:cxn ang="0">
+                <a:pos x="connsiteX44" y="connsiteY44"/>
+              </a:cxn>
+              <a:cxn ang="0">
+                <a:pos x="connsiteX45" y="connsiteY45"/>
+              </a:cxn>
+              <a:cxn ang="0">
+                <a:pos x="connsiteX46" y="connsiteY46"/>
+              </a:cxn>
+              <a:cxn ang="0">
+                <a:pos x="connsiteX47" y="connsiteY47"/>
+              </a:cxn>
+              <a:cxn ang="0">
+                <a:pos x="connsiteX48" y="connsiteY48"/>
+              </a:cxn>
+              <a:cxn ang="0">
+                <a:pos x="connsiteX49" y="connsiteY49"/>
+              </a:cxn>
+              <a:cxn ang="0">
+                <a:pos x="connsiteX50" y="connsiteY50"/>
+              </a:cxn>
+              <a:cxn ang="0">
+                <a:pos x="connsiteX51" y="connsiteY51"/>
+              </a:cxn>
+              <a:cxn ang="0">
+                <a:pos x="connsiteX52" y="connsiteY52"/>
+              </a:cxn>
+              <a:cxn ang="0">
+                <a:pos x="connsiteX53" y="connsiteY53"/>
+              </a:cxn>
+              <a:cxn ang="0">
+                <a:pos x="connsiteX54" y="connsiteY54"/>
+              </a:cxn>
+              <a:cxn ang="0">
+                <a:pos x="connsiteX55" y="connsiteY55"/>
+              </a:cxn>
+              <a:cxn ang="0">
+                <a:pos x="connsiteX56" y="connsiteY56"/>
+              </a:cxn>
+              <a:cxn ang="0">
+                <a:pos x="connsiteX57" y="connsiteY57"/>
+              </a:cxn>
+              <a:cxn ang="0">
+                <a:pos x="connsiteX58" y="connsiteY58"/>
+              </a:cxn>
+              <a:cxn ang="0">
+                <a:pos x="connsiteX59" y="connsiteY59"/>
+              </a:cxn>
+              <a:cxn ang="0">
+                <a:pos x="connsiteX60" y="connsiteY60"/>
+              </a:cxn>
+              <a:cxn ang="0">
+                <a:pos x="connsiteX61" y="connsiteY61"/>
+              </a:cxn>
+              <a:cxn ang="0">
+                <a:pos x="connsiteX62" y="connsiteY62"/>
+              </a:cxn>
+              <a:cxn ang="0">
+                <a:pos x="connsiteX63" y="connsiteY63"/>
+              </a:cxn>
+              <a:cxn ang="0">
+                <a:pos x="connsiteX64" y="connsiteY64"/>
+              </a:cxn>
+              <a:cxn ang="0">
+                <a:pos x="connsiteX65" y="connsiteY65"/>
+              </a:cxn>
+              <a:cxn ang="0">
+                <a:pos x="connsiteX66" y="connsiteY66"/>
+              </a:cxn>
+              <a:cxn ang="0">
+                <a:pos x="connsiteX67" y="connsiteY67"/>
+              </a:cxn>
+              <a:cxn ang="0">
+                <a:pos x="connsiteX68" y="connsiteY68"/>
+              </a:cxn>
+              <a:cxn ang="0">
+                <a:pos x="connsiteX69" y="connsiteY69"/>
+              </a:cxn>
+              <a:cxn ang="0">
+                <a:pos x="connsiteX70" y="connsiteY70"/>
+              </a:cxn>
+              <a:cxn ang="0">
+                <a:pos x="connsiteX71" y="connsiteY71"/>
+              </a:cxn>
+              <a:cxn ang="0">
+                <a:pos x="connsiteX72" y="connsiteY72"/>
+              </a:cxn>
+              <a:cxn ang="0">
+                <a:pos x="connsiteX73" y="connsiteY73"/>
+              </a:cxn>
+              <a:cxn ang="0">
+                <a:pos x="connsiteX74" y="connsiteY74"/>
+              </a:cxn>
+              <a:cxn ang="0">
+                <a:pos x="connsiteX75" y="connsiteY75"/>
+              </a:cxn>
+              <a:cxn ang="0">
+                <a:pos x="connsiteX76" y="connsiteY76"/>
+              </a:cxn>
+              <a:cxn ang="0">
+                <a:pos x="connsiteX77" y="connsiteY77"/>
+              </a:cxn>
+              <a:cxn ang="0">
+                <a:pos x="connsiteX78" y="connsiteY78"/>
+              </a:cxn>
+              <a:cxn ang="0">
+                <a:pos x="connsiteX79" y="connsiteY79"/>
+              </a:cxn>
+              <a:cxn ang="0">
+                <a:pos x="connsiteX80" y="connsiteY80"/>
+              </a:cxn>
+              <a:cxn ang="0">
+                <a:pos x="connsiteX81" y="connsiteY81"/>
+              </a:cxn>
+              <a:cxn ang="0">
+                <a:pos x="connsiteX82" y="connsiteY82"/>
+              </a:cxn>
+              <a:cxn ang="0">
+                <a:pos x="connsiteX83" y="connsiteY83"/>
+              </a:cxn>
+              <a:cxn ang="0">
+                <a:pos x="connsiteX84" y="connsiteY84"/>
+              </a:cxn>
+              <a:cxn ang="0">
+                <a:pos x="connsiteX85" y="connsiteY85"/>
+              </a:cxn>
+              <a:cxn ang="0">
+                <a:pos x="connsiteX86" y="connsiteY86"/>
+              </a:cxn>
+              <a:cxn ang="0">
+                <a:pos x="connsiteX87" y="connsiteY87"/>
+              </a:cxn>
+              <a:cxn ang="0">
+                <a:pos x="connsiteX88" y="connsiteY88"/>
+              </a:cxn>
+              <a:cxn ang="0">
+                <a:pos x="connsiteX89" y="connsiteY89"/>
+              </a:cxn>
+              <a:cxn ang="0">
+                <a:pos x="connsiteX90" y="connsiteY90"/>
+              </a:cxn>
+              <a:cxn ang="0">
+                <a:pos x="connsiteX91" y="connsiteY91"/>
+              </a:cxn>
+              <a:cxn ang="0">
+                <a:pos x="connsiteX92" y="connsiteY92"/>
+              </a:cxn>
+              <a:cxn ang="0">
+                <a:pos x="connsiteX93" y="connsiteY93"/>
+              </a:cxn>
+              <a:cxn ang="0">
+                <a:pos x="connsiteX94" y="connsiteY94"/>
+              </a:cxn>
+              <a:cxn ang="0">
+                <a:pos x="connsiteX95" y="connsiteY95"/>
+              </a:cxn>
+              <a:cxn ang="0">
+                <a:pos x="connsiteX96" y="connsiteY96"/>
+              </a:cxn>
+              <a:cxn ang="0">
+                <a:pos x="connsiteX97" y="connsiteY97"/>
+              </a:cxn>
+              <a:cxn ang="0">
+                <a:pos x="connsiteX98" y="connsiteY98"/>
+              </a:cxn>
+              <a:cxn ang="0">
+                <a:pos x="connsiteX99" y="connsiteY99"/>
+              </a:cxn>
+              <a:cxn ang="0">
+                <a:pos x="connsiteX100" y="connsiteY100"/>
+              </a:cxn>
+              <a:cxn ang="0">
+                <a:pos x="connsiteX101" y="connsiteY101"/>
+              </a:cxn>
+              <a:cxn ang="0">
+                <a:pos x="connsiteX102" y="connsiteY102"/>
+              </a:cxn>
+              <a:cxn ang="0">
+                <a:pos x="connsiteX103" y="connsiteY103"/>
+              </a:cxn>
+              <a:cxn ang="0">
+                <a:pos x="connsiteX104" y="connsiteY104"/>
+              </a:cxn>
+              <a:cxn ang="0">
+                <a:pos x="connsiteX105" y="connsiteY105"/>
+              </a:cxn>
+              <a:cxn ang="0">
+                <a:pos x="connsiteX106" y="connsiteY106"/>
+              </a:cxn>
+              <a:cxn ang="0">
+                <a:pos x="connsiteX107" y="connsiteY107"/>
+              </a:cxn>
+              <a:cxn ang="0">
+                <a:pos x="connsiteX108" y="connsiteY108"/>
+              </a:cxn>
+              <a:cxn ang="0">
+                <a:pos x="connsiteX109" y="connsiteY109"/>
+              </a:cxn>
+              <a:cxn ang="0">
+                <a:pos x="connsiteX110" y="connsiteY110"/>
+              </a:cxn>
+              <a:cxn ang="0">
+                <a:pos x="connsiteX111" y="connsiteY111"/>
+              </a:cxn>
+              <a:cxn ang="0">
+                <a:pos x="connsiteX112" y="connsiteY112"/>
+              </a:cxn>
+              <a:cxn ang="0">
+                <a:pos x="connsiteX113" y="connsiteY113"/>
+              </a:cxn>
+              <a:cxn ang="0">
+                <a:pos x="connsiteX114" y="connsiteY114"/>
+              </a:cxn>
+              <a:cxn ang="0">
+                <a:pos x="connsiteX115" y="connsiteY115"/>
+              </a:cxn>
+              <a:cxn ang="0">
+                <a:pos x="connsiteX116" y="connsiteY116"/>
+              </a:cxn>
+              <a:cxn ang="0">
+                <a:pos x="connsiteX117" y="connsiteY117"/>
+              </a:cxn>
+              <a:cxn ang="0">
+                <a:pos x="connsiteX118" y="connsiteY118"/>
+              </a:cxn>
+              <a:cxn ang="0">
+                <a:pos x="connsiteX119" y="connsiteY119"/>
+              </a:cxn>
+              <a:cxn ang="0">
+                <a:pos x="connsiteX120" y="connsiteY120"/>
+              </a:cxn>
+              <a:cxn ang="0">
+                <a:pos x="connsiteX121" y="connsiteY121"/>
+              </a:cxn>
+              <a:cxn ang="0">
+                <a:pos x="connsiteX122" y="connsiteY122"/>
+              </a:cxn>
+              <a:cxn ang="0">
+                <a:pos x="connsiteX123" y="connsiteY123"/>
+              </a:cxn>
+              <a:cxn ang="0">
+                <a:pos x="connsiteX124" y="connsiteY124"/>
+              </a:cxn>
+              <a:cxn ang="0">
+                <a:pos x="connsiteX125" y="connsiteY125"/>
+              </a:cxn>
+              <a:cxn ang="0">
+                <a:pos x="connsiteX126" y="connsiteY126"/>
+              </a:cxn>
+              <a:cxn ang="0">
+                <a:pos x="connsiteX127" y="connsiteY127"/>
+              </a:cxn>
+              <a:cxn ang="0">
+                <a:pos x="connsiteX128" y="connsiteY128"/>
+              </a:cxn>
+              <a:cxn ang="0">
+                <a:pos x="connsiteX129" y="connsiteY129"/>
+              </a:cxn>
+              <a:cxn ang="0">
+                <a:pos x="connsiteX130" y="connsiteY130"/>
+              </a:cxn>
+              <a:cxn ang="0">
+                <a:pos x="connsiteX131" y="connsiteY131"/>
+              </a:cxn>
+              <a:cxn ang="0">
+                <a:pos x="connsiteX132" y="connsiteY132"/>
+              </a:cxn>
+              <a:cxn ang="0">
+                <a:pos x="connsiteX133" y="connsiteY133"/>
+              </a:cxn>
+              <a:cxn ang="0">
+                <a:pos x="connsiteX134" y="connsiteY134"/>
+              </a:cxn>
+              <a:cxn ang="0">
+                <a:pos x="connsiteX135" y="connsiteY135"/>
+              </a:cxn>
+              <a:cxn ang="0">
+                <a:pos x="connsiteX136" y="connsiteY136"/>
+              </a:cxn>
+              <a:cxn ang="0">
+                <a:pos x="connsiteX137" y="connsiteY137"/>
+              </a:cxn>
+              <a:cxn ang="0">
+                <a:pos x="connsiteX138" y="connsiteY138"/>
+              </a:cxn>
+              <a:cxn ang="0">
+                <a:pos x="connsiteX139" y="connsiteY139"/>
+              </a:cxn>
+              <a:cxn ang="0">
+                <a:pos x="connsiteX140" y="connsiteY140"/>
+              </a:cxn>
+              <a:cxn ang="0">
+                <a:pos x="connsiteX141" y="connsiteY141"/>
+              </a:cxn>
+              <a:cxn ang="0">
+                <a:pos x="connsiteX142" y="connsiteY142"/>
+              </a:cxn>
+              <a:cxn ang="0">
+                <a:pos x="connsiteX143" y="connsiteY143"/>
+              </a:cxn>
+              <a:cxn ang="0">
+                <a:pos x="connsiteX144" y="connsiteY144"/>
+              </a:cxn>
+              <a:cxn ang="0">
+                <a:pos x="connsiteX145" y="connsiteY145"/>
+              </a:cxn>
+              <a:cxn ang="0">
+                <a:pos x="connsiteX146" y="connsiteY146"/>
+              </a:cxn>
+              <a:cxn ang="0">
+                <a:pos x="connsiteX147" y="connsiteY147"/>
+              </a:cxn>
+              <a:cxn ang="0">
+                <a:pos x="connsiteX148" y="connsiteY148"/>
+              </a:cxn>
+              <a:cxn ang="0">
+                <a:pos x="connsiteX149" y="connsiteY149"/>
+              </a:cxn>
+              <a:cxn ang="0">
+                <a:pos x="connsiteX150" y="connsiteY150"/>
+              </a:cxn>
+              <a:cxn ang="0">
+                <a:pos x="connsiteX151" y="connsiteY151"/>
+              </a:cxn>
+              <a:cxn ang="0">
+                <a:pos x="connsiteX152" y="connsiteY152"/>
+              </a:cxn>
+              <a:cxn ang="0">
+                <a:pos x="connsiteX153" y="connsiteY153"/>
+              </a:cxn>
+              <a:cxn ang="0">
+                <a:pos x="connsiteX154" y="connsiteY154"/>
+              </a:cxn>
+              <a:cxn ang="0">
+                <a:pos x="connsiteX155" y="connsiteY155"/>
+              </a:cxn>
+              <a:cxn ang="0">
+                <a:pos x="connsiteX156" y="connsiteY156"/>
+              </a:cxn>
+              <a:cxn ang="0">
+                <a:pos x="connsiteX157" y="connsiteY157"/>
+              </a:cxn>
+              <a:cxn ang="0">
+                <a:pos x="connsiteX158" y="connsiteY158"/>
+              </a:cxn>
+              <a:cxn ang="0">
+                <a:pos x="connsiteX159" y="connsiteY159"/>
+              </a:cxn>
+              <a:cxn ang="0">
+                <a:pos x="connsiteX160" y="connsiteY160"/>
+              </a:cxn>
+              <a:cxn ang="0">
+                <a:pos x="connsiteX161" y="connsiteY161"/>
+              </a:cxn>
+              <a:cxn ang="0">
+                <a:pos x="connsiteX162" y="connsiteY162"/>
+              </a:cxn>
+              <a:cxn ang="0">
+                <a:pos x="connsiteX163" y="connsiteY163"/>
+              </a:cxn>
+              <a:cxn ang="0">
+                <a:pos x="connsiteX164" y="connsiteY164"/>
+              </a:cxn>
+              <a:cxn ang="0">
+                <a:pos x="connsiteX165" y="connsiteY165"/>
+              </a:cxn>
+              <a:cxn ang="0">
+                <a:pos x="connsiteX166" y="connsiteY166"/>
+              </a:cxn>
+              <a:cxn ang="0">
+                <a:pos x="connsiteX167" y="connsiteY167"/>
+              </a:cxn>
+              <a:cxn ang="0">
+                <a:pos x="connsiteX168" y="connsiteY168"/>
+              </a:cxn>
+              <a:cxn ang="0">
+                <a:pos x="connsiteX169" y="connsiteY169"/>
+              </a:cxn>
+              <a:cxn ang="0">
+                <a:pos x="connsiteX170" y="connsiteY170"/>
+              </a:cxn>
+              <a:cxn ang="0">
+                <a:pos x="connsiteX171" y="connsiteY171"/>
+              </a:cxn>
+              <a:cxn ang="0">
+                <a:pos x="connsiteX172" y="connsiteY172"/>
+              </a:cxn>
+              <a:cxn ang="0">
+                <a:pos x="connsiteX173" y="connsiteY173"/>
+              </a:cxn>
+              <a:cxn ang="0">
+                <a:pos x="connsiteX174" y="connsiteY174"/>
+              </a:cxn>
+              <a:cxn ang="0">
+                <a:pos x="connsiteX175" y="connsiteY175"/>
+              </a:cxn>
+            </a:cxnLst>
+            <a:rect l="l" t="t" r="r" b="b"/>
+            <a:pathLst>
+              <a:path w="5448300" h="3238500">
+                <a:moveTo>
+                  <a:pt x="2276475" y="142875"/>
+                </a:moveTo>
+                <a:cubicBezTo>
+                  <a:pt x="2165350" y="142875"/>
+                  <a:pt x="1920854" y="137533"/>
+                  <a:pt x="1743075" y="133350"/>
+                </a:cubicBezTo>
+                <a:cubicBezTo>
+                  <a:pt x="1650971" y="131183"/>
+                  <a:pt x="1558980" y="123825"/>
+                  <a:pt x="1466850" y="123825"/>
+                </a:cubicBezTo>
+                <a:cubicBezTo>
+                  <a:pt x="1330288" y="123825"/>
+                  <a:pt x="1193800" y="130175"/>
+                  <a:pt x="1057275" y="133350"/>
+                </a:cubicBezTo>
+                <a:cubicBezTo>
+                  <a:pt x="1025525" y="136525"/>
+                  <a:pt x="993687" y="138917"/>
+                  <a:pt x="962025" y="142875"/>
+                </a:cubicBezTo>
+                <a:cubicBezTo>
+                  <a:pt x="938392" y="145829"/>
+                  <a:pt x="882330" y="156352"/>
+                  <a:pt x="857250" y="161925"/>
+                </a:cubicBezTo>
+                <a:cubicBezTo>
+                  <a:pt x="844471" y="164765"/>
+                  <a:pt x="831929" y="168610"/>
+                  <a:pt x="819150" y="171450"/>
+                </a:cubicBezTo>
+                <a:cubicBezTo>
+                  <a:pt x="803346" y="174962"/>
+                  <a:pt x="787329" y="177463"/>
+                  <a:pt x="771525" y="180975"/>
+                </a:cubicBezTo>
+                <a:cubicBezTo>
+                  <a:pt x="728339" y="190572"/>
+                  <a:pt x="723763" y="193721"/>
+                  <a:pt x="676275" y="209550"/>
+                </a:cubicBezTo>
+                <a:cubicBezTo>
+                  <a:pt x="666750" y="212725"/>
+                  <a:pt x="656054" y="213506"/>
+                  <a:pt x="647700" y="219075"/>
+                </a:cubicBezTo>
+                <a:lnTo>
+                  <a:pt x="533400" y="295275"/>
+                </a:lnTo>
+                <a:lnTo>
+                  <a:pt x="504825" y="314325"/>
+                </a:lnTo>
+                <a:lnTo>
+                  <a:pt x="476250" y="333375"/>
+                </a:lnTo>
+                <a:cubicBezTo>
+                  <a:pt x="400050" y="447675"/>
+                  <a:pt x="517525" y="279400"/>
+                  <a:pt x="428625" y="381000"/>
+                </a:cubicBezTo>
+                <a:lnTo>
+                  <a:pt x="371475" y="466725"/>
+                </a:lnTo>
+                <a:cubicBezTo>
+                  <a:pt x="365125" y="476250"/>
+                  <a:pt x="360520" y="487205"/>
+                  <a:pt x="352425" y="495300"/>
+                </a:cubicBezTo>
+                <a:cubicBezTo>
+                  <a:pt x="331359" y="516366"/>
+                  <a:pt x="318061" y="525928"/>
+                  <a:pt x="304800" y="552450"/>
+                </a:cubicBezTo>
+                <a:cubicBezTo>
+                  <a:pt x="300310" y="561430"/>
+                  <a:pt x="299765" y="572045"/>
+                  <a:pt x="295275" y="581025"/>
+                </a:cubicBezTo>
+                <a:cubicBezTo>
+                  <a:pt x="290155" y="591264"/>
+                  <a:pt x="281345" y="599361"/>
+                  <a:pt x="276225" y="609600"/>
+                </a:cubicBezTo>
+                <a:cubicBezTo>
+                  <a:pt x="271735" y="618580"/>
+                  <a:pt x="271190" y="629195"/>
+                  <a:pt x="266700" y="638175"/>
+                </a:cubicBezTo>
+                <a:cubicBezTo>
+                  <a:pt x="261580" y="648414"/>
+                  <a:pt x="252299" y="656289"/>
+                  <a:pt x="247650" y="666750"/>
+                </a:cubicBezTo>
+                <a:cubicBezTo>
+                  <a:pt x="226926" y="713378"/>
+                  <a:pt x="231863" y="719375"/>
+                  <a:pt x="219075" y="762000"/>
+                </a:cubicBezTo>
+                <a:cubicBezTo>
+                  <a:pt x="213305" y="781234"/>
+                  <a:pt x="204895" y="799669"/>
+                  <a:pt x="200025" y="819150"/>
+                </a:cubicBezTo>
+                <a:cubicBezTo>
+                  <a:pt x="196850" y="831850"/>
+                  <a:pt x="194096" y="844663"/>
+                  <a:pt x="190500" y="857250"/>
+                </a:cubicBezTo>
+                <a:cubicBezTo>
+                  <a:pt x="187742" y="866904"/>
+                  <a:pt x="183617" y="876139"/>
+                  <a:pt x="180975" y="885825"/>
+                </a:cubicBezTo>
+                <a:cubicBezTo>
+                  <a:pt x="174086" y="911084"/>
+                  <a:pt x="170204" y="937187"/>
+                  <a:pt x="161925" y="962025"/>
+                </a:cubicBezTo>
+                <a:cubicBezTo>
+                  <a:pt x="155575" y="981075"/>
+                  <a:pt x="147745" y="999694"/>
+                  <a:pt x="142875" y="1019175"/>
+                </a:cubicBezTo>
+                <a:cubicBezTo>
+                  <a:pt x="136525" y="1044575"/>
+                  <a:pt x="132104" y="1070537"/>
+                  <a:pt x="123825" y="1095375"/>
+                </a:cubicBezTo>
+                <a:cubicBezTo>
+                  <a:pt x="82957" y="1217980"/>
+                  <a:pt x="122176" y="1092445"/>
+                  <a:pt x="95250" y="1200150"/>
+                </a:cubicBezTo>
+                <a:cubicBezTo>
+                  <a:pt x="92815" y="1209890"/>
+                  <a:pt x="87903" y="1218924"/>
+                  <a:pt x="85725" y="1228725"/>
+                </a:cubicBezTo>
+                <a:cubicBezTo>
+                  <a:pt x="67013" y="1312927"/>
+                  <a:pt x="85652" y="1257555"/>
+                  <a:pt x="66675" y="1323975"/>
+                </a:cubicBezTo>
+                <a:cubicBezTo>
+                  <a:pt x="55672" y="1362485"/>
+                  <a:pt x="53247" y="1351450"/>
+                  <a:pt x="47625" y="1400175"/>
+                </a:cubicBezTo>
+                <a:cubicBezTo>
+                  <a:pt x="39948" y="1466710"/>
+                  <a:pt x="35971" y="1533633"/>
+                  <a:pt x="28575" y="1600200"/>
+                </a:cubicBezTo>
+                <a:lnTo>
+                  <a:pt x="9525" y="1771650"/>
+                </a:lnTo>
+                <a:cubicBezTo>
+                  <a:pt x="6350" y="1863725"/>
+                  <a:pt x="0" y="1955745"/>
+                  <a:pt x="0" y="2047875"/>
+                </a:cubicBezTo>
+                <a:cubicBezTo>
+                  <a:pt x="0" y="2130486"/>
+                  <a:pt x="2264" y="2213234"/>
+                  <a:pt x="9525" y="2295525"/>
+                </a:cubicBezTo>
+                <a:cubicBezTo>
+                  <a:pt x="11826" y="2321605"/>
+                  <a:pt x="20296" y="2346887"/>
+                  <a:pt x="28575" y="2371725"/>
+                </a:cubicBezTo>
+                <a:cubicBezTo>
+                  <a:pt x="73846" y="2507538"/>
+                  <a:pt x="28360" y="2366208"/>
+                  <a:pt x="57150" y="2466975"/>
+                </a:cubicBezTo>
+                <a:cubicBezTo>
+                  <a:pt x="59908" y="2476629"/>
+                  <a:pt x="63917" y="2485896"/>
+                  <a:pt x="66675" y="2495550"/>
+                </a:cubicBezTo>
+                <a:cubicBezTo>
+                  <a:pt x="70271" y="2508137"/>
+                  <a:pt x="72438" y="2521111"/>
+                  <a:pt x="76200" y="2533650"/>
+                </a:cubicBezTo>
+                <a:cubicBezTo>
+                  <a:pt x="81970" y="2552884"/>
+                  <a:pt x="88900" y="2571750"/>
+                  <a:pt x="95250" y="2590800"/>
+                </a:cubicBezTo>
+                <a:lnTo>
+                  <a:pt x="123825" y="2676525"/>
+                </a:lnTo>
+                <a:lnTo>
+                  <a:pt x="142875" y="2733675"/>
+                </a:lnTo>
+                <a:cubicBezTo>
+                  <a:pt x="146050" y="2743200"/>
+                  <a:pt x="147910" y="2753270"/>
+                  <a:pt x="152400" y="2762250"/>
+                </a:cubicBezTo>
+                <a:cubicBezTo>
+                  <a:pt x="158750" y="2774950"/>
+                  <a:pt x="164405" y="2788022"/>
+                  <a:pt x="171450" y="2800350"/>
+                </a:cubicBezTo>
+                <a:cubicBezTo>
+                  <a:pt x="177130" y="2810289"/>
+                  <a:pt x="185380" y="2818686"/>
+                  <a:pt x="190500" y="2828925"/>
+                </a:cubicBezTo>
+                <a:cubicBezTo>
+                  <a:pt x="240795" y="2929516"/>
+                  <a:pt x="117995" y="2734455"/>
+                  <a:pt x="238125" y="2914650"/>
+                </a:cubicBezTo>
+                <a:lnTo>
+                  <a:pt x="257175" y="2943225"/>
+                </a:lnTo>
+                <a:cubicBezTo>
+                  <a:pt x="263525" y="2952750"/>
+                  <a:pt x="268130" y="2963705"/>
+                  <a:pt x="276225" y="2971800"/>
+                </a:cubicBezTo>
+                <a:cubicBezTo>
+                  <a:pt x="285750" y="2981325"/>
+                  <a:pt x="296176" y="2990027"/>
+                  <a:pt x="304800" y="3000375"/>
+                </a:cubicBezTo>
+                <a:cubicBezTo>
+                  <a:pt x="312129" y="3009169"/>
+                  <a:pt x="316521" y="3020156"/>
+                  <a:pt x="323850" y="3028950"/>
+                </a:cubicBezTo>
+                <a:cubicBezTo>
+                  <a:pt x="346769" y="3056452"/>
+                  <a:pt x="352903" y="3057844"/>
+                  <a:pt x="381000" y="3076575"/>
+                </a:cubicBezTo>
+                <a:cubicBezTo>
+                  <a:pt x="413113" y="3124745"/>
+                  <a:pt x="382617" y="3091671"/>
+                  <a:pt x="428625" y="3114675"/>
+                </a:cubicBezTo>
+                <a:cubicBezTo>
+                  <a:pt x="438864" y="3119795"/>
+                  <a:pt x="446739" y="3129076"/>
+                  <a:pt x="457200" y="3133725"/>
+                </a:cubicBezTo>
+                <a:cubicBezTo>
+                  <a:pt x="475550" y="3141880"/>
+                  <a:pt x="497642" y="3141636"/>
+                  <a:pt x="514350" y="3152775"/>
+                </a:cubicBezTo>
+                <a:cubicBezTo>
+                  <a:pt x="523875" y="3159125"/>
+                  <a:pt x="532686" y="3166705"/>
+                  <a:pt x="542925" y="3171825"/>
+                </a:cubicBezTo>
+                <a:cubicBezTo>
+                  <a:pt x="564698" y="3182711"/>
+                  <a:pt x="597388" y="3185441"/>
+                  <a:pt x="619125" y="3190875"/>
+                </a:cubicBezTo>
+                <a:cubicBezTo>
+                  <a:pt x="628865" y="3193310"/>
+                  <a:pt x="637899" y="3198222"/>
+                  <a:pt x="647700" y="3200400"/>
+                </a:cubicBezTo>
+                <a:cubicBezTo>
+                  <a:pt x="666553" y="3204590"/>
+                  <a:pt x="685800" y="3206750"/>
+                  <a:pt x="704850" y="3209925"/>
+                </a:cubicBezTo>
+                <a:lnTo>
+                  <a:pt x="819150" y="3200400"/>
+                </a:lnTo>
+                <a:cubicBezTo>
+                  <a:pt x="862727" y="3196438"/>
+                  <a:pt x="917502" y="3193493"/>
+                  <a:pt x="962025" y="3181350"/>
+                </a:cubicBezTo>
+                <a:cubicBezTo>
+                  <a:pt x="981398" y="3176066"/>
+                  <a:pt x="999694" y="3167170"/>
+                  <a:pt x="1019175" y="3162300"/>
+                </a:cubicBezTo>
+                <a:cubicBezTo>
+                  <a:pt x="1031382" y="3159248"/>
+                  <a:pt x="1072185" y="3150082"/>
+                  <a:pt x="1085850" y="3143250"/>
+                </a:cubicBezTo>
+                <a:cubicBezTo>
+                  <a:pt x="1176416" y="3097967"/>
+                  <a:pt x="1024133" y="3154297"/>
+                  <a:pt x="1171575" y="3105150"/>
+                </a:cubicBezTo>
+                <a:lnTo>
+                  <a:pt x="1257300" y="3076575"/>
+                </a:lnTo>
+                <a:lnTo>
+                  <a:pt x="1285875" y="3067050"/>
+                </a:lnTo>
+                <a:cubicBezTo>
+                  <a:pt x="1295400" y="3063875"/>
+                  <a:pt x="1306096" y="3063094"/>
+                  <a:pt x="1314450" y="3057525"/>
+                </a:cubicBezTo>
+                <a:cubicBezTo>
+                  <a:pt x="1351379" y="3032906"/>
+                  <a:pt x="1332165" y="3042095"/>
+                  <a:pt x="1371600" y="3028950"/>
+                </a:cubicBezTo>
+                <a:cubicBezTo>
+                  <a:pt x="1496582" y="2935214"/>
+                  <a:pt x="1344771" y="3042797"/>
+                  <a:pt x="1438275" y="2990850"/>
+                </a:cubicBezTo>
+                <a:lnTo>
+                  <a:pt x="1524000" y="2933700"/>
+                </a:lnTo>
+                <a:lnTo>
+                  <a:pt x="1552575" y="2914650"/>
+                </a:lnTo>
+                <a:lnTo>
+                  <a:pt x="1581150" y="2895600"/>
+                </a:lnTo>
+                <a:cubicBezTo>
+                  <a:pt x="1635745" y="2813708"/>
+                  <a:pt x="1563050" y="2910080"/>
+                  <a:pt x="1628775" y="2857500"/>
+                </a:cubicBezTo>
+                <a:cubicBezTo>
+                  <a:pt x="1690323" y="2808261"/>
+                  <a:pt x="1604576" y="2843341"/>
+                  <a:pt x="1676400" y="2819400"/>
+                </a:cubicBezTo>
+                <a:cubicBezTo>
+                  <a:pt x="1730995" y="2737508"/>
+                  <a:pt x="1658300" y="2833880"/>
+                  <a:pt x="1724025" y="2781300"/>
+                </a:cubicBezTo>
+                <a:cubicBezTo>
+                  <a:pt x="1732964" y="2774149"/>
+                  <a:pt x="1734980" y="2760820"/>
+                  <a:pt x="1743075" y="2752725"/>
+                </a:cubicBezTo>
+                <a:cubicBezTo>
+                  <a:pt x="1751170" y="2744630"/>
+                  <a:pt x="1762125" y="2740025"/>
+                  <a:pt x="1771650" y="2733675"/>
+                </a:cubicBezTo>
+                <a:cubicBezTo>
+                  <a:pt x="1778000" y="2724150"/>
+                  <a:pt x="1783371" y="2713894"/>
+                  <a:pt x="1790700" y="2705100"/>
+                </a:cubicBezTo>
+                <a:cubicBezTo>
+                  <a:pt x="1813619" y="2677598"/>
+                  <a:pt x="1819753" y="2676206"/>
+                  <a:pt x="1847850" y="2657475"/>
+                </a:cubicBezTo>
+                <a:cubicBezTo>
+                  <a:pt x="1898650" y="2581275"/>
+                  <a:pt x="1831975" y="2673350"/>
+                  <a:pt x="1895475" y="2609850"/>
+                </a:cubicBezTo>
+                <a:cubicBezTo>
+                  <a:pt x="1903570" y="2601755"/>
+                  <a:pt x="1907196" y="2590069"/>
+                  <a:pt x="1914525" y="2581275"/>
+                </a:cubicBezTo>
+                <a:cubicBezTo>
+                  <a:pt x="1923149" y="2570927"/>
+                  <a:pt x="1934476" y="2563048"/>
+                  <a:pt x="1943100" y="2552700"/>
+                </a:cubicBezTo>
+                <a:cubicBezTo>
+                  <a:pt x="1982787" y="2505075"/>
+                  <a:pt x="1938338" y="2540000"/>
+                  <a:pt x="1990725" y="2505075"/>
+                </a:cubicBezTo>
+                <a:cubicBezTo>
+                  <a:pt x="2045320" y="2423183"/>
+                  <a:pt x="1972625" y="2519555"/>
+                  <a:pt x="2038350" y="2466975"/>
+                </a:cubicBezTo>
+                <a:cubicBezTo>
+                  <a:pt x="2047289" y="2459824"/>
+                  <a:pt x="2049305" y="2446495"/>
+                  <a:pt x="2057400" y="2438400"/>
+                </a:cubicBezTo>
+                <a:cubicBezTo>
+                  <a:pt x="2065495" y="2430305"/>
+                  <a:pt x="2076450" y="2425700"/>
+                  <a:pt x="2085975" y="2419350"/>
+                </a:cubicBezTo>
+                <a:cubicBezTo>
+                  <a:pt x="2120900" y="2366963"/>
+                  <a:pt x="2085975" y="2411413"/>
+                  <a:pt x="2133600" y="2371725"/>
+                </a:cubicBezTo>
+                <a:cubicBezTo>
+                  <a:pt x="2159235" y="2350362"/>
+                  <a:pt x="2160344" y="2337614"/>
+                  <a:pt x="2190750" y="2324100"/>
+                </a:cubicBezTo>
+                <a:cubicBezTo>
+                  <a:pt x="2207955" y="2316453"/>
+                  <a:pt x="2262556" y="2299788"/>
+                  <a:pt x="2286000" y="2295525"/>
+                </a:cubicBezTo>
+                <a:cubicBezTo>
+                  <a:pt x="2308089" y="2291509"/>
+                  <a:pt x="2330450" y="2289175"/>
+                  <a:pt x="2352675" y="2286000"/>
+                </a:cubicBezTo>
+                <a:lnTo>
+                  <a:pt x="2876550" y="2295525"/>
+                </a:lnTo>
+                <a:cubicBezTo>
+                  <a:pt x="2895852" y="2296158"/>
+                  <a:pt x="2914581" y="2302319"/>
+                  <a:pt x="2933700" y="2305050"/>
+                </a:cubicBezTo>
+                <a:cubicBezTo>
+                  <a:pt x="2974257" y="2310844"/>
+                  <a:pt x="3017502" y="2313185"/>
+                  <a:pt x="3057525" y="2324100"/>
+                </a:cubicBezTo>
+                <a:cubicBezTo>
+                  <a:pt x="3076898" y="2329384"/>
+                  <a:pt x="3095625" y="2336800"/>
+                  <a:pt x="3114675" y="2343150"/>
+                </a:cubicBezTo>
+                <a:cubicBezTo>
+                  <a:pt x="3124200" y="2346325"/>
+                  <a:pt x="3133510" y="2350240"/>
+                  <a:pt x="3143250" y="2352675"/>
+                </a:cubicBezTo>
+                <a:lnTo>
+                  <a:pt x="3181350" y="2362200"/>
+                </a:lnTo>
+                <a:cubicBezTo>
+                  <a:pt x="3190875" y="2368550"/>
+                  <a:pt x="3199875" y="2375768"/>
+                  <a:pt x="3209925" y="2381250"/>
+                </a:cubicBezTo>
+                <a:cubicBezTo>
+                  <a:pt x="3234856" y="2394848"/>
+                  <a:pt x="3264564" y="2400869"/>
+                  <a:pt x="3286125" y="2419350"/>
+                </a:cubicBezTo>
+                <a:cubicBezTo>
+                  <a:pt x="3464107" y="2571906"/>
+                  <a:pt x="3275554" y="2412799"/>
+                  <a:pt x="3390900" y="2505075"/>
+                </a:cubicBezTo>
+                <a:cubicBezTo>
+                  <a:pt x="3408810" y="2519403"/>
+                  <a:pt x="3461140" y="2565644"/>
+                  <a:pt x="3486150" y="2581275"/>
+                </a:cubicBezTo>
+                <a:cubicBezTo>
+                  <a:pt x="3498191" y="2588800"/>
+                  <a:pt x="3512436" y="2592449"/>
+                  <a:pt x="3524250" y="2600325"/>
+                </a:cubicBezTo>
+                <a:cubicBezTo>
+                  <a:pt x="3541166" y="2611602"/>
+                  <a:pt x="3554723" y="2627510"/>
+                  <a:pt x="3571875" y="2638425"/>
+                </a:cubicBezTo>
+                <a:cubicBezTo>
+                  <a:pt x="3589844" y="2649860"/>
+                  <a:pt x="3611056" y="2655565"/>
+                  <a:pt x="3629025" y="2667000"/>
+                </a:cubicBezTo>
+                <a:cubicBezTo>
+                  <a:pt x="3646177" y="2677915"/>
+                  <a:pt x="3659995" y="2693442"/>
+                  <a:pt x="3676650" y="2705100"/>
+                </a:cubicBezTo>
+                <a:cubicBezTo>
+                  <a:pt x="3691817" y="2715717"/>
+                  <a:pt x="3709464" y="2722567"/>
+                  <a:pt x="3724275" y="2733675"/>
+                </a:cubicBezTo>
+                <a:cubicBezTo>
+                  <a:pt x="3735051" y="2741757"/>
+                  <a:pt x="3742074" y="2754168"/>
+                  <a:pt x="3752850" y="2762250"/>
+                </a:cubicBezTo>
+                <a:cubicBezTo>
+                  <a:pt x="3780324" y="2782856"/>
+                  <a:pt x="3811101" y="2798794"/>
+                  <a:pt x="3838575" y="2819400"/>
+                </a:cubicBezTo>
+                <a:cubicBezTo>
+                  <a:pt x="3851275" y="2828925"/>
+                  <a:pt x="3864279" y="2838058"/>
+                  <a:pt x="3876675" y="2847975"/>
+                </a:cubicBezTo>
+                <a:cubicBezTo>
+                  <a:pt x="3896039" y="2863466"/>
+                  <a:pt x="3913828" y="2880936"/>
+                  <a:pt x="3933825" y="2895600"/>
+                </a:cubicBezTo>
+                <a:cubicBezTo>
+                  <a:pt x="3961519" y="2915909"/>
+                  <a:pt x="3992076" y="2932144"/>
+                  <a:pt x="4019550" y="2952750"/>
+                </a:cubicBezTo>
+                <a:cubicBezTo>
+                  <a:pt x="4032250" y="2962275"/>
+                  <a:pt x="4045597" y="2970994"/>
+                  <a:pt x="4057650" y="2981325"/>
+                </a:cubicBezTo>
+                <a:cubicBezTo>
+                  <a:pt x="4067877" y="2990091"/>
+                  <a:pt x="4075264" y="3002070"/>
+                  <a:pt x="4086225" y="3009900"/>
+                </a:cubicBezTo>
+                <a:cubicBezTo>
+                  <a:pt x="4097779" y="3018153"/>
+                  <a:pt x="4112149" y="3021645"/>
+                  <a:pt x="4124325" y="3028950"/>
+                </a:cubicBezTo>
+                <a:cubicBezTo>
+                  <a:pt x="4159823" y="3050249"/>
+                  <a:pt x="4192073" y="3077112"/>
+                  <a:pt x="4229100" y="3095625"/>
+                </a:cubicBezTo>
+                <a:cubicBezTo>
+                  <a:pt x="4241800" y="3101975"/>
+                  <a:pt x="4254149" y="3109082"/>
+                  <a:pt x="4267200" y="3114675"/>
+                </a:cubicBezTo>
+                <a:cubicBezTo>
+                  <a:pt x="4276428" y="3118630"/>
+                  <a:pt x="4286795" y="3119710"/>
+                  <a:pt x="4295775" y="3124200"/>
+                </a:cubicBezTo>
+                <a:cubicBezTo>
+                  <a:pt x="4306014" y="3129320"/>
+                  <a:pt x="4313828" y="3138741"/>
+                  <a:pt x="4324350" y="3143250"/>
+                </a:cubicBezTo>
+                <a:cubicBezTo>
+                  <a:pt x="4336382" y="3148407"/>
+                  <a:pt x="4349911" y="3149013"/>
+                  <a:pt x="4362450" y="3152775"/>
+                </a:cubicBezTo>
+                <a:cubicBezTo>
+                  <a:pt x="4381684" y="3158545"/>
+                  <a:pt x="4400550" y="3165475"/>
+                  <a:pt x="4419600" y="3171825"/>
+                </a:cubicBezTo>
+                <a:lnTo>
+                  <a:pt x="4533900" y="3209925"/>
+                </a:lnTo>
+                <a:cubicBezTo>
+                  <a:pt x="4543425" y="3213100"/>
+                  <a:pt x="4552536" y="3218030"/>
+                  <a:pt x="4562475" y="3219450"/>
+                </a:cubicBezTo>
+                <a:cubicBezTo>
+                  <a:pt x="4657612" y="3233041"/>
+                  <a:pt x="4606837" y="3226496"/>
+                  <a:pt x="4714875" y="3238500"/>
+                </a:cubicBezTo>
+                <a:cubicBezTo>
+                  <a:pt x="5047125" y="3222679"/>
+                  <a:pt x="4833195" y="3250959"/>
+                  <a:pt x="4943475" y="3219450"/>
+                </a:cubicBezTo>
+                <a:cubicBezTo>
+                  <a:pt x="4956062" y="3215854"/>
+                  <a:pt x="4969491" y="3214960"/>
+                  <a:pt x="4981575" y="3209925"/>
+                </a:cubicBezTo>
+                <a:cubicBezTo>
+                  <a:pt x="5007789" y="3199003"/>
+                  <a:pt x="5034146" y="3187577"/>
+                  <a:pt x="5057775" y="3171825"/>
+                </a:cubicBezTo>
+                <a:lnTo>
+                  <a:pt x="5114925" y="3133725"/>
+                </a:lnTo>
+                <a:cubicBezTo>
+                  <a:pt x="5127625" y="3114675"/>
+                  <a:pt x="5136836" y="3092764"/>
+                  <a:pt x="5153025" y="3076575"/>
+                </a:cubicBezTo>
+                <a:cubicBezTo>
+                  <a:pt x="5162550" y="3067050"/>
+                  <a:pt x="5174368" y="3059364"/>
+                  <a:pt x="5181600" y="3048000"/>
+                </a:cubicBezTo>
+                <a:cubicBezTo>
+                  <a:pt x="5246031" y="2946751"/>
+                  <a:pt x="5202998" y="3004422"/>
+                  <a:pt x="5229225" y="2943225"/>
+                </a:cubicBezTo>
+                <a:cubicBezTo>
+                  <a:pt x="5234818" y="2930174"/>
+                  <a:pt x="5243785" y="2918595"/>
+                  <a:pt x="5248275" y="2905125"/>
+                </a:cubicBezTo>
+                <a:cubicBezTo>
+                  <a:pt x="5256554" y="2880287"/>
+                  <a:pt x="5259046" y="2853763"/>
+                  <a:pt x="5267325" y="2828925"/>
+                </a:cubicBezTo>
+                <a:cubicBezTo>
+                  <a:pt x="5290865" y="2758305"/>
+                  <a:pt x="5277395" y="2789736"/>
+                  <a:pt x="5305425" y="2733675"/>
+                </a:cubicBezTo>
+                <a:cubicBezTo>
+                  <a:pt x="5308600" y="2717800"/>
+                  <a:pt x="5310298" y="2701557"/>
+                  <a:pt x="5314950" y="2686050"/>
+                </a:cubicBezTo>
+                <a:cubicBezTo>
+                  <a:pt x="5319863" y="2669673"/>
+                  <a:pt x="5328593" y="2654645"/>
+                  <a:pt x="5334000" y="2638425"/>
+                </a:cubicBezTo>
+                <a:cubicBezTo>
+                  <a:pt x="5338140" y="2626006"/>
+                  <a:pt x="5339763" y="2612864"/>
+                  <a:pt x="5343525" y="2600325"/>
+                </a:cubicBezTo>
+                <a:cubicBezTo>
+                  <a:pt x="5349295" y="2581091"/>
+                  <a:pt x="5357291" y="2562548"/>
+                  <a:pt x="5362575" y="2543175"/>
+                </a:cubicBezTo>
+                <a:cubicBezTo>
+                  <a:pt x="5372195" y="2507900"/>
+                  <a:pt x="5375784" y="2463921"/>
+                  <a:pt x="5381625" y="2428875"/>
+                </a:cubicBezTo>
+                <a:cubicBezTo>
+                  <a:pt x="5384287" y="2412906"/>
+                  <a:pt x="5387975" y="2397125"/>
+                  <a:pt x="5391150" y="2381250"/>
+                </a:cubicBezTo>
+                <a:cubicBezTo>
+                  <a:pt x="5416631" y="2100954"/>
+                  <a:pt x="5387597" y="2446818"/>
+                  <a:pt x="5410200" y="1847850"/>
+                </a:cubicBezTo>
+                <a:cubicBezTo>
+                  <a:pt x="5411165" y="1822271"/>
+                  <a:pt x="5415928" y="1796964"/>
+                  <a:pt x="5419725" y="1771650"/>
+                </a:cubicBezTo>
+                <a:cubicBezTo>
+                  <a:pt x="5454612" y="1539068"/>
+                  <a:pt x="5426277" y="1757331"/>
+                  <a:pt x="5448300" y="1581150"/>
+                </a:cubicBezTo>
+                <a:cubicBezTo>
+                  <a:pt x="5445125" y="1454150"/>
+                  <a:pt x="5444293" y="1327070"/>
+                  <a:pt x="5438775" y="1200150"/>
+                </a:cubicBezTo>
+                <a:cubicBezTo>
+                  <a:pt x="5437133" y="1162375"/>
+                  <a:pt x="5417413" y="1100459"/>
+                  <a:pt x="5410200" y="1066800"/>
+                </a:cubicBezTo>
+                <a:cubicBezTo>
+                  <a:pt x="5400675" y="1022350"/>
+                  <a:pt x="5392650" y="977552"/>
+                  <a:pt x="5381625" y="933450"/>
+                </a:cubicBezTo>
+                <a:cubicBezTo>
+                  <a:pt x="5378450" y="920750"/>
+                  <a:pt x="5376697" y="907607"/>
+                  <a:pt x="5372100" y="895350"/>
+                </a:cubicBezTo>
+                <a:cubicBezTo>
+                  <a:pt x="5367114" y="882055"/>
+                  <a:pt x="5358323" y="870433"/>
+                  <a:pt x="5353050" y="857250"/>
+                </a:cubicBezTo>
+                <a:cubicBezTo>
+                  <a:pt x="5345592" y="838606"/>
+                  <a:pt x="5342155" y="818450"/>
+                  <a:pt x="5334000" y="800100"/>
+                </a:cubicBezTo>
+                <a:cubicBezTo>
+                  <a:pt x="5329351" y="789639"/>
+                  <a:pt x="5320630" y="781464"/>
+                  <a:pt x="5314950" y="771525"/>
+                </a:cubicBezTo>
+                <a:cubicBezTo>
+                  <a:pt x="5257112" y="670308"/>
+                  <a:pt x="5347289" y="808847"/>
+                  <a:pt x="5257800" y="685800"/>
+                </a:cubicBezTo>
+                <a:cubicBezTo>
+                  <a:pt x="5244334" y="667284"/>
+                  <a:pt x="5231480" y="648283"/>
+                  <a:pt x="5219700" y="628650"/>
+                </a:cubicBezTo>
+                <a:cubicBezTo>
+                  <a:pt x="5212395" y="616474"/>
+                  <a:pt x="5207449" y="603015"/>
+                  <a:pt x="5200650" y="590550"/>
+                </a:cubicBezTo>
+                <a:cubicBezTo>
+                  <a:pt x="5188393" y="568078"/>
+                  <a:pt x="5176293" y="545471"/>
+                  <a:pt x="5162550" y="523875"/>
+                </a:cubicBezTo>
+                <a:cubicBezTo>
+                  <a:pt x="5154027" y="510482"/>
+                  <a:pt x="5142498" y="499168"/>
+                  <a:pt x="5133975" y="485775"/>
+                </a:cubicBezTo>
+                <a:cubicBezTo>
+                  <a:pt x="5132108" y="482841"/>
+                  <a:pt x="5091330" y="407448"/>
+                  <a:pt x="5076825" y="390525"/>
+                </a:cubicBezTo>
+                <a:cubicBezTo>
+                  <a:pt x="5065136" y="376888"/>
+                  <a:pt x="5050414" y="366062"/>
+                  <a:pt x="5038725" y="352425"/>
+                </a:cubicBezTo>
+                <a:cubicBezTo>
+                  <a:pt x="5031275" y="343733"/>
+                  <a:pt x="5027280" y="332406"/>
+                  <a:pt x="5019675" y="323850"/>
+                </a:cubicBezTo>
+                <a:cubicBezTo>
+                  <a:pt x="5001777" y="303714"/>
+                  <a:pt x="4977469" y="289116"/>
+                  <a:pt x="4962525" y="266700"/>
+                </a:cubicBezTo>
+                <a:cubicBezTo>
+                  <a:pt x="4956175" y="257175"/>
+                  <a:pt x="4951570" y="246220"/>
+                  <a:pt x="4943475" y="238125"/>
+                </a:cubicBezTo>
+                <a:cubicBezTo>
+                  <a:pt x="4935380" y="230030"/>
+                  <a:pt x="4924215" y="225729"/>
+                  <a:pt x="4914900" y="219075"/>
+                </a:cubicBezTo>
+                <a:cubicBezTo>
+                  <a:pt x="4900293" y="208642"/>
+                  <a:pt x="4866464" y="181271"/>
+                  <a:pt x="4848225" y="171450"/>
+                </a:cubicBezTo>
+                <a:cubicBezTo>
+                  <a:pt x="4816970" y="154621"/>
+                  <a:pt x="4784725" y="139700"/>
+                  <a:pt x="4752975" y="123825"/>
+                </a:cubicBezTo>
+                <a:cubicBezTo>
+                  <a:pt x="4722512" y="108593"/>
+                  <a:pt x="4681900" y="86310"/>
+                  <a:pt x="4648200" y="76200"/>
+                </a:cubicBezTo>
+                <a:cubicBezTo>
+                  <a:pt x="4632693" y="71548"/>
+                  <a:pt x="4616231" y="70795"/>
+                  <a:pt x="4600575" y="66675"/>
+                </a:cubicBezTo>
+                <a:cubicBezTo>
+                  <a:pt x="4555868" y="54910"/>
+                  <a:pt x="4513171" y="33680"/>
+                  <a:pt x="4467225" y="28575"/>
+                </a:cubicBezTo>
+                <a:lnTo>
+                  <a:pt x="4381500" y="19050"/>
+                </a:lnTo>
+                <a:cubicBezTo>
+                  <a:pt x="4332475" y="12922"/>
+                  <a:pt x="4305341" y="7944"/>
+                  <a:pt x="4257675" y="0"/>
+                </a:cubicBezTo>
+                <a:lnTo>
+                  <a:pt x="3962400" y="9525"/>
+                </a:lnTo>
+                <a:cubicBezTo>
+                  <a:pt x="3816158" y="16327"/>
+                  <a:pt x="3891567" y="16337"/>
+                  <a:pt x="3781425" y="28575"/>
+                </a:cubicBezTo>
+                <a:cubicBezTo>
+                  <a:pt x="3668808" y="41088"/>
+                  <a:pt x="3631426" y="39736"/>
+                  <a:pt x="3505200" y="47625"/>
+                </a:cubicBezTo>
+                <a:lnTo>
+                  <a:pt x="3371850" y="57150"/>
+                </a:lnTo>
+                <a:lnTo>
+                  <a:pt x="3171825" y="66675"/>
+                </a:lnTo>
+                <a:lnTo>
+                  <a:pt x="3009900" y="76200"/>
+                </a:lnTo>
+                <a:lnTo>
+                  <a:pt x="2647950" y="95250"/>
+                </a:lnTo>
+                <a:cubicBezTo>
+                  <a:pt x="2637640" y="96043"/>
+                  <a:pt x="2500959" y="111500"/>
+                  <a:pt x="2486025" y="114300"/>
+                </a:cubicBezTo>
+                <a:cubicBezTo>
+                  <a:pt x="2460292" y="119125"/>
+                  <a:pt x="2435899" y="130980"/>
+                  <a:pt x="2409825" y="133350"/>
+                </a:cubicBezTo>
+                <a:cubicBezTo>
+                  <a:pt x="2286078" y="144600"/>
+                  <a:pt x="2387600" y="142875"/>
+                  <a:pt x="2276475" y="142875"/>
+                </a:cubicBezTo>
+                <a:close/>
+              </a:path>
+            </a:pathLst>
+          </a:custGeom>
+          <a:noFill/>
+        </p:spPr>
+        <p:style>
+          <a:lnRef idx="2">
+            <a:schemeClr val="accent1">
+              <a:shade val="50000"/>
+            </a:schemeClr>
+          </a:lnRef>
+          <a:fillRef idx="1">
+            <a:schemeClr val="accent1"/>
+          </a:fillRef>
+          <a:effectRef idx="0">
+            <a:schemeClr val="accent1"/>
+          </a:effectRef>
+          <a:fontRef idx="minor">
+            <a:schemeClr val="lt1"/>
+          </a:fontRef>
+        </p:style>
+        <p:txBody>
+          <a:bodyPr rtlCol="0" anchor="ctr"/>
+          <a:lstStyle/>
+          <a:p>
+            <a:pPr algn="ctr"/>
+            <a:endParaRPr kumimoji="1" lang="ja-JP" altLang="en-US"/>
+          </a:p>
+        </p:txBody>
+      </p:sp>
+      <p:sp>
+        <p:nvSpPr>
+          <p:cNvPr id="15" name="楕円 14"/>
+          <p:cNvSpPr/>
+          <p:nvPr/>
+        </p:nvSpPr>
+        <p:spPr>
+          <a:xfrm>
+            <a:off x="8545796" y="4395786"/>
+            <a:ext cx="347662" cy="347662"/>
+          </a:xfrm>
+          <a:prstGeom prst="ellipse">
+            <a:avLst/>
+          </a:prstGeom>
+          <a:solidFill>
+            <a:schemeClr val="bg1"/>
+          </a:solidFill>
+        </p:spPr>
+        <p:style>
+          <a:lnRef idx="2">
+            <a:schemeClr val="accent1">
+              <a:shade val="50000"/>
+            </a:schemeClr>
+          </a:lnRef>
+          <a:fillRef idx="1">
+            <a:schemeClr val="accent1"/>
+          </a:fillRef>
+          <a:effectRef idx="0">
+            <a:schemeClr val="accent1"/>
+          </a:effectRef>
+          <a:fontRef idx="minor">
+            <a:schemeClr val="lt1"/>
+          </a:fontRef>
+        </p:style>
+        <p:txBody>
+          <a:bodyPr rtlCol="0" anchor="ctr"/>
+          <a:lstStyle/>
+          <a:p>
+            <a:pPr algn="ctr"/>
+            <a:r>
+              <a:rPr kumimoji="1" lang="ja-JP" altLang="en-US" dirty="0" smtClean="0">
+                <a:solidFill>
+                  <a:sysClr val="windowText" lastClr="000000"/>
+                </a:solidFill>
+              </a:rPr>
+              <a:t>６</a:t>
+            </a:r>
+            <a:endParaRPr kumimoji="1" lang="ja-JP" altLang="en-US" dirty="0">
+              <a:solidFill>
+                <a:sysClr val="windowText" lastClr="000000"/>
+              </a:solidFill>
+            </a:endParaRPr>
+          </a:p>
+        </p:txBody>
+      </p:sp>
+    </p:spTree>
+    <p:extLst>
+      <p:ext uri="{BB962C8B-B14F-4D97-AF65-F5344CB8AC3E}">
+        <p14:creationId xmlns:p14="http://schemas.microsoft.com/office/powerpoint/2010/main" val="3653351934"/>
       </p:ext>
     </p:extLst>
   </p:cSld>
@@ -5483,7 +10407,15 @@
           <a:p>
             <a:r>
               <a:rPr kumimoji="1" lang="ja-JP" altLang="en-US" dirty="0" smtClean="0"/>
-              <a:t>６、設定画面の仕様</a:t>
+              <a:t>６</a:t>
+            </a:r>
+            <a:r>
+              <a:rPr kumimoji="1" lang="ja-JP" altLang="en-US" dirty="0" smtClean="0"/>
+              <a:t>、ポーズ画面</a:t>
+            </a:r>
+            <a:r>
+              <a:rPr kumimoji="1" lang="ja-JP" altLang="en-US" dirty="0" smtClean="0"/>
+              <a:t>の仕様</a:t>
             </a:r>
             <a:endParaRPr kumimoji="1" lang="en-US" altLang="ja-JP" dirty="0" smtClean="0"/>
           </a:p>
@@ -8307,26 +13239,14 @@
           <a:p>
             <a:r>
               <a:rPr kumimoji="1" lang="ja-JP" altLang="en-US" sz="1400" dirty="0" smtClean="0"/>
-              <a:t>ランク</a:t>
-            </a:r>
-            <a:r>
-              <a:rPr kumimoji="1" lang="ja-JP" altLang="en-US" sz="1400" dirty="0" smtClean="0"/>
-              <a:t>は上から</a:t>
-            </a:r>
-            <a:r>
-              <a:rPr kumimoji="1" lang="ja-JP" altLang="en-US" sz="1400" dirty="0" smtClean="0"/>
-              <a:t>順に</a:t>
+              <a:t>ランクは上から順に</a:t>
             </a:r>
             <a:endParaRPr kumimoji="1" lang="en-US" altLang="ja-JP" sz="1400" dirty="0" smtClean="0"/>
           </a:p>
           <a:p>
             <a:r>
               <a:rPr lang="en-US" altLang="ja-JP" sz="1400" dirty="0" smtClean="0"/>
-              <a:t>S</a:t>
-            </a:r>
-            <a:r>
-              <a:rPr lang="en-US" altLang="ja-JP" sz="1400" dirty="0" smtClean="0"/>
-              <a:t>,  A,  B,  C,  D</a:t>
+              <a:t>S,  A,  B,  C,  D</a:t>
             </a:r>
             <a:r>
               <a:rPr lang="ja-JP" altLang="en-US" sz="1400" dirty="0" smtClean="0"/>
@@ -8404,11 +13324,7 @@
           <a:p>
             <a:r>
               <a:rPr kumimoji="1" lang="ja-JP" altLang="en-US" sz="1400" dirty="0" smtClean="0"/>
-              <a:t>スコアは保存</a:t>
-            </a:r>
-            <a:r>
-              <a:rPr kumimoji="1" lang="ja-JP" altLang="en-US" sz="1400" dirty="0" smtClean="0"/>
-              <a:t>しない</a:t>
+              <a:t>スコアは保存しない</a:t>
             </a:r>
             <a:endParaRPr kumimoji="1" lang="en-US" altLang="ja-JP" sz="1400" dirty="0" smtClean="0"/>
           </a:p>
@@ -11180,7 +16096,7 @@
         </p:nvSpPr>
         <p:spPr>
           <a:xfrm>
-            <a:off x="970527" y="1470660"/>
+            <a:off x="970527" y="963584"/>
             <a:ext cx="4288353" cy="2031325"/>
           </a:xfrm>
           <a:prstGeom prst="rect">
@@ -11283,6 +16199,99 @@
               <a:t>)</a:t>
             </a:r>
             <a:endParaRPr kumimoji="1" lang="ja-JP" altLang="en-US" dirty="0"/>
+          </a:p>
+        </p:txBody>
+      </p:sp>
+      <p:sp>
+        <p:nvSpPr>
+          <p:cNvPr id="4" name="テキスト ボックス 3"/>
+          <p:cNvSpPr txBox="1"/>
+          <p:nvPr/>
+        </p:nvSpPr>
+        <p:spPr>
+          <a:xfrm>
+            <a:off x="5258880" y="963584"/>
+            <a:ext cx="2518638" cy="2031325"/>
+          </a:xfrm>
+          <a:prstGeom prst="rect">
+            <a:avLst/>
+          </a:prstGeom>
+          <a:solidFill>
+            <a:schemeClr val="accent2">
+              <a:lumMod val="20000"/>
+              <a:lumOff val="80000"/>
+            </a:schemeClr>
+          </a:solidFill>
+          <a:ln>
+            <a:solidFill>
+              <a:schemeClr val="tx1"/>
+            </a:solidFill>
+          </a:ln>
+        </p:spPr>
+        <p:txBody>
+          <a:bodyPr wrap="none" rtlCol="0">
+            <a:spAutoFit/>
+          </a:bodyPr>
+          <a:lstStyle/>
+          <a:p>
+            <a:r>
+              <a:rPr kumimoji="1" lang="ja-JP" altLang="en-US" sz="1400" dirty="0" smtClean="0"/>
+              <a:t>ステージ配置のファイル名：</a:t>
+            </a:r>
+            <a:endParaRPr kumimoji="1" lang="en-US" altLang="ja-JP" sz="1400" dirty="0" smtClean="0"/>
+          </a:p>
+          <a:p>
+            <a:endParaRPr lang="en-US" altLang="ja-JP" sz="1400" dirty="0"/>
+          </a:p>
+          <a:p>
+            <a:r>
+              <a:rPr kumimoji="1" lang="ja-JP" altLang="en-US" sz="1400" dirty="0" smtClean="0"/>
+              <a:t>１、</a:t>
+            </a:r>
+            <a:r>
+              <a:rPr kumimoji="1" lang="en-US" altLang="ja-JP" sz="1400" dirty="0" smtClean="0"/>
+              <a:t>stage_0_Tutorial.xlsx</a:t>
+            </a:r>
+          </a:p>
+          <a:p>
+            <a:endParaRPr kumimoji="1" lang="en-US" altLang="ja-JP" sz="1400" dirty="0" smtClean="0"/>
+          </a:p>
+          <a:p>
+            <a:r>
+              <a:rPr lang="ja-JP" altLang="en-US" sz="1400" dirty="0" smtClean="0"/>
+              <a:t>２、</a:t>
+            </a:r>
+            <a:r>
+              <a:rPr lang="en-US" altLang="ja-JP" sz="1400" dirty="0" smtClean="0"/>
+              <a:t>stage_1_School.xlsx</a:t>
+            </a:r>
+          </a:p>
+          <a:p>
+            <a:endParaRPr lang="en-US" altLang="ja-JP" sz="1400" dirty="0" smtClean="0"/>
+          </a:p>
+          <a:p>
+            <a:r>
+              <a:rPr kumimoji="1" lang="ja-JP" altLang="en-US" sz="1400" dirty="0" smtClean="0"/>
+              <a:t>３、</a:t>
+            </a:r>
+            <a:r>
+              <a:rPr kumimoji="1" lang="en-US" altLang="ja-JP" sz="1400" dirty="0" smtClean="0"/>
+              <a:t>stage_2_City.xlsx</a:t>
+            </a:r>
+          </a:p>
+          <a:p>
+            <a:endParaRPr kumimoji="1" lang="en-US" altLang="ja-JP" sz="1400" dirty="0" smtClean="0"/>
+          </a:p>
+          <a:p>
+            <a:r>
+              <a:rPr kumimoji="1" lang="ja-JP" altLang="en-US" sz="1400" dirty="0" smtClean="0"/>
+              <a:t>４、</a:t>
+            </a:r>
+            <a:r>
+              <a:rPr kumimoji="1" lang="en-US" altLang="ja-JP" sz="1400" dirty="0" smtClean="0"/>
+              <a:t>stage_3_House.xlsx</a:t>
+            </a:r>
+            <a:endParaRPr kumimoji="1" lang="en-US" altLang="ja-JP" sz="1400" dirty="0" smtClean="0"/>
           </a:p>
         </p:txBody>
       </p:sp>
@@ -11380,7 +16389,7 @@
         </p:blipFill>
         <p:spPr>
           <a:xfrm>
-            <a:off x="324196" y="802178"/>
+            <a:off x="324196" y="689956"/>
             <a:ext cx="5469775" cy="3076748"/>
           </a:xfrm>
           <a:prstGeom prst="rect">
@@ -11430,8 +16439,8 @@
         </p:nvSpPr>
         <p:spPr>
           <a:xfrm>
-            <a:off x="6284420" y="689956"/>
-            <a:ext cx="5469775" cy="2246769"/>
+            <a:off x="6284420" y="448887"/>
+            <a:ext cx="5469775" cy="2462213"/>
           </a:xfrm>
           <a:prstGeom prst="rect">
             <a:avLst/>
@@ -11456,7 +16465,46 @@
           <a:p>
             <a:r>
               <a:rPr kumimoji="1" lang="ja-JP" altLang="en-US" sz="1400" dirty="0" smtClean="0"/>
-              <a:t>チュートリアル中はパンチボタンで次の画面に進める</a:t>
+              <a:t>チュートリアル中</a:t>
+            </a:r>
+            <a:r>
+              <a:rPr kumimoji="1" lang="ja-JP" altLang="en-US" sz="1400" dirty="0" smtClean="0"/>
+              <a:t>はパンチボタンで</a:t>
+            </a:r>
+            <a:r>
+              <a:rPr kumimoji="1" lang="ja-JP" altLang="en-US" sz="1400" dirty="0" smtClean="0"/>
+              <a:t>次の画面に</a:t>
+            </a:r>
+            <a:r>
+              <a:rPr kumimoji="1" lang="ja-JP" altLang="en-US" sz="1400" dirty="0" smtClean="0"/>
+              <a:t>進める</a:t>
+            </a:r>
+            <a:endParaRPr kumimoji="1" lang="en-US" altLang="ja-JP" sz="1400" dirty="0" smtClean="0"/>
+          </a:p>
+          <a:p>
+            <a:r>
+              <a:rPr lang="ja-JP" altLang="en-US" sz="1400" dirty="0" smtClean="0"/>
+              <a:t>その間はパンチはロックされ使えない</a:t>
+            </a:r>
+            <a:r>
+              <a:rPr lang="en-US" altLang="ja-JP" sz="1400" dirty="0" smtClean="0"/>
+              <a:t>(</a:t>
+            </a:r>
+            <a:r>
+              <a:rPr lang="ja-JP" altLang="en-US" sz="1400" dirty="0" smtClean="0"/>
+              <a:t>変数</a:t>
+            </a:r>
+            <a:r>
+              <a:rPr lang="en-US" altLang="ja-JP" sz="1400" dirty="0" err="1" smtClean="0"/>
+              <a:t>bLock</a:t>
+            </a:r>
+            <a:r>
+              <a:rPr lang="ja-JP" altLang="en-US" sz="1400" dirty="0" smtClean="0"/>
+              <a:t>とかで管理</a:t>
+            </a:r>
+            <a:r>
+              <a:rPr lang="en-US" altLang="ja-JP" sz="1400" dirty="0" smtClean="0"/>
+              <a:t>)</a:t>
             </a:r>
             <a:endParaRPr kumimoji="1" lang="en-US" altLang="ja-JP" sz="1400" dirty="0" smtClean="0"/>
           </a:p>
@@ -11553,8 +16601,8 @@
         </p:nvSpPr>
         <p:spPr>
           <a:xfrm>
-            <a:off x="324196" y="3946012"/>
-            <a:ext cx="5469775" cy="2677656"/>
+            <a:off x="324196" y="3861710"/>
+            <a:ext cx="5469775" cy="2893100"/>
           </a:xfrm>
           <a:prstGeom prst="rect">
             <a:avLst/>
@@ -11579,11 +16627,12 @@
           <a:p>
             <a:r>
               <a:rPr kumimoji="1" lang="ja-JP" altLang="en-US" sz="1400" dirty="0" smtClean="0"/>
-              <a:t>ミッション内容</a:t>
-            </a:r>
-            <a:endParaRPr kumimoji="1" lang="en-US" altLang="ja-JP" sz="1400" dirty="0" smtClean="0"/>
-          </a:p>
-          <a:p>
+              <a:t>ミッション</a:t>
+            </a:r>
+            <a:r>
+              <a:rPr kumimoji="1" lang="ja-JP" altLang="en-US" sz="1400" dirty="0" smtClean="0"/>
+              <a:t>内容</a:t>
+            </a:r>
             <a:endParaRPr kumimoji="1" lang="en-US" altLang="ja-JP" sz="1400" dirty="0" smtClean="0"/>
           </a:p>
           <a:p>
@@ -11726,6 +16775,28 @@
               <a:rPr kumimoji="1" lang="en-US" altLang="ja-JP" sz="1400" dirty="0" smtClean="0"/>
               <a:t>)</a:t>
             </a:r>
+          </a:p>
+          <a:p>
+            <a:endParaRPr lang="en-US" altLang="ja-JP" sz="1400" dirty="0"/>
+          </a:p>
+          <a:p>
+            <a:r>
+              <a:rPr kumimoji="1" lang="ja-JP" altLang="en-US" sz="1400" dirty="0" smtClean="0"/>
+              <a:t>鍵を拾う</a:t>
+            </a:r>
+            <a:r>
+              <a:rPr kumimoji="1" lang="en-US" altLang="ja-JP" sz="1400" dirty="0" smtClean="0"/>
+              <a:t>(</a:t>
+            </a:r>
+            <a:r>
+              <a:rPr kumimoji="1" lang="ja-JP" altLang="en-US" sz="1400" dirty="0" smtClean="0"/>
+              <a:t>ここで鍵が出現し、拾うとクリア</a:t>
+            </a:r>
+            <a:r>
+              <a:rPr kumimoji="1" lang="en-US" altLang="ja-JP" sz="1400" dirty="0" smtClean="0"/>
+              <a:t>)</a:t>
+            </a:r>
+            <a:endParaRPr kumimoji="1" lang="en-US" altLang="ja-JP" sz="1400" dirty="0" smtClean="0"/>
           </a:p>
         </p:txBody>
       </p:sp>
@@ -11837,8 +16908,8 @@
         </p:nvSpPr>
         <p:spPr>
           <a:xfrm>
-            <a:off x="324196" y="365760"/>
-            <a:ext cx="4980851" cy="369332"/>
+            <a:off x="1133642" y="365760"/>
+            <a:ext cx="3595856" cy="369332"/>
           </a:xfrm>
           <a:prstGeom prst="rect">
             <a:avLst/>
@@ -11853,6 +16924,172 @@
           <a:p>
             <a:r>
               <a:rPr lang="ja-JP" altLang="en-US" dirty="0" smtClean="0"/>
+              <a:t>ステージ</a:t>
+            </a:r>
+            <a:r>
+              <a:rPr lang="ja-JP" altLang="en-US" dirty="0" smtClean="0"/>
+              <a:t>：</a:t>
+            </a:r>
+            <a:r>
+              <a:rPr lang="ja-JP" altLang="en-US" dirty="0"/>
+              <a:t>チュートリアル</a:t>
+            </a:r>
+            <a:r>
+              <a:rPr lang="en-US" altLang="ja-JP" dirty="0"/>
+              <a:t>(</a:t>
+            </a:r>
+            <a:r>
+              <a:rPr lang="ja-JP" altLang="en-US" dirty="0"/>
+              <a:t>教室</a:t>
+            </a:r>
+            <a:r>
+              <a:rPr lang="en-US" altLang="ja-JP" dirty="0"/>
+              <a:t>)</a:t>
+            </a:r>
+          </a:p>
+        </p:txBody>
+      </p:sp>
+      <p:sp>
+        <p:nvSpPr>
+          <p:cNvPr id="3" name="テキスト ボックス 2"/>
+          <p:cNvSpPr txBox="1"/>
+          <p:nvPr/>
+        </p:nvSpPr>
+        <p:spPr>
+          <a:xfrm>
+            <a:off x="646329" y="1582340"/>
+            <a:ext cx="4570482" cy="3170099"/>
+          </a:xfrm>
+          <a:prstGeom prst="rect">
+            <a:avLst/>
+          </a:prstGeom>
+          <a:solidFill>
+            <a:schemeClr val="accent2">
+              <a:lumMod val="20000"/>
+              <a:lumOff val="80000"/>
+            </a:schemeClr>
+          </a:solidFill>
+          <a:ln>
+            <a:solidFill>
+              <a:schemeClr val="tx1"/>
+            </a:solidFill>
+          </a:ln>
+        </p:spPr>
+        <p:txBody>
+          <a:bodyPr wrap="none" rtlCol="0">
+            <a:spAutoFit/>
+          </a:bodyPr>
+          <a:lstStyle/>
+          <a:p>
+            <a:r>
+              <a:rPr kumimoji="1" lang="ja-JP" altLang="en-US" dirty="0" smtClean="0"/>
+              <a:t>ファイル名：</a:t>
+            </a:r>
+            <a:r>
+              <a:rPr lang="en-US" altLang="ja-JP" dirty="0" smtClean="0"/>
+              <a:t>stage_0_Tutorial.xlsx</a:t>
+            </a:r>
+          </a:p>
+          <a:p>
+            <a:endParaRPr lang="en-US" altLang="ja-JP" dirty="0"/>
+          </a:p>
+          <a:p>
+            <a:r>
+              <a:rPr lang="ja-JP" altLang="en-US" sz="2000" dirty="0" smtClean="0"/>
+              <a:t>ステージ説明文・ストーリー</a:t>
+            </a:r>
+            <a:endParaRPr lang="en-US" altLang="ja-JP" sz="2000" dirty="0" smtClean="0"/>
+          </a:p>
+          <a:p>
+            <a:endParaRPr lang="en-US" altLang="ja-JP" dirty="0"/>
+          </a:p>
+          <a:p>
+            <a:r>
+              <a:rPr lang="ja-JP" altLang="en-US" dirty="0" smtClean="0"/>
+              <a:t>今日は授業参観日。</a:t>
+            </a:r>
+            <a:endParaRPr lang="en-US" altLang="ja-JP" dirty="0" smtClean="0"/>
+          </a:p>
+          <a:p>
+            <a:endParaRPr lang="en-US" altLang="ja-JP" dirty="0"/>
+          </a:p>
+          <a:p>
+            <a:r>
+              <a:rPr lang="ja-JP" altLang="en-US" dirty="0" smtClean="0"/>
+              <a:t>生徒はぼく一人だし、</a:t>
+            </a:r>
+            <a:r>
+              <a:rPr lang="ja-JP" altLang="en-US" dirty="0"/>
+              <a:t>授業は</a:t>
+            </a:r>
+            <a:r>
+              <a:rPr lang="ja-JP" altLang="en-US" dirty="0" smtClean="0"/>
+              <a:t>退屈だけど、</a:t>
+            </a:r>
+            <a:endParaRPr lang="en-US" altLang="ja-JP" dirty="0"/>
+          </a:p>
+          <a:p>
+            <a:r>
+              <a:rPr lang="ja-JP" altLang="en-US" dirty="0" smtClean="0"/>
+              <a:t>画面の向こうからみんなが見てくれる。</a:t>
+            </a:r>
+            <a:endParaRPr lang="en-US" altLang="ja-JP" dirty="0" smtClean="0"/>
+          </a:p>
+          <a:p>
+            <a:endParaRPr lang="en-US" altLang="ja-JP" dirty="0"/>
+          </a:p>
+          <a:p>
+            <a:r>
+              <a:rPr lang="ja-JP" altLang="en-US" dirty="0" smtClean="0"/>
+              <a:t>みんなの期待に応えるために、</a:t>
+            </a:r>
+            <a:endParaRPr lang="en-US" altLang="ja-JP" dirty="0" smtClean="0"/>
+          </a:p>
+          <a:p>
+            <a:r>
+              <a:rPr lang="ja-JP" altLang="en-US" dirty="0"/>
+              <a:t>今日</a:t>
+            </a:r>
+            <a:r>
+              <a:rPr lang="ja-JP" altLang="en-US" dirty="0" smtClean="0"/>
+              <a:t>も授業</a:t>
+            </a:r>
+            <a:r>
+              <a:rPr lang="ja-JP" altLang="en-US" dirty="0"/>
+              <a:t>、</a:t>
+            </a:r>
+            <a:r>
+              <a:rPr lang="ja-JP" altLang="en-US" dirty="0" smtClean="0"/>
+              <a:t>がんばるぞ！</a:t>
+            </a:r>
+            <a:endParaRPr lang="en-US" altLang="ja-JP" dirty="0"/>
+          </a:p>
+        </p:txBody>
+      </p:sp>
+      <p:sp>
+        <p:nvSpPr>
+          <p:cNvPr id="4" name="テキスト ボックス 3"/>
+          <p:cNvSpPr txBox="1"/>
+          <p:nvPr/>
+        </p:nvSpPr>
+        <p:spPr>
+          <a:xfrm>
+            <a:off x="6652561" y="365760"/>
+            <a:ext cx="4980851" cy="369332"/>
+          </a:xfrm>
+          <a:prstGeom prst="rect">
+            <a:avLst/>
+          </a:prstGeom>
+          <a:noFill/>
+        </p:spPr>
+        <p:txBody>
+          <a:bodyPr wrap="none" rtlCol="0">
+            <a:spAutoFit/>
+          </a:bodyPr>
+          <a:lstStyle/>
+          <a:p>
+            <a:r>
+              <a:rPr lang="ja-JP" altLang="en-US" dirty="0" smtClean="0"/>
               <a:t>ステージ：</a:t>
             </a:r>
             <a:r>
@@ -11875,6 +17112,120 @@
               <a:rPr lang="en-US" altLang="ja-JP" dirty="0"/>
               <a:t>)</a:t>
             </a:r>
+          </a:p>
+        </p:txBody>
+      </p:sp>
+      <p:sp>
+        <p:nvSpPr>
+          <p:cNvPr id="5" name="テキスト ボックス 4"/>
+          <p:cNvSpPr txBox="1"/>
+          <p:nvPr/>
+        </p:nvSpPr>
+        <p:spPr>
+          <a:xfrm>
+            <a:off x="6742330" y="1582340"/>
+            <a:ext cx="4801314" cy="3693319"/>
+          </a:xfrm>
+          <a:prstGeom prst="rect">
+            <a:avLst/>
+          </a:prstGeom>
+          <a:solidFill>
+            <a:schemeClr val="accent2">
+              <a:lumMod val="20000"/>
+              <a:lumOff val="80000"/>
+            </a:schemeClr>
+          </a:solidFill>
+          <a:ln>
+            <a:solidFill>
+              <a:schemeClr val="tx1"/>
+            </a:solidFill>
+          </a:ln>
+        </p:spPr>
+        <p:txBody>
+          <a:bodyPr wrap="none" rtlCol="0">
+            <a:spAutoFit/>
+          </a:bodyPr>
+          <a:lstStyle/>
+          <a:p>
+            <a:r>
+              <a:rPr kumimoji="1" lang="ja-JP" altLang="en-US" dirty="0" smtClean="0"/>
+              <a:t>ファイル名：</a:t>
+            </a:r>
+            <a:r>
+              <a:rPr lang="en-US" altLang="ja-JP" dirty="0" smtClean="0"/>
+              <a:t>stage_1_School.xlsx</a:t>
+            </a:r>
+          </a:p>
+          <a:p>
+            <a:endParaRPr lang="en-US" altLang="ja-JP" dirty="0"/>
+          </a:p>
+          <a:p>
+            <a:r>
+              <a:rPr lang="ja-JP" altLang="en-US" dirty="0" smtClean="0"/>
+              <a:t>ステージ説明文・ストーリー</a:t>
+            </a:r>
+            <a:endParaRPr lang="en-US" altLang="ja-JP" dirty="0" smtClean="0"/>
+          </a:p>
+          <a:p>
+            <a:endParaRPr lang="en-US" altLang="ja-JP" dirty="0"/>
+          </a:p>
+          <a:p>
+            <a:r>
+              <a:rPr lang="ja-JP" altLang="en-US" dirty="0" smtClean="0"/>
+              <a:t>いつものように授業を受けていたら、</a:t>
+            </a:r>
+            <a:endParaRPr lang="en-US" altLang="ja-JP" dirty="0" smtClean="0"/>
+          </a:p>
+          <a:p>
+            <a:r>
+              <a:rPr lang="ja-JP" altLang="en-US" dirty="0" smtClean="0"/>
+              <a:t>なんだかお腹に違和感が</a:t>
+            </a:r>
+            <a:r>
+              <a:rPr lang="en-US" altLang="ja-JP" dirty="0" smtClean="0"/>
+              <a:t>…</a:t>
+            </a:r>
+          </a:p>
+          <a:p>
+            <a:endParaRPr lang="en-US" altLang="ja-JP" dirty="0" smtClean="0"/>
+          </a:p>
+          <a:p>
+            <a:r>
+              <a:rPr lang="en-US" altLang="ja-JP" dirty="0" smtClean="0"/>
+              <a:t>…</a:t>
+            </a:r>
+            <a:r>
+              <a:rPr lang="ja-JP" altLang="en-US" dirty="0" smtClean="0"/>
+              <a:t>これは、今にも漏れそうだ！</a:t>
+            </a:r>
+            <a:endParaRPr lang="en-US" altLang="ja-JP" dirty="0" smtClean="0"/>
+          </a:p>
+          <a:p>
+            <a:endParaRPr lang="en-US" altLang="ja-JP" dirty="0" smtClean="0"/>
+          </a:p>
+          <a:p>
+            <a:r>
+              <a:rPr lang="ja-JP" altLang="en-US" dirty="0" smtClean="0"/>
+              <a:t>障害物がたくさんの廊下をくぐり抜け、</a:t>
+            </a:r>
+            <a:endParaRPr lang="en-US" altLang="ja-JP" dirty="0" smtClean="0"/>
+          </a:p>
+          <a:p>
+            <a:r>
+              <a:rPr lang="ja-JP" altLang="en-US" dirty="0" smtClean="0"/>
+              <a:t>すぐにトイレへ向かわなければ！</a:t>
+            </a:r>
+            <a:endParaRPr lang="en-US" altLang="ja-JP" dirty="0" smtClean="0"/>
+          </a:p>
+          <a:p>
+            <a:endParaRPr lang="en-US" altLang="ja-JP" dirty="0"/>
+          </a:p>
+          <a:p>
+            <a:r>
+              <a:rPr lang="ja-JP" altLang="en-US" dirty="0" smtClean="0"/>
+              <a:t>「先生！トイレに行ってもいいですか！？」</a:t>
+            </a:r>
+            <a:endParaRPr lang="en-US" altLang="ja-JP" dirty="0"/>
           </a:p>
         </p:txBody>
       </p:sp>

--- a/先トイ_仕様書.pptx
+++ b/先トイ_仕様書.pptx
@@ -271,7 +271,7 @@
           <a:p>
             <a:fld id="{85E14F96-56D0-4961-8187-0DDD15D7D86F}" type="datetimeFigureOut">
               <a:rPr kumimoji="1" lang="ja-JP" altLang="en-US" smtClean="0"/>
-              <a:t>2020/12/24</a:t>
+              <a:t>2021/3/1</a:t>
             </a:fld>
             <a:endParaRPr kumimoji="1" lang="ja-JP" altLang="en-US"/>
           </a:p>
@@ -473,7 +473,7 @@
           <a:p>
             <a:fld id="{85E14F96-56D0-4961-8187-0DDD15D7D86F}" type="datetimeFigureOut">
               <a:rPr kumimoji="1" lang="ja-JP" altLang="en-US" smtClean="0"/>
-              <a:t>2020/12/24</a:t>
+              <a:t>2021/3/1</a:t>
             </a:fld>
             <a:endParaRPr kumimoji="1" lang="ja-JP" altLang="en-US"/>
           </a:p>
@@ -685,7 +685,7 @@
           <a:p>
             <a:fld id="{85E14F96-56D0-4961-8187-0DDD15D7D86F}" type="datetimeFigureOut">
               <a:rPr kumimoji="1" lang="ja-JP" altLang="en-US" smtClean="0"/>
-              <a:t>2020/12/24</a:t>
+              <a:t>2021/3/1</a:t>
             </a:fld>
             <a:endParaRPr kumimoji="1" lang="ja-JP" altLang="en-US"/>
           </a:p>
@@ -887,7 +887,7 @@
           <a:p>
             <a:fld id="{85E14F96-56D0-4961-8187-0DDD15D7D86F}" type="datetimeFigureOut">
               <a:rPr kumimoji="1" lang="ja-JP" altLang="en-US" smtClean="0"/>
-              <a:t>2020/12/24</a:t>
+              <a:t>2021/3/1</a:t>
             </a:fld>
             <a:endParaRPr kumimoji="1" lang="ja-JP" altLang="en-US"/>
           </a:p>
@@ -1133,7 +1133,7 @@
           <a:p>
             <a:fld id="{85E14F96-56D0-4961-8187-0DDD15D7D86F}" type="datetimeFigureOut">
               <a:rPr kumimoji="1" lang="ja-JP" altLang="en-US" smtClean="0"/>
-              <a:t>2020/12/24</a:t>
+              <a:t>2021/3/1</a:t>
             </a:fld>
             <a:endParaRPr kumimoji="1" lang="ja-JP" altLang="en-US"/>
           </a:p>
@@ -1429,7 +1429,7 @@
           <a:p>
             <a:fld id="{85E14F96-56D0-4961-8187-0DDD15D7D86F}" type="datetimeFigureOut">
               <a:rPr kumimoji="1" lang="ja-JP" altLang="en-US" smtClean="0"/>
-              <a:t>2020/12/24</a:t>
+              <a:t>2021/3/1</a:t>
             </a:fld>
             <a:endParaRPr kumimoji="1" lang="ja-JP" altLang="en-US"/>
           </a:p>
@@ -1860,7 +1860,7 @@
           <a:p>
             <a:fld id="{85E14F96-56D0-4961-8187-0DDD15D7D86F}" type="datetimeFigureOut">
               <a:rPr kumimoji="1" lang="ja-JP" altLang="en-US" smtClean="0"/>
-              <a:t>2020/12/24</a:t>
+              <a:t>2021/3/1</a:t>
             </a:fld>
             <a:endParaRPr kumimoji="1" lang="ja-JP" altLang="en-US"/>
           </a:p>
@@ -1978,7 +1978,7 @@
           <a:p>
             <a:fld id="{85E14F96-56D0-4961-8187-0DDD15D7D86F}" type="datetimeFigureOut">
               <a:rPr kumimoji="1" lang="ja-JP" altLang="en-US" smtClean="0"/>
-              <a:t>2020/12/24</a:t>
+              <a:t>2021/3/1</a:t>
             </a:fld>
             <a:endParaRPr kumimoji="1" lang="ja-JP" altLang="en-US"/>
           </a:p>
@@ -2073,7 +2073,7 @@
           <a:p>
             <a:fld id="{85E14F96-56D0-4961-8187-0DDD15D7D86F}" type="datetimeFigureOut">
               <a:rPr kumimoji="1" lang="ja-JP" altLang="en-US" smtClean="0"/>
-              <a:t>2020/12/24</a:t>
+              <a:t>2021/3/1</a:t>
             </a:fld>
             <a:endParaRPr kumimoji="1" lang="ja-JP" altLang="en-US"/>
           </a:p>
@@ -2382,7 +2382,7 @@
           <a:p>
             <a:fld id="{85E14F96-56D0-4961-8187-0DDD15D7D86F}" type="datetimeFigureOut">
               <a:rPr kumimoji="1" lang="ja-JP" altLang="en-US" smtClean="0"/>
-              <a:t>2020/12/24</a:t>
+              <a:t>2021/3/1</a:t>
             </a:fld>
             <a:endParaRPr kumimoji="1" lang="ja-JP" altLang="en-US"/>
           </a:p>
@@ -2635,7 +2635,7 @@
           <a:p>
             <a:fld id="{85E14F96-56D0-4961-8187-0DDD15D7D86F}" type="datetimeFigureOut">
               <a:rPr kumimoji="1" lang="ja-JP" altLang="en-US" smtClean="0"/>
-              <a:t>2020/12/24</a:t>
+              <a:t>2021/3/1</a:t>
             </a:fld>
             <a:endParaRPr kumimoji="1" lang="ja-JP" altLang="en-US"/>
           </a:p>
@@ -2880,7 +2880,7 @@
           <a:p>
             <a:fld id="{85E14F96-56D0-4961-8187-0DDD15D7D86F}" type="datetimeFigureOut">
               <a:rPr kumimoji="1" lang="ja-JP" altLang="en-US" smtClean="0"/>
-              <a:t>2020/12/24</a:t>
+              <a:t>2021/3/1</a:t>
             </a:fld>
             <a:endParaRPr kumimoji="1" lang="ja-JP" altLang="en-US"/>
           </a:p>
@@ -3411,11 +3411,7 @@
           <a:p>
             <a:r>
               <a:rPr lang="ja-JP" altLang="en-US" dirty="0" smtClean="0"/>
-              <a:t>ステージ</a:t>
-            </a:r>
-            <a:r>
-              <a:rPr lang="ja-JP" altLang="en-US" dirty="0" smtClean="0"/>
-              <a:t>：</a:t>
+              <a:t>ステージ：</a:t>
             </a:r>
             <a:r>
               <a:rPr lang="ja-JP" altLang="en-US" dirty="0"/>
@@ -3591,11 +3587,7 @@
           <a:p>
             <a:r>
               <a:rPr lang="ja-JP" altLang="en-US" dirty="0" smtClean="0"/>
-              <a:t>ステージ</a:t>
-            </a:r>
-            <a:r>
-              <a:rPr lang="ja-JP" altLang="en-US" dirty="0" smtClean="0"/>
-              <a:t>：</a:t>
+              <a:t>ステージ：</a:t>
             </a:r>
             <a:r>
               <a:rPr lang="ja-JP" altLang="en-US" dirty="0"/>
@@ -5760,11 +5752,7 @@
             </a:r>
             <a:r>
               <a:rPr lang="ja-JP" altLang="en-US" dirty="0" smtClean="0"/>
-              <a:t>移動スピード７％上昇・スタミナ消費</a:t>
-            </a:r>
-            <a:r>
-              <a:rPr lang="ja-JP" altLang="en-US" dirty="0" smtClean="0"/>
-              <a:t>１０％減少・</a:t>
+              <a:t>移動スピード７％上昇・スタミナ消費１０％減少・</a:t>
             </a:r>
             <a:r>
               <a:rPr lang="ja-JP" altLang="en-US" dirty="0" smtClean="0">
@@ -6210,11 +6198,7 @@
             </a:r>
             <a:r>
               <a:rPr kumimoji="1" lang="ja-JP" altLang="en-US" dirty="0" smtClean="0"/>
-              <a:t>の</a:t>
-            </a:r>
-            <a:r>
-              <a:rPr kumimoji="1" lang="ja-JP" altLang="en-US" dirty="0" smtClean="0"/>
-              <a:t>仕様</a:t>
+              <a:t>の仕様</a:t>
             </a:r>
             <a:r>
               <a:rPr lang="en-US" altLang="ja-JP" dirty="0" smtClean="0"/>
@@ -6229,57 +6213,6 @@
               <a:t>)</a:t>
             </a:r>
             <a:endParaRPr kumimoji="1" lang="ja-JP" altLang="en-US" dirty="0"/>
-          </a:p>
-        </p:txBody>
-      </p:sp>
-      <p:sp>
-        <p:nvSpPr>
-          <p:cNvPr id="11" name="テキスト ボックス 10"/>
-          <p:cNvSpPr txBox="1"/>
-          <p:nvPr/>
-        </p:nvSpPr>
-        <p:spPr>
-          <a:xfrm>
-            <a:off x="324196" y="1215371"/>
-            <a:ext cx="2159566" cy="523220"/>
-          </a:xfrm>
-          <a:prstGeom prst="rect">
-            <a:avLst/>
-          </a:prstGeom>
-          <a:solidFill>
-            <a:schemeClr val="accent2">
-              <a:lumMod val="20000"/>
-              <a:lumOff val="80000"/>
-            </a:schemeClr>
-          </a:solidFill>
-          <a:ln>
-            <a:solidFill>
-              <a:schemeClr val="tx1"/>
-            </a:solidFill>
-          </a:ln>
-        </p:spPr>
-        <p:txBody>
-          <a:bodyPr wrap="none" rtlCol="0">
-            <a:spAutoFit/>
-          </a:bodyPr>
-          <a:lstStyle/>
-          <a:p>
-            <a:r>
-              <a:rPr lang="ja-JP" altLang="en-US" sz="1400" dirty="0" smtClean="0"/>
-              <a:t>鍵穴は</a:t>
-            </a:r>
-            <a:r>
-              <a:rPr lang="ja-JP" altLang="en-US" sz="1400" dirty="0"/>
-              <a:t>ビルボードで表示</a:t>
-            </a:r>
-            <a:endParaRPr lang="en-US" altLang="ja-JP" sz="1400" dirty="0"/>
-          </a:p>
-          <a:p>
-            <a:r>
-              <a:rPr lang="ja-JP" altLang="en-US" sz="1400" dirty="0"/>
-              <a:t>ゆっくり上下移動させる</a:t>
-            </a:r>
-            <a:endParaRPr lang="ja-JP" altLang="en-US" sz="1400" dirty="0"/>
           </a:p>
         </p:txBody>
       </p:sp>
@@ -7513,11 +7446,7 @@
             </a:r>
             <a:r>
               <a:rPr lang="ja-JP" altLang="en-US" sz="1400" dirty="0" smtClean="0"/>
-              <a:t>フォルダ内</a:t>
-            </a:r>
-            <a:r>
-              <a:rPr lang="ja-JP" altLang="en-US" sz="1400" dirty="0" smtClean="0"/>
-              <a:t>「</a:t>
+              <a:t>フォルダ内「</a:t>
             </a:r>
             <a:r>
               <a:rPr lang="en-US" altLang="ja-JP" sz="1400" dirty="0" smtClean="0"/>
@@ -10407,15 +10336,7 @@
           <a:p>
             <a:r>
               <a:rPr kumimoji="1" lang="ja-JP" altLang="en-US" dirty="0" smtClean="0"/>
-              <a:t>６</a:t>
-            </a:r>
-            <a:r>
-              <a:rPr kumimoji="1" lang="ja-JP" altLang="en-US" dirty="0" smtClean="0"/>
-              <a:t>、ポーズ画面</a:t>
-            </a:r>
-            <a:r>
-              <a:rPr kumimoji="1" lang="ja-JP" altLang="en-US" dirty="0" smtClean="0"/>
-              <a:t>の仕様</a:t>
+              <a:t>６、ポーズ画面の仕様</a:t>
             </a:r>
             <a:endParaRPr kumimoji="1" lang="en-US" altLang="ja-JP" dirty="0" smtClean="0"/>
           </a:p>
@@ -16291,7 +16212,6 @@
               <a:rPr kumimoji="1" lang="en-US" altLang="ja-JP" sz="1400" dirty="0" smtClean="0"/>
               <a:t>stage_3_House.xlsx</a:t>
             </a:r>
-            <a:endParaRPr kumimoji="1" lang="en-US" altLang="ja-JP" sz="1400" dirty="0" smtClean="0"/>
           </a:p>
         </p:txBody>
       </p:sp>
@@ -16465,19 +16385,7 @@
           <a:p>
             <a:r>
               <a:rPr kumimoji="1" lang="ja-JP" altLang="en-US" sz="1400" dirty="0" smtClean="0"/>
-              <a:t>チュートリアル中</a:t>
-            </a:r>
-            <a:r>
-              <a:rPr kumimoji="1" lang="ja-JP" altLang="en-US" sz="1400" dirty="0" smtClean="0"/>
-              <a:t>はパンチボタンで</a:t>
-            </a:r>
-            <a:r>
-              <a:rPr kumimoji="1" lang="ja-JP" altLang="en-US" sz="1400" dirty="0" smtClean="0"/>
-              <a:t>次の画面に</a:t>
-            </a:r>
-            <a:r>
-              <a:rPr kumimoji="1" lang="ja-JP" altLang="en-US" sz="1400" dirty="0" smtClean="0"/>
-              <a:t>進める</a:t>
+              <a:t>チュートリアル中はパンチボタンで次の画面に進める</a:t>
             </a:r>
             <a:endParaRPr kumimoji="1" lang="en-US" altLang="ja-JP" sz="1400" dirty="0" smtClean="0"/>
           </a:p>
@@ -16627,11 +16535,7 @@
           <a:p>
             <a:r>
               <a:rPr kumimoji="1" lang="ja-JP" altLang="en-US" sz="1400" dirty="0" smtClean="0"/>
-              <a:t>ミッション</a:t>
-            </a:r>
-            <a:r>
-              <a:rPr kumimoji="1" lang="ja-JP" altLang="en-US" sz="1400" dirty="0" smtClean="0"/>
-              <a:t>内容</a:t>
+              <a:t>ミッション内容</a:t>
             </a:r>
             <a:endParaRPr kumimoji="1" lang="en-US" altLang="ja-JP" sz="1400" dirty="0" smtClean="0"/>
           </a:p>
@@ -16796,7 +16700,6 @@
               <a:rPr kumimoji="1" lang="en-US" altLang="ja-JP" sz="1400" dirty="0" smtClean="0"/>
               <a:t>)</a:t>
             </a:r>
-            <a:endParaRPr kumimoji="1" lang="en-US" altLang="ja-JP" sz="1400" dirty="0" smtClean="0"/>
           </a:p>
         </p:txBody>
       </p:sp>
@@ -16924,11 +16827,7 @@
           <a:p>
             <a:r>
               <a:rPr lang="ja-JP" altLang="en-US" dirty="0" smtClean="0"/>
-              <a:t>ステージ</a:t>
-            </a:r>
-            <a:r>
-              <a:rPr lang="ja-JP" altLang="en-US" dirty="0" smtClean="0"/>
-              <a:t>：</a:t>
+              <a:t>ステージ：</a:t>
             </a:r>
             <a:r>
               <a:rPr lang="ja-JP" altLang="en-US" dirty="0"/>
